--- a/調査報告書.pptx
+++ b/調査報告書.pptx
@@ -5,21 +5,23 @@
     <p:sldMasterId id="2147483691" r:id="rId4"/>
   </p:sldMasterIdLst>
   <p:notesMasterIdLst>
-    <p:notesMasterId r:id="rId14"/>
+    <p:notesMasterId r:id="rId16"/>
   </p:notesMasterIdLst>
   <p:handoutMasterIdLst>
-    <p:handoutMasterId r:id="rId15"/>
+    <p:handoutMasterId r:id="rId17"/>
   </p:handoutMasterIdLst>
   <p:sldIdLst>
     <p:sldId id="449" r:id="rId5"/>
     <p:sldId id="451" r:id="rId6"/>
     <p:sldId id="475" r:id="rId7"/>
-    <p:sldId id="511" r:id="rId8"/>
-    <p:sldId id="512" r:id="rId9"/>
-    <p:sldId id="452" r:id="rId10"/>
-    <p:sldId id="513" r:id="rId11"/>
-    <p:sldId id="476" r:id="rId12"/>
-    <p:sldId id="429" r:id="rId13"/>
+    <p:sldId id="515" r:id="rId8"/>
+    <p:sldId id="511" r:id="rId9"/>
+    <p:sldId id="512" r:id="rId10"/>
+    <p:sldId id="452" r:id="rId11"/>
+    <p:sldId id="513" r:id="rId12"/>
+    <p:sldId id="514" r:id="rId13"/>
+    <p:sldId id="476" r:id="rId14"/>
+    <p:sldId id="429" r:id="rId15"/>
   </p:sldIdLst>
   <p:sldSz cx="9906000" cy="6858000" type="A4"/>
   <p:notesSz cx="7099300" cy="10234613"/>
@@ -664,7 +666,7 @@
             <a:fld id="{1F9F5B7E-E3DD-4A68-A5E6-E7158F77278B}" type="datetimeFigureOut">
               <a:rPr kumimoji="1" lang="ja-JP" altLang="en-US" smtClean="0"/>
               <a:pPr/>
-              <a:t>2025/3/3</a:t>
+              <a:t>2025/3/4</a:t>
             </a:fld>
             <a:endParaRPr kumimoji="1" lang="ja-JP" altLang="en-US"/>
           </a:p>
@@ -839,7 +841,7 @@
               <a:pPr>
                 <a:defRPr/>
               </a:pPr>
-              <a:t>2025/3/3</a:t>
+              <a:t>2025/3/4</a:t>
             </a:fld>
             <a:endParaRPr lang="ja-JP" altLang="en-US" dirty="0"/>
           </a:p>
@@ -1251,7 +1253,7 @@
               <a:pPr>
                 <a:defRPr/>
               </a:pPr>
-              <a:t>8</a:t>
+              <a:t>10</a:t>
             </a:fld>
             <a:endParaRPr lang="ja-JP" altLang="en-US" dirty="0"/>
           </a:p>
@@ -4899,6 +4901,727 @@
 </p:sld>
 </file>
 
+<file path=ppt/slides/slide10.xml><?xml version="1.0" encoding="utf-8"?>
+<p:sld xmlns:a="http://schemas.openxmlformats.org/drawingml/2006/main" xmlns:r="http://schemas.openxmlformats.org/officeDocument/2006/relationships" xmlns:p="http://schemas.openxmlformats.org/presentationml/2006/main">
+  <p:cSld>
+    <p:spTree>
+      <p:nvGrpSpPr>
+        <p:cNvPr id="1" name=""/>
+        <p:cNvGrpSpPr/>
+        <p:nvPr/>
+      </p:nvGrpSpPr>
+      <p:grpSpPr>
+        <a:xfrm>
+          <a:off x="0" y="0"/>
+          <a:ext cx="0" cy="0"/>
+          <a:chOff x="0" y="0"/>
+          <a:chExt cx="0" cy="0"/>
+        </a:xfrm>
+      </p:grpSpPr>
+      <p:sp>
+        <p:nvSpPr>
+          <p:cNvPr id="12" name="テキスト プレースホルダー 11"/>
+          <p:cNvSpPr>
+            <a:spLocks noGrp="1"/>
+          </p:cNvSpPr>
+          <p:nvPr>
+            <p:ph type="body" sz="quarter" idx="13"/>
+          </p:nvPr>
+        </p:nvSpPr>
+        <p:spPr/>
+        <p:txBody>
+          <a:bodyPr/>
+          <a:lstStyle/>
+          <a:p>
+            <a:endParaRPr kumimoji="1" lang="ja-JP" altLang="en-US" dirty="0"/>
+          </a:p>
+        </p:txBody>
+      </p:sp>
+      <p:sp>
+        <p:nvSpPr>
+          <p:cNvPr id="13" name="テキスト プレースホルダー 12"/>
+          <p:cNvSpPr>
+            <a:spLocks noGrp="1"/>
+          </p:cNvSpPr>
+          <p:nvPr>
+            <p:ph type="body" sz="quarter" idx="14"/>
+          </p:nvPr>
+        </p:nvSpPr>
+        <p:spPr>
+          <a:xfrm>
+            <a:off x="0" y="466725"/>
+            <a:ext cx="9905999" cy="453183"/>
+          </a:xfrm>
+        </p:spPr>
+        <p:txBody>
+          <a:bodyPr/>
+          <a:lstStyle/>
+          <a:p>
+            <a:r>
+              <a:rPr lang="ja-JP" altLang="en-US" dirty="0">
+                <a:latin typeface="+mn-ea"/>
+              </a:rPr>
+              <a:t>コンテンツの状況総括</a:t>
+            </a:r>
+          </a:p>
+        </p:txBody>
+      </p:sp>
+      <p:sp>
+        <p:nvSpPr>
+          <p:cNvPr id="11" name="テキスト プレースホルダー 10"/>
+          <p:cNvSpPr>
+            <a:spLocks noGrp="1"/>
+          </p:cNvSpPr>
+          <p:nvPr>
+            <p:ph type="body" sz="quarter" idx="12"/>
+          </p:nvPr>
+        </p:nvSpPr>
+        <p:spPr/>
+        <p:txBody>
+          <a:bodyPr/>
+          <a:lstStyle/>
+          <a:p>
+            <a:r>
+              <a:rPr kumimoji="1" lang="ja-JP" altLang="en-US" sz="1400" dirty="0"/>
+              <a:t>他社採用サイトの</a:t>
+            </a:r>
+            <a:r>
+              <a:rPr lang="ja-JP" altLang="en-US" sz="1400" dirty="0">
+                <a:latin typeface="+mn-ea"/>
+              </a:rPr>
+              <a:t>ベンチマーク調査からや、</a:t>
+            </a:r>
+            <a:r>
+              <a:rPr lang="ja-JP" altLang="en-US" sz="1400" dirty="0"/>
+              <a:t>昨年の貴社採用サイト</a:t>
+            </a:r>
+            <a:r>
+              <a:rPr lang="ja-JP" altLang="en-US" sz="1400" dirty="0">
+                <a:latin typeface="+mn-ea"/>
+              </a:rPr>
+              <a:t>からの改善出来そうな部から、「</a:t>
+            </a:r>
+            <a:r>
+              <a:rPr lang="ja-JP" altLang="en-US" sz="1400" dirty="0"/>
+              <a:t>機能・コンテンツ」に関する</a:t>
+            </a:r>
+            <a:r>
+              <a:rPr lang="ja-JP" altLang="en-US" sz="1400" dirty="0">
+                <a:latin typeface="+mn-ea"/>
+              </a:rPr>
+              <a:t>発見事項を以下にまとめます。</a:t>
+            </a:r>
+            <a:endParaRPr kumimoji="1" lang="ja-JP" altLang="en-US" sz="1400" dirty="0"/>
+          </a:p>
+        </p:txBody>
+      </p:sp>
+      <p:sp>
+        <p:nvSpPr>
+          <p:cNvPr id="9" name="正方形/長方形 8">
+            <a:extLst>
+              <a:ext uri="{FF2B5EF4-FFF2-40B4-BE49-F238E27FC236}">
+                <a16:creationId xmlns:a16="http://schemas.microsoft.com/office/drawing/2014/main" id="{2BF1D34C-4D3A-4369-B776-2ED43360838C}"/>
+              </a:ext>
+            </a:extLst>
+          </p:cNvPr>
+          <p:cNvSpPr/>
+          <p:nvPr/>
+        </p:nvSpPr>
+        <p:spPr bwMode="auto">
+          <a:xfrm>
+            <a:off x="1114926" y="1841278"/>
+            <a:ext cx="8285748" cy="954107"/>
+          </a:xfrm>
+          <a:prstGeom prst="rect">
+            <a:avLst/>
+          </a:prstGeom>
+          <a:noFill/>
+          <a:ln w="9525" cap="flat" cmpd="sng" algn="ctr">
+            <a:noFill/>
+            <a:prstDash val="solid"/>
+            <a:round/>
+            <a:headEnd type="none" w="med" len="med"/>
+            <a:tailEnd type="none" w="med" len="med"/>
+          </a:ln>
+          <a:effectLst/>
+        </p:spPr>
+        <p:txBody>
+          <a:bodyPr vert="horz" wrap="square" lIns="91440" tIns="45720" rIns="91440" bIns="45720" numCol="1" rtlCol="0" anchor="t" anchorCtr="0" compatLnSpc="1">
+            <a:prstTxWarp prst="textNoShape">
+              <a:avLst/>
+            </a:prstTxWarp>
+            <a:spAutoFit/>
+          </a:bodyPr>
+          <a:lstStyle/>
+          <a:p>
+            <a:pPr defTabSz="957263"/>
+            <a:r>
+              <a:rPr lang="ja-JP" altLang="en-US" sz="1800" b="1" dirty="0">
+                <a:latin typeface="+mn-ea"/>
+                <a:ea typeface="+mn-ea"/>
+              </a:rPr>
+              <a:t>就活生むけに再編集されたわかりやすい事業内容</a:t>
+            </a:r>
+            <a:endParaRPr lang="en-US" altLang="ja-JP" sz="1800" b="1" dirty="0">
+              <a:latin typeface="+mn-ea"/>
+              <a:ea typeface="+mn-ea"/>
+            </a:endParaRPr>
+          </a:p>
+          <a:p>
+            <a:pPr defTabSz="957263"/>
+            <a:endParaRPr lang="en-US" altLang="ja-JP" dirty="0">
+              <a:latin typeface="+mn-ea"/>
+              <a:ea typeface="+mn-ea"/>
+            </a:endParaRPr>
+          </a:p>
+          <a:p>
+            <a:pPr defTabSz="957263"/>
+            <a:r>
+              <a:rPr lang="ja-JP" altLang="en-US" sz="1400" dirty="0">
+                <a:latin typeface="+mn-ea"/>
+                <a:ea typeface="+mn-ea"/>
+              </a:rPr>
+              <a:t>他社はインフォグラフィックを用いたり、言葉使いを考慮したりして、就活生に合わせわかりやすく伝える為の工夫がなされている。</a:t>
+            </a:r>
+          </a:p>
+        </p:txBody>
+      </p:sp>
+      <p:sp>
+        <p:nvSpPr>
+          <p:cNvPr id="3" name="楕円 2">
+            <a:extLst>
+              <a:ext uri="{FF2B5EF4-FFF2-40B4-BE49-F238E27FC236}">
+                <a16:creationId xmlns:a16="http://schemas.microsoft.com/office/drawing/2014/main" id="{FA1FAFF3-B135-425F-8F8B-00C11966203E}"/>
+              </a:ext>
+            </a:extLst>
+          </p:cNvPr>
+          <p:cNvSpPr/>
+          <p:nvPr/>
+        </p:nvSpPr>
+        <p:spPr bwMode="auto">
+          <a:xfrm>
+            <a:off x="489284" y="1841278"/>
+            <a:ext cx="457200" cy="457200"/>
+          </a:xfrm>
+          <a:prstGeom prst="ellipse">
+            <a:avLst/>
+          </a:prstGeom>
+          <a:solidFill>
+            <a:srgbClr val="2669AC"/>
+          </a:solidFill>
+          <a:ln w="9525" cap="flat" cmpd="sng" algn="ctr">
+            <a:solidFill>
+              <a:srgbClr val="969696"/>
+            </a:solidFill>
+            <a:prstDash val="solid"/>
+            <a:round/>
+            <a:headEnd type="none" w="med" len="med"/>
+            <a:tailEnd type="none" w="med" len="med"/>
+          </a:ln>
+          <a:effectLst/>
+        </p:spPr>
+        <p:txBody>
+          <a:bodyPr vert="horz" wrap="square" lIns="91440" tIns="45720" rIns="91440" bIns="45720" numCol="1" rtlCol="0" anchor="ctr" anchorCtr="0" compatLnSpc="1">
+            <a:prstTxWarp prst="textNoShape">
+              <a:avLst/>
+            </a:prstTxWarp>
+          </a:bodyPr>
+          <a:lstStyle/>
+          <a:p>
+            <a:pPr marL="0" marR="0" indent="0" algn="ctr" defTabSz="957263" rtl="0" eaLnBrk="1" fontAlgn="base" latinLnBrk="0" hangingPunct="1">
+              <a:lnSpc>
+                <a:spcPct val="100000"/>
+              </a:lnSpc>
+              <a:spcBef>
+                <a:spcPct val="0"/>
+              </a:spcBef>
+              <a:spcAft>
+                <a:spcPct val="0"/>
+              </a:spcAft>
+              <a:buClrTx/>
+              <a:buSzTx/>
+              <a:buFontTx/>
+              <a:buNone/>
+              <a:tabLst/>
+            </a:pPr>
+            <a:r>
+              <a:rPr kumimoji="1" lang="en-US" altLang="ja-JP" sz="1800" b="0" i="0" u="none" strike="noStrike" cap="none" normalizeH="0" baseline="0" dirty="0">
+                <a:ln>
+                  <a:noFill/>
+                </a:ln>
+                <a:solidFill>
+                  <a:schemeClr val="bg1"/>
+                </a:solidFill>
+                <a:effectLst/>
+                <a:latin typeface="+mn-ea"/>
+                <a:ea typeface="+mn-ea"/>
+              </a:rPr>
+              <a:t>1</a:t>
+            </a:r>
+            <a:endParaRPr kumimoji="1" lang="ja-JP" altLang="en-US" sz="1900" b="0" i="0" u="none" strike="noStrike" cap="none" normalizeH="0" baseline="0" dirty="0">
+              <a:ln>
+                <a:noFill/>
+              </a:ln>
+              <a:solidFill>
+                <a:schemeClr val="bg1"/>
+              </a:solidFill>
+              <a:effectLst/>
+              <a:latin typeface="+mn-ea"/>
+              <a:ea typeface="+mn-ea"/>
+            </a:endParaRPr>
+          </a:p>
+        </p:txBody>
+      </p:sp>
+      <p:sp>
+        <p:nvSpPr>
+          <p:cNvPr id="14" name="正方形/長方形 13">
+            <a:extLst>
+              <a:ext uri="{FF2B5EF4-FFF2-40B4-BE49-F238E27FC236}">
+                <a16:creationId xmlns:a16="http://schemas.microsoft.com/office/drawing/2014/main" id="{535E991A-8BCF-4961-958D-1DFDF65C73BA}"/>
+              </a:ext>
+            </a:extLst>
+          </p:cNvPr>
+          <p:cNvSpPr/>
+          <p:nvPr/>
+        </p:nvSpPr>
+        <p:spPr bwMode="auto">
+          <a:xfrm>
+            <a:off x="1114926" y="3056824"/>
+            <a:ext cx="8285748" cy="954107"/>
+          </a:xfrm>
+          <a:prstGeom prst="rect">
+            <a:avLst/>
+          </a:prstGeom>
+          <a:noFill/>
+          <a:ln w="9525" cap="flat" cmpd="sng" algn="ctr">
+            <a:noFill/>
+            <a:prstDash val="solid"/>
+            <a:round/>
+            <a:headEnd type="none" w="med" len="med"/>
+            <a:tailEnd type="none" w="med" len="med"/>
+          </a:ln>
+          <a:effectLst/>
+        </p:spPr>
+        <p:txBody>
+          <a:bodyPr vert="horz" wrap="square" lIns="91440" tIns="45720" rIns="91440" bIns="45720" numCol="1" rtlCol="0" anchor="t" anchorCtr="0" compatLnSpc="1">
+            <a:prstTxWarp prst="textNoShape">
+              <a:avLst/>
+            </a:prstTxWarp>
+            <a:spAutoFit/>
+          </a:bodyPr>
+          <a:lstStyle/>
+          <a:p>
+            <a:pPr defTabSz="957263"/>
+            <a:r>
+              <a:rPr lang="ja-JP" altLang="en-US" sz="1800" b="1" dirty="0">
+                <a:latin typeface="+mn-ea"/>
+                <a:ea typeface="+mn-ea"/>
+              </a:rPr>
+              <a:t>将来的なキャリア形成を期待させる情報が充実</a:t>
+            </a:r>
+          </a:p>
+          <a:p>
+            <a:pPr defTabSz="957263"/>
+            <a:endParaRPr lang="en-US" altLang="ja-JP" dirty="0">
+              <a:latin typeface="+mn-ea"/>
+              <a:ea typeface="+mn-ea"/>
+            </a:endParaRPr>
+          </a:p>
+          <a:p>
+            <a:pPr defTabSz="957263"/>
+            <a:r>
+              <a:rPr lang="ja-JP" altLang="en-US" sz="1400" dirty="0">
+                <a:latin typeface="+mn-ea"/>
+                <a:ea typeface="+mn-ea"/>
+              </a:rPr>
+              <a:t>社員のサクセスストーリーといったコンテンツを用意。また、「女性のキャリア」にフォーカスしたコンテンツやなどを豊富に用意。</a:t>
+            </a:r>
+          </a:p>
+        </p:txBody>
+      </p:sp>
+      <p:sp>
+        <p:nvSpPr>
+          <p:cNvPr id="15" name="楕円 14">
+            <a:extLst>
+              <a:ext uri="{FF2B5EF4-FFF2-40B4-BE49-F238E27FC236}">
+                <a16:creationId xmlns:a16="http://schemas.microsoft.com/office/drawing/2014/main" id="{1F55CA58-4A82-43BF-9175-F24869F5F966}"/>
+              </a:ext>
+            </a:extLst>
+          </p:cNvPr>
+          <p:cNvSpPr/>
+          <p:nvPr/>
+        </p:nvSpPr>
+        <p:spPr bwMode="auto">
+          <a:xfrm>
+            <a:off x="489284" y="3056824"/>
+            <a:ext cx="457200" cy="457200"/>
+          </a:xfrm>
+          <a:prstGeom prst="ellipse">
+            <a:avLst/>
+          </a:prstGeom>
+          <a:solidFill>
+            <a:srgbClr val="2669AC"/>
+          </a:solidFill>
+          <a:ln w="9525" cap="flat" cmpd="sng" algn="ctr">
+            <a:solidFill>
+              <a:srgbClr val="969696"/>
+            </a:solidFill>
+            <a:prstDash val="solid"/>
+            <a:round/>
+            <a:headEnd type="none" w="med" len="med"/>
+            <a:tailEnd type="none" w="med" len="med"/>
+          </a:ln>
+          <a:effectLst/>
+        </p:spPr>
+        <p:txBody>
+          <a:bodyPr vert="horz" wrap="square" lIns="91440" tIns="45720" rIns="91440" bIns="45720" numCol="1" rtlCol="0" anchor="ctr" anchorCtr="0" compatLnSpc="1">
+            <a:prstTxWarp prst="textNoShape">
+              <a:avLst/>
+            </a:prstTxWarp>
+          </a:bodyPr>
+          <a:lstStyle/>
+          <a:p>
+            <a:pPr marL="0" marR="0" indent="0" algn="ctr" defTabSz="957263" rtl="0" eaLnBrk="1" fontAlgn="base" latinLnBrk="0" hangingPunct="1">
+              <a:lnSpc>
+                <a:spcPct val="100000"/>
+              </a:lnSpc>
+              <a:spcBef>
+                <a:spcPct val="0"/>
+              </a:spcBef>
+              <a:spcAft>
+                <a:spcPct val="0"/>
+              </a:spcAft>
+              <a:buClrTx/>
+              <a:buSzTx/>
+              <a:buFontTx/>
+              <a:buNone/>
+              <a:tabLst/>
+            </a:pPr>
+            <a:r>
+              <a:rPr kumimoji="1" lang="en-US" altLang="ja-JP" sz="1900" b="0" i="0" u="none" strike="noStrike" cap="none" normalizeH="0" baseline="0" dirty="0">
+                <a:ln>
+                  <a:noFill/>
+                </a:ln>
+                <a:solidFill>
+                  <a:schemeClr val="bg1"/>
+                </a:solidFill>
+                <a:effectLst/>
+                <a:latin typeface="+mn-ea"/>
+                <a:ea typeface="+mn-ea"/>
+              </a:rPr>
+              <a:t>2</a:t>
+            </a:r>
+            <a:endParaRPr kumimoji="1" lang="ja-JP" altLang="en-US" sz="1900" b="0" i="0" u="none" strike="noStrike" cap="none" normalizeH="0" baseline="0" dirty="0">
+              <a:ln>
+                <a:noFill/>
+              </a:ln>
+              <a:solidFill>
+                <a:schemeClr val="bg1"/>
+              </a:solidFill>
+              <a:effectLst/>
+              <a:latin typeface="+mn-ea"/>
+              <a:ea typeface="+mn-ea"/>
+            </a:endParaRPr>
+          </a:p>
+        </p:txBody>
+      </p:sp>
+      <p:sp>
+        <p:nvSpPr>
+          <p:cNvPr id="16" name="正方形/長方形 15">
+            <a:extLst>
+              <a:ext uri="{FF2B5EF4-FFF2-40B4-BE49-F238E27FC236}">
+                <a16:creationId xmlns:a16="http://schemas.microsoft.com/office/drawing/2014/main" id="{1E94F03B-9493-407C-9431-EED3EF1883CD}"/>
+              </a:ext>
+            </a:extLst>
+          </p:cNvPr>
+          <p:cNvSpPr/>
+          <p:nvPr/>
+        </p:nvSpPr>
+        <p:spPr bwMode="auto">
+          <a:xfrm>
+            <a:off x="1114926" y="4268408"/>
+            <a:ext cx="8285748" cy="738664"/>
+          </a:xfrm>
+          <a:prstGeom prst="rect">
+            <a:avLst/>
+          </a:prstGeom>
+          <a:noFill/>
+          <a:ln w="9525" cap="flat" cmpd="sng" algn="ctr">
+            <a:noFill/>
+            <a:prstDash val="solid"/>
+            <a:round/>
+            <a:headEnd type="none" w="med" len="med"/>
+            <a:tailEnd type="none" w="med" len="med"/>
+          </a:ln>
+          <a:effectLst/>
+        </p:spPr>
+        <p:txBody>
+          <a:bodyPr vert="horz" wrap="square" lIns="91440" tIns="45720" rIns="91440" bIns="45720" numCol="1" rtlCol="0" anchor="t" anchorCtr="0" compatLnSpc="1">
+            <a:prstTxWarp prst="textNoShape">
+              <a:avLst/>
+            </a:prstTxWarp>
+            <a:spAutoFit/>
+          </a:bodyPr>
+          <a:lstStyle/>
+          <a:p>
+            <a:pPr defTabSz="957263"/>
+            <a:r>
+              <a:rPr lang="ja-JP" altLang="en-US" sz="1800" b="1" dirty="0">
+                <a:latin typeface="+mn-ea"/>
+                <a:ea typeface="+mn-ea"/>
+              </a:rPr>
+              <a:t>あああああああああああああああああああああああああ</a:t>
+            </a:r>
+          </a:p>
+          <a:p>
+            <a:pPr defTabSz="957263"/>
+            <a:endParaRPr lang="en-US" altLang="ja-JP" dirty="0">
+              <a:latin typeface="+mn-ea"/>
+              <a:ea typeface="+mn-ea"/>
+            </a:endParaRPr>
+          </a:p>
+          <a:p>
+            <a:pPr defTabSz="957263"/>
+            <a:r>
+              <a:rPr lang="ja-JP" altLang="en-US" sz="1400" dirty="0">
+                <a:latin typeface="+mn-ea"/>
+                <a:ea typeface="+mn-ea"/>
+              </a:rPr>
+              <a:t>あああああああああああああああああああああああああ。</a:t>
+            </a:r>
+          </a:p>
+        </p:txBody>
+      </p:sp>
+      <p:sp>
+        <p:nvSpPr>
+          <p:cNvPr id="17" name="楕円 16">
+            <a:extLst>
+              <a:ext uri="{FF2B5EF4-FFF2-40B4-BE49-F238E27FC236}">
+                <a16:creationId xmlns:a16="http://schemas.microsoft.com/office/drawing/2014/main" id="{98957D38-9C32-48BC-9E49-717C1EB3D1B3}"/>
+              </a:ext>
+            </a:extLst>
+          </p:cNvPr>
+          <p:cNvSpPr/>
+          <p:nvPr/>
+        </p:nvSpPr>
+        <p:spPr bwMode="auto">
+          <a:xfrm>
+            <a:off x="489284" y="4268408"/>
+            <a:ext cx="457200" cy="457200"/>
+          </a:xfrm>
+          <a:prstGeom prst="ellipse">
+            <a:avLst/>
+          </a:prstGeom>
+          <a:solidFill>
+            <a:srgbClr val="2669AC"/>
+          </a:solidFill>
+          <a:ln w="9525" cap="flat" cmpd="sng" algn="ctr">
+            <a:solidFill>
+              <a:srgbClr val="969696"/>
+            </a:solidFill>
+            <a:prstDash val="solid"/>
+            <a:round/>
+            <a:headEnd type="none" w="med" len="med"/>
+            <a:tailEnd type="none" w="med" len="med"/>
+          </a:ln>
+          <a:effectLst/>
+        </p:spPr>
+        <p:txBody>
+          <a:bodyPr vert="horz" wrap="square" lIns="91440" tIns="45720" rIns="91440" bIns="45720" numCol="1" rtlCol="0" anchor="ctr" anchorCtr="0" compatLnSpc="1">
+            <a:prstTxWarp prst="textNoShape">
+              <a:avLst/>
+            </a:prstTxWarp>
+          </a:bodyPr>
+          <a:lstStyle/>
+          <a:p>
+            <a:pPr marL="0" marR="0" indent="0" algn="ctr" defTabSz="957263" rtl="0" eaLnBrk="1" fontAlgn="base" latinLnBrk="0" hangingPunct="1">
+              <a:lnSpc>
+                <a:spcPct val="100000"/>
+              </a:lnSpc>
+              <a:spcBef>
+                <a:spcPct val="0"/>
+              </a:spcBef>
+              <a:spcAft>
+                <a:spcPct val="0"/>
+              </a:spcAft>
+              <a:buClrTx/>
+              <a:buSzTx/>
+              <a:buFontTx/>
+              <a:buNone/>
+              <a:tabLst/>
+            </a:pPr>
+            <a:r>
+              <a:rPr kumimoji="1" lang="en-US" altLang="ja-JP" sz="1900" b="0" i="0" u="none" strike="noStrike" cap="none" normalizeH="0" baseline="0" dirty="0">
+                <a:ln>
+                  <a:noFill/>
+                </a:ln>
+                <a:solidFill>
+                  <a:schemeClr val="bg1"/>
+                </a:solidFill>
+                <a:effectLst/>
+                <a:latin typeface="+mn-ea"/>
+                <a:ea typeface="+mn-ea"/>
+              </a:rPr>
+              <a:t>3</a:t>
+            </a:r>
+            <a:endParaRPr kumimoji="1" lang="ja-JP" altLang="en-US" sz="1900" b="0" i="0" u="none" strike="noStrike" cap="none" normalizeH="0" baseline="0" dirty="0">
+              <a:ln>
+                <a:noFill/>
+              </a:ln>
+              <a:solidFill>
+                <a:schemeClr val="bg1"/>
+              </a:solidFill>
+              <a:effectLst/>
+              <a:latin typeface="+mn-ea"/>
+              <a:ea typeface="+mn-ea"/>
+            </a:endParaRPr>
+          </a:p>
+        </p:txBody>
+      </p:sp>
+      <p:sp>
+        <p:nvSpPr>
+          <p:cNvPr id="18" name="テキスト ボックス 17">
+            <a:extLst>
+              <a:ext uri="{FF2B5EF4-FFF2-40B4-BE49-F238E27FC236}">
+                <a16:creationId xmlns:a16="http://schemas.microsoft.com/office/drawing/2014/main" id="{E07C5792-2FBF-4C1F-B83D-E6BEF168F505}"/>
+              </a:ext>
+            </a:extLst>
+          </p:cNvPr>
+          <p:cNvSpPr txBox="1"/>
+          <p:nvPr/>
+        </p:nvSpPr>
+        <p:spPr>
+          <a:xfrm>
+            <a:off x="3882568" y="5520851"/>
+            <a:ext cx="1415772" cy="338554"/>
+          </a:xfrm>
+          <a:prstGeom prst="rect">
+            <a:avLst/>
+          </a:prstGeom>
+          <a:solidFill>
+            <a:srgbClr val="C00000"/>
+          </a:solidFill>
+        </p:spPr>
+        <p:txBody>
+          <a:bodyPr wrap="none" rtlCol="0">
+            <a:spAutoFit/>
+          </a:bodyPr>
+          <a:lstStyle/>
+          <a:p>
+            <a:pPr fontAlgn="auto">
+              <a:spcBef>
+                <a:spcPts val="0"/>
+              </a:spcBef>
+              <a:spcAft>
+                <a:spcPts val="0"/>
+              </a:spcAft>
+            </a:pPr>
+            <a:r>
+              <a:rPr kumimoji="1" lang="ja-JP" altLang="en-US" sz="1600" dirty="0">
+                <a:solidFill>
+                  <a:schemeClr val="bg1"/>
+                </a:solidFill>
+                <a:latin typeface="Impact" pitchFamily="34" charset="0"/>
+                <a:ea typeface="+mn-ea"/>
+              </a:rPr>
+              <a:t>調査して書く</a:t>
+            </a:r>
+          </a:p>
+        </p:txBody>
+      </p:sp>
+    </p:spTree>
+    <p:extLst>
+      <p:ext uri="{BB962C8B-B14F-4D97-AF65-F5344CB8AC3E}">
+        <p14:creationId xmlns:p14="http://schemas.microsoft.com/office/powerpoint/2010/main" val="1489979408"/>
+      </p:ext>
+    </p:extLst>
+  </p:cSld>
+  <p:clrMapOvr>
+    <a:masterClrMapping/>
+  </p:clrMapOvr>
+</p:sld>
+</file>
+
+<file path=ppt/slides/slide11.xml><?xml version="1.0" encoding="utf-8"?>
+<p:sld xmlns:a="http://schemas.openxmlformats.org/drawingml/2006/main" xmlns:r="http://schemas.openxmlformats.org/officeDocument/2006/relationships" xmlns:p="http://schemas.openxmlformats.org/presentationml/2006/main">
+  <p:cSld>
+    <p:spTree>
+      <p:nvGrpSpPr>
+        <p:cNvPr id="1" name=""/>
+        <p:cNvGrpSpPr/>
+        <p:nvPr/>
+      </p:nvGrpSpPr>
+      <p:grpSpPr>
+        <a:xfrm>
+          <a:off x="0" y="0"/>
+          <a:ext cx="0" cy="0"/>
+          <a:chOff x="0" y="0"/>
+          <a:chExt cx="0" cy="0"/>
+        </a:xfrm>
+      </p:grpSpPr>
+      <p:sp>
+        <p:nvSpPr>
+          <p:cNvPr id="5" name="テキスト プレースホルダー 4"/>
+          <p:cNvSpPr>
+            <a:spLocks noGrp="1"/>
+          </p:cNvSpPr>
+          <p:nvPr>
+            <p:ph type="body" sz="quarter" idx="10"/>
+          </p:nvPr>
+        </p:nvSpPr>
+        <p:spPr/>
+        <p:txBody>
+          <a:bodyPr/>
+          <a:lstStyle/>
+          <a:p>
+            <a:r>
+              <a:rPr lang="ja-JP" altLang="en-US"/>
+              <a:t>株式会社ミツエーリンクス</a:t>
+            </a:r>
+          </a:p>
+          <a:p>
+            <a:r>
+              <a:rPr lang="ja-JP" altLang="en-US"/>
+              <a:t>第一本部　営業グループ</a:t>
+            </a:r>
+          </a:p>
+          <a:p>
+            <a:r>
+              <a:rPr lang="ja-JP" altLang="en-US"/>
+              <a:t>○○</a:t>
+            </a:r>
+            <a:endParaRPr lang="en-US" altLang="ja-JP"/>
+          </a:p>
+          <a:p>
+            <a:r>
+              <a:rPr lang="en-US" altLang="ja-JP"/>
+              <a:t>TEL</a:t>
+            </a:r>
+            <a:r>
+              <a:rPr lang="ja-JP" altLang="en-US"/>
+              <a:t>：</a:t>
+            </a:r>
+            <a:r>
+              <a:rPr lang="en-US" altLang="ja-JP"/>
+              <a:t>03-5937-2893</a:t>
+            </a:r>
+            <a:endParaRPr lang="en-US" altLang="ja-JP" dirty="0"/>
+          </a:p>
+        </p:txBody>
+      </p:sp>
+    </p:spTree>
+    <p:extLst>
+      <p:ext uri="{BB962C8B-B14F-4D97-AF65-F5344CB8AC3E}">
+        <p14:creationId xmlns:p14="http://schemas.microsoft.com/office/powerpoint/2010/main" val="2749020189"/>
+      </p:ext>
+    </p:extLst>
+  </p:cSld>
+  <p:clrMapOvr>
+    <a:masterClrMapping/>
+  </p:clrMapOvr>
+</p:sld>
+</file>
+
 <file path=ppt/slides/slide2.xml><?xml version="1.0" encoding="utf-8"?>
 <p:sld xmlns:a="http://schemas.openxmlformats.org/drawingml/2006/main" xmlns:r="http://schemas.openxmlformats.org/officeDocument/2006/relationships" xmlns:p="http://schemas.openxmlformats.org/presentationml/2006/main">
   <p:cSld>
@@ -4994,10 +5717,10 @@
       </p:grpSpPr>
       <p:sp>
         <p:nvSpPr>
-          <p:cNvPr id="15" name="正方形/長方形 14">
+          <p:cNvPr id="5" name="正方形/長方形 4">
             <a:extLst>
               <a:ext uri="{FF2B5EF4-FFF2-40B4-BE49-F238E27FC236}">
-                <a16:creationId xmlns:a16="http://schemas.microsoft.com/office/drawing/2014/main" id="{EA20F1CD-B2A5-ADDB-4AE9-24420D043BF9}"/>
+                <a16:creationId xmlns:a16="http://schemas.microsoft.com/office/drawing/2014/main" id="{4AB58A46-301D-9078-3DD8-92450C8C8992}"/>
               </a:ext>
             </a:extLst>
           </p:cNvPr>
@@ -5006,8 +5729,8 @@
         </p:nvSpPr>
         <p:spPr bwMode="auto">
           <a:xfrm>
-            <a:off x="339725" y="2512502"/>
-            <a:ext cx="3187246" cy="276999"/>
+            <a:off x="339725" y="3600379"/>
+            <a:ext cx="3187246" cy="433553"/>
           </a:xfrm>
           <a:prstGeom prst="rect">
             <a:avLst/>
@@ -5067,6 +5790,79 @@
       </p:sp>
       <p:sp>
         <p:nvSpPr>
+          <p:cNvPr id="4" name="正方形/長方形 3">
+            <a:extLst>
+              <a:ext uri="{FF2B5EF4-FFF2-40B4-BE49-F238E27FC236}">
+                <a16:creationId xmlns:a16="http://schemas.microsoft.com/office/drawing/2014/main" id="{CB70AEDF-1B23-49E2-9F9C-4BDCC1150A3A}"/>
+              </a:ext>
+            </a:extLst>
+          </p:cNvPr>
+          <p:cNvSpPr/>
+          <p:nvPr/>
+        </p:nvSpPr>
+        <p:spPr bwMode="auto">
+          <a:xfrm>
+            <a:off x="339725" y="2434223"/>
+            <a:ext cx="3187246" cy="433553"/>
+          </a:xfrm>
+          <a:prstGeom prst="rect">
+            <a:avLst/>
+          </a:prstGeom>
+          <a:solidFill>
+            <a:schemeClr val="accent1">
+              <a:lumMod val="40000"/>
+              <a:lumOff val="60000"/>
+            </a:schemeClr>
+          </a:solidFill>
+          <a:ln w="9525" cap="flat" cmpd="sng" algn="ctr">
+            <a:noFill/>
+            <a:prstDash val="solid"/>
+            <a:round/>
+            <a:headEnd type="none" w="med" len="med"/>
+            <a:tailEnd type="none" w="med" len="med"/>
+          </a:ln>
+          <a:effectLst/>
+        </p:spPr>
+        <p:txBody>
+          <a:bodyPr vert="horz" wrap="square" lIns="91440" tIns="45720" rIns="91440" bIns="45720" numCol="1" rtlCol="0" anchor="t" anchorCtr="0" compatLnSpc="1">
+            <a:prstTxWarp prst="textNoShape">
+              <a:avLst/>
+            </a:prstTxWarp>
+          </a:bodyPr>
+          <a:lstStyle/>
+          <a:p>
+            <a:pPr marL="0" marR="0" indent="0" algn="l" defTabSz="957263" rtl="0" eaLnBrk="1" fontAlgn="base" latinLnBrk="0" hangingPunct="1">
+              <a:lnSpc>
+                <a:spcPct val="100000"/>
+              </a:lnSpc>
+              <a:spcBef>
+                <a:spcPct val="0"/>
+              </a:spcBef>
+              <a:spcAft>
+                <a:spcPct val="0"/>
+              </a:spcAft>
+              <a:buClrTx/>
+              <a:buSzTx/>
+              <a:buFontTx/>
+              <a:buNone/>
+              <a:tabLst/>
+            </a:pPr>
+            <a:endParaRPr kumimoji="1" lang="ja-JP" altLang="en-US" sz="1900" b="0" i="0" u="none" strike="noStrike" cap="none" normalizeH="0" baseline="0" dirty="0">
+              <a:ln>
+                <a:noFill/>
+              </a:ln>
+              <a:solidFill>
+                <a:schemeClr val="tx1"/>
+              </a:solidFill>
+              <a:effectLst/>
+              <a:latin typeface="Arial" charset="0"/>
+              <a:ea typeface="ＭＳ Ｐゴシック" charset="-128"/>
+            </a:endParaRPr>
+          </a:p>
+        </p:txBody>
+      </p:sp>
+      <p:sp>
+        <p:nvSpPr>
           <p:cNvPr id="9" name="正方形/長方形 8">
             <a:extLst>
               <a:ext uri="{FF2B5EF4-FFF2-40B4-BE49-F238E27FC236}">
@@ -5079,8 +5875,8 @@
         </p:nvSpPr>
         <p:spPr bwMode="auto">
           <a:xfrm>
-            <a:off x="339725" y="1482891"/>
-            <a:ext cx="3187246" cy="276999"/>
+            <a:off x="339725" y="1379333"/>
+            <a:ext cx="3187246" cy="433553"/>
           </a:xfrm>
           <a:prstGeom prst="rect">
             <a:avLst/>
@@ -5393,10 +6189,469 @@
       </p:sp>
       <p:sp>
         <p:nvSpPr>
-          <p:cNvPr id="19" name="正方形/長方形 18">
+          <p:cNvPr id="20" name="テキスト プレースホルダー 2">
             <a:extLst>
               <a:ext uri="{FF2B5EF4-FFF2-40B4-BE49-F238E27FC236}">
-                <a16:creationId xmlns:a16="http://schemas.microsoft.com/office/drawing/2014/main" id="{F9077DC0-F4E2-7B54-846D-D0EAD125DE64}"/>
+                <a16:creationId xmlns:a16="http://schemas.microsoft.com/office/drawing/2014/main" id="{CF466223-9B37-6436-F377-DAED2A23115C}"/>
+              </a:ext>
+            </a:extLst>
+          </p:cNvPr>
+          <p:cNvSpPr txBox="1">
+            <a:spLocks/>
+          </p:cNvSpPr>
+          <p:nvPr/>
+        </p:nvSpPr>
+        <p:spPr>
+          <a:xfrm>
+            <a:off x="339725" y="3678655"/>
+            <a:ext cx="9221788" cy="276999"/>
+          </a:xfrm>
+          <a:prstGeom prst="rect">
+            <a:avLst/>
+          </a:prstGeom>
+        </p:spPr>
+        <p:txBody>
+          <a:bodyPr lIns="0" rIns="0"/>
+          <a:lstStyle>
+            <a:lvl1pPr marL="90487" indent="0" algn="l" defTabSz="957263" rtl="0" eaLnBrk="0" fontAlgn="base" hangingPunct="0">
+              <a:spcBef>
+                <a:spcPct val="20000"/>
+              </a:spcBef>
+              <a:spcAft>
+                <a:spcPct val="0"/>
+              </a:spcAft>
+              <a:buNone/>
+              <a:defRPr kumimoji="1" sz="1600" b="0">
+                <a:solidFill>
+                  <a:schemeClr val="tx1"/>
+                </a:solidFill>
+                <a:latin typeface="+mn-lt"/>
+                <a:ea typeface="+mn-ea"/>
+                <a:cs typeface="+mn-cs"/>
+              </a:defRPr>
+            </a:lvl1pPr>
+            <a:lvl2pPr marL="466725" indent="-93663" algn="l" defTabSz="957263" rtl="0" eaLnBrk="0" fontAlgn="base" hangingPunct="0">
+              <a:spcBef>
+                <a:spcPct val="20000"/>
+              </a:spcBef>
+              <a:spcAft>
+                <a:spcPct val="0"/>
+              </a:spcAft>
+              <a:buFont typeface="Wingdings" pitchFamily="2" charset="2"/>
+              <a:buChar char="–"/>
+              <a:defRPr kumimoji="1" sz="2000">
+                <a:solidFill>
+                  <a:schemeClr val="tx1"/>
+                </a:solidFill>
+                <a:latin typeface="+mn-lt"/>
+                <a:ea typeface="+mn-ea"/>
+              </a:defRPr>
+            </a:lvl2pPr>
+            <a:lvl3pPr marL="938213" indent="-282575" algn="l" defTabSz="957263" rtl="0" eaLnBrk="0" fontAlgn="base" hangingPunct="0">
+              <a:spcBef>
+                <a:spcPct val="20000"/>
+              </a:spcBef>
+              <a:spcAft>
+                <a:spcPct val="0"/>
+              </a:spcAft>
+              <a:buFont typeface="Wingdings" pitchFamily="2" charset="2"/>
+              <a:buChar char="l"/>
+              <a:defRPr kumimoji="1" sz="2000">
+                <a:solidFill>
+                  <a:schemeClr val="tx1"/>
+                </a:solidFill>
+                <a:latin typeface="+mn-lt"/>
+                <a:ea typeface="+mn-ea"/>
+              </a:defRPr>
+            </a:lvl3pPr>
+            <a:lvl4pPr marL="1222375" indent="-96838" algn="l" defTabSz="957263" rtl="0" eaLnBrk="0" fontAlgn="base" hangingPunct="0">
+              <a:spcBef>
+                <a:spcPct val="20000"/>
+              </a:spcBef>
+              <a:spcAft>
+                <a:spcPct val="0"/>
+              </a:spcAft>
+              <a:buChar char="–"/>
+              <a:defRPr kumimoji="1" sz="2000">
+                <a:solidFill>
+                  <a:schemeClr val="tx1"/>
+                </a:solidFill>
+                <a:latin typeface="+mn-lt"/>
+                <a:ea typeface="+mn-ea"/>
+              </a:defRPr>
+            </a:lvl4pPr>
+            <a:lvl5pPr marL="1504950" indent="-95250" algn="l" defTabSz="957263" rtl="0" eaLnBrk="0" fontAlgn="base" hangingPunct="0">
+              <a:spcBef>
+                <a:spcPct val="20000"/>
+              </a:spcBef>
+              <a:spcAft>
+                <a:spcPct val="0"/>
+              </a:spcAft>
+              <a:buChar char="»"/>
+              <a:defRPr kumimoji="1" sz="2000">
+                <a:solidFill>
+                  <a:schemeClr val="tx1"/>
+                </a:solidFill>
+                <a:latin typeface="+mn-lt"/>
+                <a:ea typeface="+mn-ea"/>
+              </a:defRPr>
+            </a:lvl5pPr>
+            <a:lvl6pPr marL="1962150" indent="-95250" algn="l" defTabSz="957263" rtl="0" eaLnBrk="1" fontAlgn="base" hangingPunct="1">
+              <a:spcBef>
+                <a:spcPct val="20000"/>
+              </a:spcBef>
+              <a:spcAft>
+                <a:spcPct val="0"/>
+              </a:spcAft>
+              <a:defRPr kumimoji="1" sz="2000">
+                <a:solidFill>
+                  <a:schemeClr val="tx1"/>
+                </a:solidFill>
+                <a:latin typeface="+mn-lt"/>
+                <a:ea typeface="+mn-ea"/>
+              </a:defRPr>
+            </a:lvl6pPr>
+            <a:lvl7pPr marL="2419350" indent="-95250" algn="l" defTabSz="957263" rtl="0" eaLnBrk="1" fontAlgn="base" hangingPunct="1">
+              <a:spcBef>
+                <a:spcPct val="20000"/>
+              </a:spcBef>
+              <a:spcAft>
+                <a:spcPct val="0"/>
+              </a:spcAft>
+              <a:defRPr kumimoji="1" sz="2000">
+                <a:solidFill>
+                  <a:schemeClr val="tx1"/>
+                </a:solidFill>
+                <a:latin typeface="+mn-lt"/>
+                <a:ea typeface="+mn-ea"/>
+              </a:defRPr>
+            </a:lvl7pPr>
+            <a:lvl8pPr marL="2876550" indent="-95250" algn="l" defTabSz="957263" rtl="0" eaLnBrk="1" fontAlgn="base" hangingPunct="1">
+              <a:spcBef>
+                <a:spcPct val="20000"/>
+              </a:spcBef>
+              <a:spcAft>
+                <a:spcPct val="0"/>
+              </a:spcAft>
+              <a:defRPr kumimoji="1" sz="2000">
+                <a:solidFill>
+                  <a:schemeClr val="tx1"/>
+                </a:solidFill>
+                <a:latin typeface="+mn-lt"/>
+                <a:ea typeface="+mn-ea"/>
+              </a:defRPr>
+            </a:lvl8pPr>
+            <a:lvl9pPr marL="3333750" indent="-95250" algn="l" defTabSz="957263" rtl="0" eaLnBrk="1" fontAlgn="base" hangingPunct="1">
+              <a:spcBef>
+                <a:spcPct val="20000"/>
+              </a:spcBef>
+              <a:spcAft>
+                <a:spcPct val="0"/>
+              </a:spcAft>
+              <a:defRPr kumimoji="1" sz="2000">
+                <a:solidFill>
+                  <a:schemeClr val="tx1"/>
+                </a:solidFill>
+                <a:latin typeface="+mn-lt"/>
+                <a:ea typeface="+mn-ea"/>
+              </a:defRPr>
+            </a:lvl9pPr>
+          </a:lstStyle>
+          <a:p>
+            <a:r>
+              <a:rPr lang="ja-JP" altLang="en-US" b="1" kern="0" dirty="0">
+                <a:solidFill>
+                  <a:srgbClr val="2669AC"/>
+                </a:solidFill>
+                <a:latin typeface="游ゴシック" panose="020B0400000000000000" pitchFamily="50" charset="-128"/>
+                <a:ea typeface="游ゴシック" panose="020B0400000000000000" pitchFamily="50" charset="-128"/>
+              </a:rPr>
+              <a:t>想定ユーザー・サイトで行うこと</a:t>
+            </a:r>
+          </a:p>
+        </p:txBody>
+      </p:sp>
+      <p:sp>
+        <p:nvSpPr>
+          <p:cNvPr id="2" name="テキスト ボックス 1">
+            <a:extLst>
+              <a:ext uri="{FF2B5EF4-FFF2-40B4-BE49-F238E27FC236}">
+                <a16:creationId xmlns:a16="http://schemas.microsoft.com/office/drawing/2014/main" id="{FDE0275B-8D14-E48C-D608-6671B47E0E20}"/>
+              </a:ext>
+            </a:extLst>
+          </p:cNvPr>
+          <p:cNvSpPr txBox="1"/>
+          <p:nvPr/>
+        </p:nvSpPr>
+        <p:spPr>
+          <a:xfrm>
+            <a:off x="339725" y="4220782"/>
+            <a:ext cx="9069388" cy="1726215"/>
+          </a:xfrm>
+          <a:prstGeom prst="rect">
+            <a:avLst/>
+          </a:prstGeom>
+          <a:solidFill>
+            <a:schemeClr val="bg1"/>
+          </a:solidFill>
+          <a:ln w="12700">
+            <a:noFill/>
+          </a:ln>
+        </p:spPr>
+        <p:txBody>
+          <a:bodyPr wrap="square" tIns="108000" bIns="108000" rtlCol="0" anchor="t" anchorCtr="0">
+            <a:spAutoFit/>
+          </a:bodyPr>
+          <a:lstStyle/>
+          <a:p>
+            <a:pPr marL="285750" indent="-285750" fontAlgn="auto">
+              <a:spcBef>
+                <a:spcPts val="0"/>
+              </a:spcBef>
+              <a:spcAft>
+                <a:spcPts val="0"/>
+              </a:spcAft>
+              <a:buFont typeface="Arial" panose="020B0604020202020204" pitchFamily="34" charset="0"/>
+              <a:buChar char="•"/>
+            </a:pPr>
+            <a:r>
+              <a:rPr lang="en-US" altLang="ja-JP" sz="1400" dirty="0">
+                <a:latin typeface="+mn-ea"/>
+                <a:ea typeface="+mn-ea"/>
+              </a:rPr>
+              <a:t>40</a:t>
+            </a:r>
+            <a:r>
+              <a:rPr lang="ja-JP" altLang="en-US" sz="1400" dirty="0">
+                <a:latin typeface="+mn-ea"/>
+                <a:ea typeface="+mn-ea"/>
+              </a:rPr>
+              <a:t>代男性、年収</a:t>
+            </a:r>
+            <a:r>
+              <a:rPr lang="en-US" altLang="ja-JP" sz="1400" dirty="0">
+                <a:latin typeface="+mn-ea"/>
+                <a:ea typeface="+mn-ea"/>
+              </a:rPr>
+              <a:t>2000</a:t>
+            </a:r>
+            <a:r>
+              <a:rPr lang="ja-JP" altLang="en-US" sz="1400" dirty="0">
+                <a:latin typeface="+mn-ea"/>
+                <a:ea typeface="+mn-ea"/>
+              </a:rPr>
+              <a:t>万円程度の会社員、使用しているパソコンは最新の</a:t>
+            </a:r>
+            <a:r>
+              <a:rPr lang="en-US" altLang="ja-JP" sz="1400" dirty="0" err="1">
+                <a:latin typeface="+mn-ea"/>
+                <a:ea typeface="+mn-ea"/>
+              </a:rPr>
+              <a:t>Macbook</a:t>
+            </a:r>
+            <a:r>
+              <a:rPr lang="en-US" altLang="ja-JP" sz="1400" dirty="0">
+                <a:latin typeface="+mn-ea"/>
+                <a:ea typeface="+mn-ea"/>
+              </a:rPr>
+              <a:t> Air</a:t>
+            </a:r>
+            <a:r>
+              <a:rPr lang="ja-JP" altLang="en-US" sz="1400" dirty="0">
+                <a:latin typeface="+mn-ea"/>
+                <a:ea typeface="+mn-ea"/>
+              </a:rPr>
+              <a:t>、スマートフォンは</a:t>
+            </a:r>
+            <a:r>
+              <a:rPr lang="en-US" altLang="ja-JP" sz="1400" dirty="0">
+                <a:latin typeface="+mn-ea"/>
+                <a:ea typeface="+mn-ea"/>
+              </a:rPr>
+              <a:t>iPhone 14 Pro Max</a:t>
+            </a:r>
+          </a:p>
+          <a:p>
+            <a:pPr marL="285750" indent="-285750" fontAlgn="auto">
+              <a:spcBef>
+                <a:spcPts val="0"/>
+              </a:spcBef>
+              <a:spcAft>
+                <a:spcPts val="0"/>
+              </a:spcAft>
+              <a:buFont typeface="Arial" panose="020B0604020202020204" pitchFamily="34" charset="0"/>
+              <a:buChar char="•"/>
+            </a:pPr>
+            <a:r>
+              <a:rPr lang="ja-JP" altLang="en-US" sz="1400" dirty="0">
+                <a:latin typeface="+mn-ea"/>
+                <a:ea typeface="+mn-ea"/>
+              </a:rPr>
+              <a:t>サッカーは、ワールドカップ日本代表の試合はテレビでよく観戦しているが、スタジアムで観戦したことは一度もない</a:t>
+            </a:r>
+            <a:endParaRPr lang="en-US" altLang="ja-JP" sz="1400" dirty="0">
+              <a:latin typeface="+mn-ea"/>
+              <a:ea typeface="+mn-ea"/>
+            </a:endParaRPr>
+          </a:p>
+          <a:p>
+            <a:pPr marL="285750" indent="-285750" fontAlgn="auto">
+              <a:spcBef>
+                <a:spcPts val="0"/>
+              </a:spcBef>
+              <a:spcAft>
+                <a:spcPts val="0"/>
+              </a:spcAft>
+              <a:buFont typeface="Arial" panose="020B0604020202020204" pitchFamily="34" charset="0"/>
+              <a:buChar char="•"/>
+            </a:pPr>
+            <a:r>
+              <a:rPr lang="ja-JP" altLang="en-US" sz="1400" dirty="0">
+                <a:latin typeface="+mn-ea"/>
+                <a:ea typeface="+mn-ea"/>
+              </a:rPr>
+              <a:t>現在は東京に住んでいるが、出身が仙台なので、ベガルタ仙台の試合を一度スタジアムで観戦してみたいと思っており、東京郊外（関東地方）のスタジアムであれば自動車か電車で行けるので、</a:t>
+            </a:r>
+            <a:r>
+              <a:rPr lang="en-US" altLang="ja-JP" sz="1400" dirty="0">
+                <a:latin typeface="+mn-ea"/>
+                <a:ea typeface="+mn-ea"/>
+              </a:rPr>
+              <a:t>3</a:t>
+            </a:r>
+            <a:r>
+              <a:rPr lang="ja-JP" altLang="en-US" sz="1400" dirty="0">
+                <a:latin typeface="+mn-ea"/>
+                <a:ea typeface="+mn-ea"/>
+              </a:rPr>
+              <a:t>月あたりで行けそうな試合をこのサイトで探してみることにした</a:t>
+            </a:r>
+          </a:p>
+        </p:txBody>
+      </p:sp>
+      <p:sp>
+        <p:nvSpPr>
+          <p:cNvPr id="11" name="テキスト ボックス 10">
+            <a:extLst>
+              <a:ext uri="{FF2B5EF4-FFF2-40B4-BE49-F238E27FC236}">
+                <a16:creationId xmlns:a16="http://schemas.microsoft.com/office/drawing/2014/main" id="{C6ECDC40-BEC2-BF56-3980-21C3AD050241}"/>
+              </a:ext>
+            </a:extLst>
+          </p:cNvPr>
+          <p:cNvSpPr txBox="1"/>
+          <p:nvPr/>
+        </p:nvSpPr>
+        <p:spPr>
+          <a:xfrm>
+            <a:off x="339725" y="1891164"/>
+            <a:ext cx="9221788" cy="433553"/>
+          </a:xfrm>
+          <a:prstGeom prst="rect">
+            <a:avLst/>
+          </a:prstGeom>
+          <a:noFill/>
+          <a:ln w="12700">
+            <a:noFill/>
+          </a:ln>
+        </p:spPr>
+        <p:txBody>
+          <a:bodyPr wrap="square" tIns="108000" bIns="108000" rtlCol="0" anchor="t" anchorCtr="0">
+            <a:spAutoFit/>
+          </a:bodyPr>
+          <a:lstStyle/>
+          <a:p>
+            <a:pPr marL="285750" indent="-285750" fontAlgn="auto">
+              <a:spcBef>
+                <a:spcPts val="0"/>
+              </a:spcBef>
+              <a:spcAft>
+                <a:spcPts val="0"/>
+              </a:spcAft>
+              <a:buFont typeface="Arial" panose="020B0604020202020204" pitchFamily="34" charset="0"/>
+              <a:buChar char="•"/>
+            </a:pPr>
+            <a:r>
+              <a:rPr lang="ja-JP" altLang="en-US" sz="1400" dirty="0">
+                <a:latin typeface="+mn-ea"/>
+                <a:ea typeface="+mn-ea"/>
+              </a:rPr>
+              <a:t>インスペクション法</a:t>
+            </a:r>
+            <a:endParaRPr lang="en-US" altLang="ja-JP" sz="1400" dirty="0">
+              <a:latin typeface="+mn-ea"/>
+              <a:ea typeface="+mn-ea"/>
+            </a:endParaRPr>
+          </a:p>
+        </p:txBody>
+      </p:sp>
+      <p:sp>
+        <p:nvSpPr>
+          <p:cNvPr id="12" name="テキスト ボックス 11">
+            <a:extLst>
+              <a:ext uri="{FF2B5EF4-FFF2-40B4-BE49-F238E27FC236}">
+                <a16:creationId xmlns:a16="http://schemas.microsoft.com/office/drawing/2014/main" id="{65282773-74C9-FEB3-34C5-F98DC3EDC4D1}"/>
+              </a:ext>
+            </a:extLst>
+          </p:cNvPr>
+          <p:cNvSpPr txBox="1"/>
+          <p:nvPr/>
+        </p:nvSpPr>
+        <p:spPr>
+          <a:xfrm>
+            <a:off x="339725" y="2979974"/>
+            <a:ext cx="9221788" cy="433553"/>
+          </a:xfrm>
+          <a:prstGeom prst="rect">
+            <a:avLst/>
+          </a:prstGeom>
+          <a:noFill/>
+          <a:ln w="12700">
+            <a:noFill/>
+          </a:ln>
+        </p:spPr>
+        <p:txBody>
+          <a:bodyPr wrap="square" tIns="108000" bIns="108000" rtlCol="0" anchor="t" anchorCtr="0">
+            <a:spAutoFit/>
+          </a:bodyPr>
+          <a:lstStyle/>
+          <a:p>
+            <a:pPr marL="285750" indent="-285750" fontAlgn="auto">
+              <a:spcBef>
+                <a:spcPts val="0"/>
+              </a:spcBef>
+              <a:spcAft>
+                <a:spcPts val="0"/>
+              </a:spcAft>
+              <a:buFont typeface="Arial" panose="020B0604020202020204" pitchFamily="34" charset="0"/>
+              <a:buChar char="•"/>
+            </a:pPr>
+            <a:r>
+              <a:rPr lang="en-US" altLang="ja-JP" sz="1400" dirty="0">
+                <a:latin typeface="+mn-ea"/>
+                <a:ea typeface="+mn-ea"/>
+              </a:rPr>
+              <a:t>J</a:t>
+            </a:r>
+            <a:r>
+              <a:rPr lang="ja-JP" altLang="en-US" sz="1400" dirty="0">
+                <a:latin typeface="+mn-ea"/>
+                <a:ea typeface="+mn-ea"/>
+              </a:rPr>
+              <a:t>リーグチケット　 https://www.jleague-ticket.jp/</a:t>
+            </a:r>
+            <a:endParaRPr lang="en-US" altLang="ja-JP" sz="1400" dirty="0">
+              <a:latin typeface="+mn-ea"/>
+              <a:ea typeface="+mn-ea"/>
+            </a:endParaRPr>
+          </a:p>
+        </p:txBody>
+      </p:sp>
+      <p:sp>
+        <p:nvSpPr>
+          <p:cNvPr id="8" name="正方形/長方形 7">
+            <a:extLst>
+              <a:ext uri="{FF2B5EF4-FFF2-40B4-BE49-F238E27FC236}">
+                <a16:creationId xmlns:a16="http://schemas.microsoft.com/office/drawing/2014/main" id="{D75C9EB3-D7DF-16E7-6955-EBA1A343A749}"/>
               </a:ext>
             </a:extLst>
           </p:cNvPr>
@@ -5405,8 +6660,116 @@
         </p:nvSpPr>
         <p:spPr bwMode="auto">
           <a:xfrm>
-            <a:off x="339725" y="3663567"/>
-            <a:ext cx="3187246" cy="276999"/>
+            <a:off x="339725" y="919909"/>
+            <a:ext cx="1530221" cy="459426"/>
+          </a:xfrm>
+          <a:prstGeom prst="rect">
+            <a:avLst/>
+          </a:prstGeom>
+          <a:solidFill>
+            <a:srgbClr val="66CCFF"/>
+          </a:solidFill>
+          <a:ln w="9525" cap="flat" cmpd="sng" algn="ctr">
+            <a:solidFill>
+              <a:srgbClr val="969696"/>
+            </a:solidFill>
+            <a:prstDash val="solid"/>
+            <a:round/>
+            <a:headEnd type="none" w="med" len="med"/>
+            <a:tailEnd type="none" w="med" len="med"/>
+          </a:ln>
+          <a:effectLst/>
+        </p:spPr>
+        <p:txBody>
+          <a:bodyPr vert="horz" wrap="square" lIns="91440" tIns="45720" rIns="91440" bIns="45720" numCol="1" rtlCol="0" anchor="t" anchorCtr="0" compatLnSpc="1">
+            <a:prstTxWarp prst="textNoShape">
+              <a:avLst/>
+            </a:prstTxWarp>
+          </a:bodyPr>
+          <a:lstStyle/>
+          <a:p>
+            <a:pPr marL="0" marR="0" indent="0" algn="l" defTabSz="957263" rtl="0" eaLnBrk="1" fontAlgn="base" latinLnBrk="0" hangingPunct="1">
+              <a:lnSpc>
+                <a:spcPct val="100000"/>
+              </a:lnSpc>
+              <a:spcBef>
+                <a:spcPct val="0"/>
+              </a:spcBef>
+              <a:spcAft>
+                <a:spcPct val="0"/>
+              </a:spcAft>
+              <a:buClrTx/>
+              <a:buSzTx/>
+              <a:buFontTx/>
+              <a:buNone/>
+              <a:tabLst/>
+            </a:pPr>
+            <a:endParaRPr kumimoji="1" lang="ja-JP" altLang="en-US" sz="1900" b="0" i="0" u="none" strike="noStrike" cap="none" normalizeH="0" baseline="0">
+              <a:ln>
+                <a:noFill/>
+              </a:ln>
+              <a:solidFill>
+                <a:schemeClr val="tx1"/>
+              </a:solidFill>
+              <a:effectLst/>
+              <a:latin typeface="Arial" charset="0"/>
+              <a:ea typeface="ＭＳ Ｐゴシック" charset="-128"/>
+            </a:endParaRPr>
+          </a:p>
+        </p:txBody>
+      </p:sp>
+    </p:spTree>
+    <p:extLst>
+      <p:ext uri="{BB962C8B-B14F-4D97-AF65-F5344CB8AC3E}">
+        <p14:creationId xmlns:p14="http://schemas.microsoft.com/office/powerpoint/2010/main" val="2475573050"/>
+      </p:ext>
+    </p:extLst>
+  </p:cSld>
+  <p:clrMapOvr>
+    <a:masterClrMapping/>
+  </p:clrMapOvr>
+</p:sld>
+</file>
+
+<file path=ppt/slides/slide4.xml><?xml version="1.0" encoding="utf-8"?>
+<p:sld xmlns:a="http://schemas.openxmlformats.org/drawingml/2006/main" xmlns:r="http://schemas.openxmlformats.org/officeDocument/2006/relationships" xmlns:p="http://schemas.openxmlformats.org/presentationml/2006/main">
+  <p:cSld>
+    <p:spTree>
+      <p:nvGrpSpPr>
+        <p:cNvPr id="1" name="">
+          <a:extLst>
+            <a:ext uri="{FF2B5EF4-FFF2-40B4-BE49-F238E27FC236}">
+              <a16:creationId xmlns:a16="http://schemas.microsoft.com/office/drawing/2014/main" id="{078440DA-44DA-D1C8-2BC6-1E05CAEEEA39}"/>
+            </a:ext>
+          </a:extLst>
+        </p:cNvPr>
+        <p:cNvGrpSpPr/>
+        <p:nvPr/>
+      </p:nvGrpSpPr>
+      <p:grpSpPr>
+        <a:xfrm>
+          <a:off x="0" y="0"/>
+          <a:ext cx="0" cy="0"/>
+          <a:chOff x="0" y="0"/>
+          <a:chExt cx="0" cy="0"/>
+        </a:xfrm>
+      </p:grpSpPr>
+      <p:sp>
+        <p:nvSpPr>
+          <p:cNvPr id="4" name="正方形/長方形 3">
+            <a:extLst>
+              <a:ext uri="{FF2B5EF4-FFF2-40B4-BE49-F238E27FC236}">
+                <a16:creationId xmlns:a16="http://schemas.microsoft.com/office/drawing/2014/main" id="{0C802C1F-249F-544C-E429-F2D000CE977F}"/>
+              </a:ext>
+            </a:extLst>
+          </p:cNvPr>
+          <p:cNvSpPr/>
+          <p:nvPr/>
+        </p:nvSpPr>
+        <p:spPr bwMode="auto">
+          <a:xfrm>
+            <a:off x="339725" y="1379333"/>
+            <a:ext cx="3187246" cy="433553"/>
           </a:xfrm>
           <a:prstGeom prst="rect">
             <a:avLst/>
@@ -5466,194 +6829,85 @@
       </p:sp>
       <p:sp>
         <p:nvSpPr>
-          <p:cNvPr id="20" name="テキスト プレースホルダー 2">
+          <p:cNvPr id="13" name="テキスト プレースホルダー 12">
             <a:extLst>
               <a:ext uri="{FF2B5EF4-FFF2-40B4-BE49-F238E27FC236}">
-                <a16:creationId xmlns:a16="http://schemas.microsoft.com/office/drawing/2014/main" id="{CF466223-9B37-6436-F377-DAED2A23115C}"/>
+                <a16:creationId xmlns:a16="http://schemas.microsoft.com/office/drawing/2014/main" id="{05D1E4EA-4292-3D3E-EE7C-4870A36DA3B8}"/>
               </a:ext>
             </a:extLst>
           </p:cNvPr>
-          <p:cNvSpPr txBox="1">
-            <a:spLocks/>
+          <p:cNvSpPr>
+            <a:spLocks noGrp="1"/>
           </p:cNvSpPr>
-          <p:nvPr/>
+          <p:nvPr>
+            <p:ph type="body" sz="quarter" idx="14"/>
+          </p:nvPr>
         </p:nvSpPr>
         <p:spPr>
           <a:xfrm>
-            <a:off x="339725" y="3638287"/>
-            <a:ext cx="9221788" cy="276999"/>
+            <a:off x="0" y="466725"/>
+            <a:ext cx="9905999" cy="453183"/>
           </a:xfrm>
-          <a:prstGeom prst="rect">
-            <a:avLst/>
-          </a:prstGeom>
         </p:spPr>
         <p:txBody>
-          <a:bodyPr lIns="0" rIns="0"/>
-          <a:lstStyle>
-            <a:lvl1pPr marL="90487" indent="0" algn="l" defTabSz="957263" rtl="0" eaLnBrk="0" fontAlgn="base" hangingPunct="0">
-              <a:spcBef>
-                <a:spcPct val="20000"/>
-              </a:spcBef>
-              <a:spcAft>
-                <a:spcPct val="0"/>
-              </a:spcAft>
-              <a:buNone/>
-              <a:defRPr kumimoji="1" sz="1600" b="0">
-                <a:solidFill>
-                  <a:schemeClr val="tx1"/>
-                </a:solidFill>
-                <a:latin typeface="+mn-lt"/>
-                <a:ea typeface="+mn-ea"/>
-                <a:cs typeface="+mn-cs"/>
-              </a:defRPr>
-            </a:lvl1pPr>
-            <a:lvl2pPr marL="466725" indent="-93663" algn="l" defTabSz="957263" rtl="0" eaLnBrk="0" fontAlgn="base" hangingPunct="0">
-              <a:spcBef>
-                <a:spcPct val="20000"/>
-              </a:spcBef>
-              <a:spcAft>
-                <a:spcPct val="0"/>
-              </a:spcAft>
-              <a:buFont typeface="Wingdings" pitchFamily="2" charset="2"/>
-              <a:buChar char="–"/>
-              <a:defRPr kumimoji="1" sz="2000">
-                <a:solidFill>
-                  <a:schemeClr val="tx1"/>
-                </a:solidFill>
-                <a:latin typeface="+mn-lt"/>
-                <a:ea typeface="+mn-ea"/>
-              </a:defRPr>
-            </a:lvl2pPr>
-            <a:lvl3pPr marL="938213" indent="-282575" algn="l" defTabSz="957263" rtl="0" eaLnBrk="0" fontAlgn="base" hangingPunct="0">
-              <a:spcBef>
-                <a:spcPct val="20000"/>
-              </a:spcBef>
-              <a:spcAft>
-                <a:spcPct val="0"/>
-              </a:spcAft>
-              <a:buFont typeface="Wingdings" pitchFamily="2" charset="2"/>
-              <a:buChar char="l"/>
-              <a:defRPr kumimoji="1" sz="2000">
-                <a:solidFill>
-                  <a:schemeClr val="tx1"/>
-                </a:solidFill>
-                <a:latin typeface="+mn-lt"/>
-                <a:ea typeface="+mn-ea"/>
-              </a:defRPr>
-            </a:lvl3pPr>
-            <a:lvl4pPr marL="1222375" indent="-96838" algn="l" defTabSz="957263" rtl="0" eaLnBrk="0" fontAlgn="base" hangingPunct="0">
-              <a:spcBef>
-                <a:spcPct val="20000"/>
-              </a:spcBef>
-              <a:spcAft>
-                <a:spcPct val="0"/>
-              </a:spcAft>
-              <a:buChar char="–"/>
-              <a:defRPr kumimoji="1" sz="2000">
-                <a:solidFill>
-                  <a:schemeClr val="tx1"/>
-                </a:solidFill>
-                <a:latin typeface="+mn-lt"/>
-                <a:ea typeface="+mn-ea"/>
-              </a:defRPr>
-            </a:lvl4pPr>
-            <a:lvl5pPr marL="1504950" indent="-95250" algn="l" defTabSz="957263" rtl="0" eaLnBrk="0" fontAlgn="base" hangingPunct="0">
-              <a:spcBef>
-                <a:spcPct val="20000"/>
-              </a:spcBef>
-              <a:spcAft>
-                <a:spcPct val="0"/>
-              </a:spcAft>
-              <a:buChar char="»"/>
-              <a:defRPr kumimoji="1" sz="2000">
-                <a:solidFill>
-                  <a:schemeClr val="tx1"/>
-                </a:solidFill>
-                <a:latin typeface="+mn-lt"/>
-                <a:ea typeface="+mn-ea"/>
-              </a:defRPr>
-            </a:lvl5pPr>
-            <a:lvl6pPr marL="1962150" indent="-95250" algn="l" defTabSz="957263" rtl="0" eaLnBrk="1" fontAlgn="base" hangingPunct="1">
-              <a:spcBef>
-                <a:spcPct val="20000"/>
-              </a:spcBef>
-              <a:spcAft>
-                <a:spcPct val="0"/>
-              </a:spcAft>
-              <a:defRPr kumimoji="1" sz="2000">
-                <a:solidFill>
-                  <a:schemeClr val="tx1"/>
-                </a:solidFill>
-                <a:latin typeface="+mn-lt"/>
-                <a:ea typeface="+mn-ea"/>
-              </a:defRPr>
-            </a:lvl6pPr>
-            <a:lvl7pPr marL="2419350" indent="-95250" algn="l" defTabSz="957263" rtl="0" eaLnBrk="1" fontAlgn="base" hangingPunct="1">
-              <a:spcBef>
-                <a:spcPct val="20000"/>
-              </a:spcBef>
-              <a:spcAft>
-                <a:spcPct val="0"/>
-              </a:spcAft>
-              <a:defRPr kumimoji="1" sz="2000">
-                <a:solidFill>
-                  <a:schemeClr val="tx1"/>
-                </a:solidFill>
-                <a:latin typeface="+mn-lt"/>
-                <a:ea typeface="+mn-ea"/>
-              </a:defRPr>
-            </a:lvl7pPr>
-            <a:lvl8pPr marL="2876550" indent="-95250" algn="l" defTabSz="957263" rtl="0" eaLnBrk="1" fontAlgn="base" hangingPunct="1">
-              <a:spcBef>
-                <a:spcPct val="20000"/>
-              </a:spcBef>
-              <a:spcAft>
-                <a:spcPct val="0"/>
-              </a:spcAft>
-              <a:defRPr kumimoji="1" sz="2000">
-                <a:solidFill>
-                  <a:schemeClr val="tx1"/>
-                </a:solidFill>
-                <a:latin typeface="+mn-lt"/>
-                <a:ea typeface="+mn-ea"/>
-              </a:defRPr>
-            </a:lvl8pPr>
-            <a:lvl9pPr marL="3333750" indent="-95250" algn="l" defTabSz="957263" rtl="0" eaLnBrk="1" fontAlgn="base" hangingPunct="1">
-              <a:spcBef>
-                <a:spcPct val="20000"/>
-              </a:spcBef>
-              <a:spcAft>
-                <a:spcPct val="0"/>
-              </a:spcAft>
-              <a:defRPr kumimoji="1" sz="2000">
-                <a:solidFill>
-                  <a:schemeClr val="tx1"/>
-                </a:solidFill>
-                <a:latin typeface="+mn-lt"/>
-                <a:ea typeface="+mn-ea"/>
-              </a:defRPr>
-            </a:lvl9pPr>
-          </a:lstStyle>
-          <a:p>
-            <a:r>
-              <a:rPr lang="ja-JP" altLang="en-US" b="1" kern="0" dirty="0">
-                <a:solidFill>
-                  <a:srgbClr val="2669AC"/>
-                </a:solidFill>
+          <a:bodyPr/>
+          <a:lstStyle/>
+          <a:p>
+            <a:r>
+              <a:rPr lang="ja-JP" altLang="en-US" b="1" dirty="0">
                 <a:latin typeface="游ゴシック" panose="020B0400000000000000" pitchFamily="50" charset="-128"/>
                 <a:ea typeface="游ゴシック" panose="020B0400000000000000" pitchFamily="50" charset="-128"/>
               </a:rPr>
-              <a:t>想定ユーザー・サイトで行うこと</a:t>
+              <a:t>調査概要</a:t>
             </a:r>
           </a:p>
         </p:txBody>
       </p:sp>
       <p:sp>
         <p:nvSpPr>
-          <p:cNvPr id="2" name="テキスト ボックス 1">
+          <p:cNvPr id="3" name="テキスト プレースホルダー 2">
             <a:extLst>
               <a:ext uri="{FF2B5EF4-FFF2-40B4-BE49-F238E27FC236}">
-                <a16:creationId xmlns:a16="http://schemas.microsoft.com/office/drawing/2014/main" id="{FDE0275B-8D14-E48C-D608-6671B47E0E20}"/>
+                <a16:creationId xmlns:a16="http://schemas.microsoft.com/office/drawing/2014/main" id="{CCDCE3D4-29E3-91D3-BB75-F07E944A6BAE}"/>
+              </a:ext>
+            </a:extLst>
+          </p:cNvPr>
+          <p:cNvSpPr>
+            <a:spLocks noGrp="1"/>
+          </p:cNvSpPr>
+          <p:nvPr>
+            <p:ph type="body" sz="quarter" idx="12"/>
+          </p:nvPr>
+        </p:nvSpPr>
+        <p:spPr>
+          <a:xfrm>
+            <a:off x="339725" y="1457611"/>
+            <a:ext cx="9221788" cy="276999"/>
+          </a:xfrm>
+        </p:spPr>
+        <p:txBody>
+          <a:bodyPr/>
+          <a:lstStyle/>
+          <a:p>
+            <a:r>
+              <a:rPr lang="ja-JP" altLang="en-US" b="1" dirty="0">
+                <a:solidFill>
+                  <a:srgbClr val="2669AC"/>
+                </a:solidFill>
+                <a:latin typeface="游ゴシック" panose="020B0400000000000000" pitchFamily="50" charset="-128"/>
+                <a:ea typeface="游ゴシック" panose="020B0400000000000000" pitchFamily="50" charset="-128"/>
+              </a:rPr>
+              <a:t>調査対象ページ一覧</a:t>
+            </a:r>
+          </a:p>
+        </p:txBody>
+      </p:sp>
+      <p:sp>
+        <p:nvSpPr>
+          <p:cNvPr id="11" name="テキスト ボックス 10">
+            <a:extLst>
+              <a:ext uri="{FF2B5EF4-FFF2-40B4-BE49-F238E27FC236}">
+                <a16:creationId xmlns:a16="http://schemas.microsoft.com/office/drawing/2014/main" id="{D78494C8-84F9-12DA-F0F2-3253AA11A854}"/>
               </a:ext>
             </a:extLst>
           </p:cNvPr>
@@ -5662,165 +6916,7 @@
         </p:nvSpPr>
         <p:spPr>
           <a:xfrm>
-            <a:off x="492125" y="4054824"/>
-            <a:ext cx="9069388" cy="1726215"/>
-          </a:xfrm>
-          <a:prstGeom prst="rect">
-            <a:avLst/>
-          </a:prstGeom>
-          <a:solidFill>
-            <a:schemeClr val="bg1"/>
-          </a:solidFill>
-          <a:ln w="12700">
-            <a:noFill/>
-          </a:ln>
-        </p:spPr>
-        <p:txBody>
-          <a:bodyPr wrap="square" tIns="108000" bIns="108000" rtlCol="0" anchor="t" anchorCtr="0">
-            <a:spAutoFit/>
-          </a:bodyPr>
-          <a:lstStyle/>
-          <a:p>
-            <a:pPr marL="285750" indent="-285750" fontAlgn="auto">
-              <a:spcBef>
-                <a:spcPts val="0"/>
-              </a:spcBef>
-              <a:spcAft>
-                <a:spcPts val="0"/>
-              </a:spcAft>
-              <a:buFont typeface="Arial" panose="020B0604020202020204" pitchFamily="34" charset="0"/>
-              <a:buChar char="•"/>
-            </a:pPr>
-            <a:r>
-              <a:rPr lang="en-US" altLang="ja-JP" sz="1400" dirty="0">
-                <a:latin typeface="+mn-ea"/>
-                <a:ea typeface="+mn-ea"/>
-              </a:rPr>
-              <a:t>40</a:t>
-            </a:r>
-            <a:r>
-              <a:rPr lang="ja-JP" altLang="en-US" sz="1400" dirty="0">
-                <a:latin typeface="+mn-ea"/>
-                <a:ea typeface="+mn-ea"/>
-              </a:rPr>
-              <a:t>代男性、年収</a:t>
-            </a:r>
-            <a:r>
-              <a:rPr lang="en-US" altLang="ja-JP" sz="1400" dirty="0">
-                <a:latin typeface="+mn-ea"/>
-                <a:ea typeface="+mn-ea"/>
-              </a:rPr>
-              <a:t>2000</a:t>
-            </a:r>
-            <a:r>
-              <a:rPr lang="ja-JP" altLang="en-US" sz="1400" dirty="0">
-                <a:latin typeface="+mn-ea"/>
-                <a:ea typeface="+mn-ea"/>
-              </a:rPr>
-              <a:t>万円程度の会社員、使用しているパソコンは最新の</a:t>
-            </a:r>
-            <a:r>
-              <a:rPr lang="en-US" altLang="ja-JP" sz="1400" dirty="0" err="1">
-                <a:latin typeface="+mn-ea"/>
-                <a:ea typeface="+mn-ea"/>
-              </a:rPr>
-              <a:t>Macbook</a:t>
-            </a:r>
-            <a:r>
-              <a:rPr lang="en-US" altLang="ja-JP" sz="1400" dirty="0">
-                <a:latin typeface="+mn-ea"/>
-                <a:ea typeface="+mn-ea"/>
-              </a:rPr>
-              <a:t> Air</a:t>
-            </a:r>
-            <a:r>
-              <a:rPr lang="ja-JP" altLang="en-US" sz="1400" dirty="0">
-                <a:latin typeface="+mn-ea"/>
-                <a:ea typeface="+mn-ea"/>
-              </a:rPr>
-              <a:t>、スマートフォンは</a:t>
-            </a:r>
-            <a:r>
-              <a:rPr lang="en-US" altLang="ja-JP" sz="1400" dirty="0">
-                <a:latin typeface="+mn-ea"/>
-                <a:ea typeface="+mn-ea"/>
-              </a:rPr>
-              <a:t>iPhone 14 Pro Max</a:t>
-            </a:r>
-          </a:p>
-          <a:p>
-            <a:pPr marL="285750" indent="-285750" fontAlgn="auto">
-              <a:spcBef>
-                <a:spcPts val="0"/>
-              </a:spcBef>
-              <a:spcAft>
-                <a:spcPts val="0"/>
-              </a:spcAft>
-              <a:buFont typeface="Arial" panose="020B0604020202020204" pitchFamily="34" charset="0"/>
-              <a:buChar char="•"/>
-            </a:pPr>
-            <a:r>
-              <a:rPr lang="ja-JP" altLang="en-US" sz="1400" dirty="0">
-                <a:latin typeface="+mn-ea"/>
-                <a:ea typeface="+mn-ea"/>
-              </a:rPr>
-              <a:t>サッカーは、ワールドカップ日本代表の試合はテレビでよく観戦しているが、スタジアムで観戦したことは一度もない</a:t>
-            </a:r>
-            <a:endParaRPr lang="en-US" altLang="ja-JP" sz="1400" dirty="0">
-              <a:latin typeface="+mn-ea"/>
-              <a:ea typeface="+mn-ea"/>
-            </a:endParaRPr>
-          </a:p>
-          <a:p>
-            <a:pPr marL="285750" indent="-285750" fontAlgn="auto">
-              <a:spcBef>
-                <a:spcPts val="0"/>
-              </a:spcBef>
-              <a:spcAft>
-                <a:spcPts val="0"/>
-              </a:spcAft>
-              <a:buFont typeface="Arial" panose="020B0604020202020204" pitchFamily="34" charset="0"/>
-              <a:buChar char="•"/>
-            </a:pPr>
-            <a:r>
-              <a:rPr lang="ja-JP" altLang="en-US" sz="1400" dirty="0">
-                <a:latin typeface="+mn-ea"/>
-                <a:ea typeface="+mn-ea"/>
-              </a:rPr>
-              <a:t>現在は東京に住んでいるが、出身が仙台なので、ベガルタ仙台の試合を一度スタジアムで観戦してみたいと思っており、東京郊外（関東地方）のスタジアムであれば自動車か電車で行けるので、</a:t>
-            </a:r>
-            <a:r>
-              <a:rPr lang="en-US" altLang="ja-JP" sz="1400" dirty="0">
-                <a:latin typeface="+mn-ea"/>
-                <a:ea typeface="+mn-ea"/>
-              </a:rPr>
-              <a:t>3</a:t>
-            </a:r>
-            <a:r>
-              <a:rPr lang="ja-JP" altLang="en-US" sz="1400" dirty="0">
-                <a:latin typeface="+mn-ea"/>
-                <a:ea typeface="+mn-ea"/>
-              </a:rPr>
-              <a:t>月あたりで行けそうな試合をこのサイトで探してみることにした</a:t>
-            </a:r>
-          </a:p>
-        </p:txBody>
-      </p:sp>
-      <p:sp>
-        <p:nvSpPr>
-          <p:cNvPr id="11" name="テキスト ボックス 10">
-            <a:extLst>
-              <a:ext uri="{FF2B5EF4-FFF2-40B4-BE49-F238E27FC236}">
-                <a16:creationId xmlns:a16="http://schemas.microsoft.com/office/drawing/2014/main" id="{C6ECDC40-BEC2-BF56-3980-21C3AD050241}"/>
-              </a:ext>
-            </a:extLst>
-          </p:cNvPr>
-          <p:cNvSpPr txBox="1"/>
-          <p:nvPr/>
-        </p:nvSpPr>
-        <p:spPr>
-          <a:xfrm>
-            <a:off x="492125" y="1850644"/>
+            <a:off x="417480" y="1850644"/>
             <a:ext cx="9221788" cy="433553"/>
           </a:xfrm>
           <a:prstGeom prst="rect">
@@ -5852,7 +6948,7 @@
                 <a:latin typeface="+mn-ea"/>
                 <a:ea typeface="+mn-ea"/>
               </a:rPr>
-              <a:t>インスペクション法</a:t>
+              <a:t>ここにチェックしたすべてのページの写真を載せる</a:t>
             </a:r>
             <a:endParaRPr lang="en-US" altLang="ja-JP" sz="1400" dirty="0">
               <a:latin typeface="+mn-ea"/>
@@ -5863,62 +6959,72 @@
       </p:sp>
       <p:sp>
         <p:nvSpPr>
-          <p:cNvPr id="12" name="テキスト ボックス 11">
+          <p:cNvPr id="5" name="正方形/長方形 4">
             <a:extLst>
               <a:ext uri="{FF2B5EF4-FFF2-40B4-BE49-F238E27FC236}">
-                <a16:creationId xmlns:a16="http://schemas.microsoft.com/office/drawing/2014/main" id="{65282773-74C9-FEB3-34C5-F98DC3EDC4D1}"/>
+                <a16:creationId xmlns:a16="http://schemas.microsoft.com/office/drawing/2014/main" id="{301DC8FC-8290-8350-4B72-1B1F321091BF}"/>
               </a:ext>
             </a:extLst>
           </p:cNvPr>
-          <p:cNvSpPr txBox="1"/>
+          <p:cNvSpPr/>
           <p:nvPr/>
         </p:nvSpPr>
-        <p:spPr>
+        <p:spPr bwMode="auto">
           <a:xfrm>
-            <a:off x="492125" y="2903237"/>
-            <a:ext cx="9221788" cy="433553"/>
+            <a:off x="1030206" y="919909"/>
+            <a:ext cx="1530221" cy="459426"/>
           </a:xfrm>
           <a:prstGeom prst="rect">
             <a:avLst/>
           </a:prstGeom>
-          <a:noFill/>
-          <a:ln w="12700">
-            <a:noFill/>
+          <a:solidFill>
+            <a:srgbClr val="66CCFF"/>
+          </a:solidFill>
+          <a:ln w="9525" cap="flat" cmpd="sng" algn="ctr">
+            <a:solidFill>
+              <a:srgbClr val="969696"/>
+            </a:solidFill>
+            <a:prstDash val="solid"/>
+            <a:round/>
+            <a:headEnd type="none" w="med" len="med"/>
+            <a:tailEnd type="none" w="med" len="med"/>
           </a:ln>
+          <a:effectLst/>
         </p:spPr>
         <p:txBody>
-          <a:bodyPr wrap="square" tIns="108000" bIns="108000" rtlCol="0" anchor="t" anchorCtr="0">
-            <a:spAutoFit/>
+          <a:bodyPr vert="horz" wrap="square" lIns="91440" tIns="45720" rIns="91440" bIns="45720" numCol="1" rtlCol="0" anchor="t" anchorCtr="0" compatLnSpc="1">
+            <a:prstTxWarp prst="textNoShape">
+              <a:avLst/>
+            </a:prstTxWarp>
           </a:bodyPr>
           <a:lstStyle/>
           <a:p>
-            <a:pPr marL="285750" indent="-285750" fontAlgn="auto">
-              <a:spcBef>
-                <a:spcPts val="0"/>
-              </a:spcBef>
-              <a:spcAft>
-                <a:spcPts val="0"/>
-              </a:spcAft>
-              <a:buFont typeface="Arial" panose="020B0604020202020204" pitchFamily="34" charset="0"/>
-              <a:buChar char="•"/>
+            <a:pPr marL="0" marR="0" indent="0" algn="l" defTabSz="957263" rtl="0" eaLnBrk="1" fontAlgn="base" latinLnBrk="0" hangingPunct="1">
+              <a:lnSpc>
+                <a:spcPct val="100000"/>
+              </a:lnSpc>
+              <a:spcBef>
+                <a:spcPct val="0"/>
+              </a:spcBef>
+              <a:spcAft>
+                <a:spcPct val="0"/>
+              </a:spcAft>
+              <a:buClrTx/>
+              <a:buSzTx/>
+              <a:buFontTx/>
+              <a:buNone/>
+              <a:tabLst/>
             </a:pPr>
-            <a:r>
-              <a:rPr lang="en-US" altLang="ja-JP" sz="1400" dirty="0">
-                <a:latin typeface="+mn-ea"/>
-                <a:ea typeface="+mn-ea"/>
-              </a:rPr>
-              <a:t>J</a:t>
-            </a:r>
-            <a:r>
-              <a:rPr lang="ja-JP" altLang="en-US" sz="1400" dirty="0">
-                <a:latin typeface="+mn-ea"/>
-                <a:ea typeface="+mn-ea"/>
-              </a:rPr>
-              <a:t>リーグチケット　 https://www.jleague-ticket.jp/</a:t>
-            </a:r>
-            <a:endParaRPr lang="en-US" altLang="ja-JP" sz="1400" dirty="0">
-              <a:latin typeface="+mn-ea"/>
-              <a:ea typeface="+mn-ea"/>
+            <a:endParaRPr kumimoji="1" lang="ja-JP" altLang="en-US" sz="1900" b="0" i="0" u="none" strike="noStrike" cap="none" normalizeH="0" baseline="0">
+              <a:ln>
+                <a:noFill/>
+              </a:ln>
+              <a:solidFill>
+                <a:schemeClr val="tx1"/>
+              </a:solidFill>
+              <a:effectLst/>
+              <a:latin typeface="Arial" charset="0"/>
+              <a:ea typeface="ＭＳ Ｐゴシック" charset="-128"/>
             </a:endParaRPr>
           </a:p>
         </p:txBody>
@@ -5926,7 +7032,7 @@
     </p:spTree>
     <p:extLst>
       <p:ext uri="{BB962C8B-B14F-4D97-AF65-F5344CB8AC3E}">
-        <p14:creationId xmlns:p14="http://schemas.microsoft.com/office/powerpoint/2010/main" val="2475573050"/>
+        <p14:creationId xmlns:p14="http://schemas.microsoft.com/office/powerpoint/2010/main" val="2007877896"/>
       </p:ext>
     </p:extLst>
   </p:cSld>
@@ -5936,7 +7042,7 @@
 </p:sld>
 </file>
 
-<file path=ppt/slides/slide4.xml><?xml version="1.0" encoding="utf-8"?>
+<file path=ppt/slides/slide5.xml><?xml version="1.0" encoding="utf-8"?>
 <p:sld xmlns:a="http://schemas.openxmlformats.org/drawingml/2006/main" xmlns:r="http://schemas.openxmlformats.org/officeDocument/2006/relationships" xmlns:p="http://schemas.openxmlformats.org/presentationml/2006/main">
   <p:cSld>
     <p:spTree>
@@ -6030,7 +7136,7 @@
 </p:sld>
 </file>
 
-<file path=ppt/slides/slide5.xml><?xml version="1.0" encoding="utf-8"?>
+<file path=ppt/slides/slide6.xml><?xml version="1.0" encoding="utf-8"?>
 <p:sld xmlns:a="http://schemas.openxmlformats.org/drawingml/2006/main" xmlns:r="http://schemas.openxmlformats.org/officeDocument/2006/relationships" xmlns:p="http://schemas.openxmlformats.org/presentationml/2006/main">
   <p:cSld>
     <p:spTree>
@@ -6055,10 +7161,10 @@
       </p:grpSpPr>
       <p:sp>
         <p:nvSpPr>
-          <p:cNvPr id="9" name="正方形/長方形 8">
+          <p:cNvPr id="5" name="正方形/長方形 4">
             <a:extLst>
               <a:ext uri="{FF2B5EF4-FFF2-40B4-BE49-F238E27FC236}">
-                <a16:creationId xmlns:a16="http://schemas.microsoft.com/office/drawing/2014/main" id="{3A1389AD-CA86-59F6-5309-1545D36E84D3}"/>
+                <a16:creationId xmlns:a16="http://schemas.microsoft.com/office/drawing/2014/main" id="{693EDDF3-5DF5-3C16-148E-0C8546360BC4}"/>
               </a:ext>
             </a:extLst>
           </p:cNvPr>
@@ -6067,8 +7173,8 @@
         </p:nvSpPr>
         <p:spPr bwMode="auto">
           <a:xfrm>
-            <a:off x="339725" y="1419464"/>
-            <a:ext cx="3187246" cy="276999"/>
+            <a:off x="339725" y="1379333"/>
+            <a:ext cx="3187246" cy="433553"/>
           </a:xfrm>
           <a:prstGeom prst="rect">
             <a:avLst/>
@@ -6180,7 +7286,7 @@
         </p:nvSpPr>
         <p:spPr>
           <a:xfrm>
-            <a:off x="339725" y="1420277"/>
+            <a:off x="339725" y="1457609"/>
             <a:ext cx="9221788" cy="276999"/>
           </a:xfrm>
         </p:spPr>
@@ -6216,14 +7322,14 @@
           <p:nvPr>
             <p:extLst>
               <p:ext uri="{D42A27DB-BD31-4B8C-83A1-F6EECF244321}">
-                <p14:modId xmlns:p14="http://schemas.microsoft.com/office/powerpoint/2010/main" val="1038065373"/>
+                <p14:modId xmlns:p14="http://schemas.microsoft.com/office/powerpoint/2010/main" val="547678368"/>
               </p:ext>
             </p:extLst>
           </p:nvPr>
         </p:nvGraphicFramePr>
         <p:xfrm>
-          <a:off x="339725" y="3020199"/>
-          <a:ext cx="9221788" cy="2775878"/>
+          <a:off x="339725" y="3157173"/>
+          <a:ext cx="9221788" cy="3405960"/>
         </p:xfrm>
         <a:graphic>
           <a:graphicData uri="http://schemas.openxmlformats.org/drawingml/2006/table">
@@ -6232,14 +7338,14 @@
                 <a:tableStyleId>{5C22544A-7EE6-4342-B048-85BDC9FD1C3A}</a:tableStyleId>
               </a:tblPr>
               <a:tblGrid>
-                <a:gridCol w="635635">
+                <a:gridCol w="626926">
                   <a:extLst>
                     <a:ext uri="{9D8B030D-6E8A-4147-A177-3AD203B41FA5}">
                       <a16:colId xmlns:a16="http://schemas.microsoft.com/office/drawing/2014/main" val="211544280"/>
                     </a:ext>
                   </a:extLst>
                 </a:gridCol>
-                <a:gridCol w="2999481">
+                <a:gridCol w="3008190">
                   <a:extLst>
                     <a:ext uri="{9D8B030D-6E8A-4147-A177-3AD203B41FA5}">
                       <a16:colId xmlns:a16="http://schemas.microsoft.com/office/drawing/2014/main" val="508776398"/>
@@ -6261,7 +7367,7 @@
                   </a:extLst>
                 </a:gridCol>
               </a:tblGrid>
-              <a:tr h="471938">
+              <a:tr h="384852">
                 <a:tc>
                   <a:txBody>
                     <a:bodyPr/>
@@ -6275,7 +7381,7 @@
                       <a:endParaRPr kumimoji="1" lang="ja-JP" altLang="en-US" dirty="0"/>
                     </a:p>
                   </a:txBody>
-                  <a:tcPr/>
+                  <a:tcPr anchor="ctr"/>
                 </a:tc>
                 <a:tc>
                   <a:txBody>
@@ -6289,7 +7395,7 @@
                       </a:r>
                     </a:p>
                   </a:txBody>
-                  <a:tcPr/>
+                  <a:tcPr anchor="ctr"/>
                 </a:tc>
                 <a:tc>
                   <a:txBody>
@@ -6303,7 +7409,7 @@
                       </a:r>
                     </a:p>
                   </a:txBody>
-                  <a:tcPr/>
+                  <a:tcPr anchor="ctr"/>
                 </a:tc>
                 <a:tc>
                   <a:txBody>
@@ -6317,7 +7423,7 @@
                       </a:r>
                     </a:p>
                   </a:txBody>
-                  <a:tcPr/>
+                  <a:tcPr anchor="ctr"/>
                 </a:tc>
                 <a:extLst>
                   <a:ext uri="{0D108BD9-81ED-4DB2-BD59-A6C34878D82A}">
@@ -6325,7 +7431,7 @@
                   </a:ext>
                 </a:extLst>
               </a:tr>
-              <a:tr h="460788">
+              <a:tr h="400595">
                 <a:tc>
                   <a:txBody>
                     <a:bodyPr/>
@@ -6339,7 +7445,7 @@
                       <a:endParaRPr kumimoji="1" lang="ja-JP" altLang="en-US" dirty="0"/>
                     </a:p>
                   </a:txBody>
-                  <a:tcPr/>
+                  <a:tcPr anchor="ctr"/>
                 </a:tc>
                 <a:tc>
                   <a:txBody>
@@ -6349,11 +7455,11 @@
                       <a:pPr algn="ctr"/>
                       <a:r>
                         <a:rPr kumimoji="1" lang="ja-JP" altLang="en-US" dirty="0"/>
-                        <a:t>トップページ</a:t>
+                        <a:t>座席指定画面</a:t>
                       </a:r>
                     </a:p>
                   </a:txBody>
-                  <a:tcPr/>
+                  <a:tcPr anchor="ctr"/>
                 </a:tc>
                 <a:tc>
                   <a:txBody>
@@ -6363,11 +7469,11 @@
                       <a:pPr algn="ctr"/>
                       <a:r>
                         <a:rPr kumimoji="1" lang="ja-JP" altLang="en-US" dirty="0"/>
-                        <a:t>情報の分類が不明瞭</a:t>
+                        <a:t>座席選択の流れが分かりづらい（不要なステップがある）</a:t>
                       </a:r>
                     </a:p>
                   </a:txBody>
-                  <a:tcPr/>
+                  <a:tcPr anchor="ctr"/>
                 </a:tc>
                 <a:tc>
                   <a:txBody>
@@ -6390,7 +7496,7 @@
                       </a:endParaRPr>
                     </a:p>
                   </a:txBody>
-                  <a:tcPr>
+                  <a:tcPr anchor="ctr">
                     <a:solidFill>
                       <a:schemeClr val="accent5"/>
                     </a:solidFill>
@@ -6402,7 +7508,7 @@
                   </a:ext>
                 </a:extLst>
               </a:tr>
-              <a:tr h="460788">
+              <a:tr h="383944">
                 <a:tc>
                   <a:txBody>
                     <a:bodyPr/>
@@ -6416,7 +7522,7 @@
                       <a:endParaRPr kumimoji="1" lang="ja-JP" altLang="en-US" dirty="0"/>
                     </a:p>
                   </a:txBody>
-                  <a:tcPr/>
+                  <a:tcPr anchor="ctr"/>
                 </a:tc>
                 <a:tc>
                   <a:txBody>
@@ -6426,11 +7532,41 @@
                       <a:pPr algn="ctr"/>
                       <a:r>
                         <a:rPr kumimoji="1" lang="ja-JP" altLang="en-US" dirty="0"/>
-                        <a:t>試合選択画面</a:t>
+                        <a:t>チケット選択画面、座席指定画面</a:t>
                       </a:r>
                     </a:p>
                   </a:txBody>
-                  <a:tcPr/>
+                  <a:tcPr anchor="ctr"/>
+                </a:tc>
+                <a:tc>
+                  <a:txBody>
+                    <a:bodyPr/>
+                    <a:lstStyle/>
+                    <a:p>
+                      <a:pPr marL="0" marR="0" lvl="0" indent="0" algn="ctr" defTabSz="914400" rtl="0" eaLnBrk="1" fontAlgn="auto" latinLnBrk="0" hangingPunct="1">
+                        <a:lnSpc>
+                          <a:spcPct val="100000"/>
+                        </a:lnSpc>
+                        <a:spcBef>
+                          <a:spcPts val="0"/>
+                        </a:spcBef>
+                        <a:spcAft>
+                          <a:spcPts val="0"/>
+                        </a:spcAft>
+                        <a:buClrTx/>
+                        <a:buSzTx/>
+                        <a:buFontTx/>
+                        <a:buNone/>
+                        <a:tabLst/>
+                        <a:defRPr/>
+                      </a:pPr>
+                      <a:r>
+                        <a:rPr kumimoji="1" lang="ja-JP" altLang="en-US" dirty="0"/>
+                        <a:t>シートの位置、シートからの景色を想像できない</a:t>
+                      </a:r>
+                    </a:p>
+                  </a:txBody>
+                  <a:tcPr anchor="ctr"/>
                 </a:tc>
                 <a:tc>
                   <a:txBody>
@@ -6438,10 +7574,133 @@
                     <a:lstStyle/>
                     <a:p>
                       <a:pPr algn="ctr"/>
-                      <a:endParaRPr kumimoji="1" lang="ja-JP" altLang="en-US"/>
+                      <a:r>
+                        <a:rPr kumimoji="1" lang="en-US" altLang="ja-JP" dirty="0"/>
+                        <a:t>A</a:t>
+                      </a:r>
+                      <a:endParaRPr kumimoji="1" lang="ja-JP" altLang="en-US" dirty="0"/>
                     </a:p>
                   </a:txBody>
-                  <a:tcPr/>
+                  <a:tcPr anchor="ctr"/>
+                </a:tc>
+                <a:extLst>
+                  <a:ext uri="{0D108BD9-81ED-4DB2-BD59-A6C34878D82A}">
+                    <a16:rowId xmlns:a16="http://schemas.microsoft.com/office/drawing/2014/main" val="645782311"/>
+                  </a:ext>
+                </a:extLst>
+              </a:tr>
+              <a:tr h="357403">
+                <a:tc>
+                  <a:txBody>
+                    <a:bodyPr/>
+                    <a:lstStyle/>
+                    <a:p>
+                      <a:pPr algn="ctr"/>
+                      <a:r>
+                        <a:rPr kumimoji="1" lang="en-US" altLang="ja-JP" dirty="0"/>
+                        <a:t>03</a:t>
+                      </a:r>
+                      <a:endParaRPr kumimoji="1" lang="ja-JP" altLang="en-US" dirty="0"/>
+                    </a:p>
+                  </a:txBody>
+                  <a:tcPr anchor="ctr"/>
+                </a:tc>
+                <a:tc>
+                  <a:txBody>
+                    <a:bodyPr/>
+                    <a:lstStyle/>
+                    <a:p>
+                      <a:pPr algn="ctr"/>
+                      <a:r>
+                        <a:rPr kumimoji="1" lang="ja-JP" altLang="en-US" dirty="0"/>
+                        <a:t>チケット選択画面、カート</a:t>
+                      </a:r>
+                    </a:p>
+                  </a:txBody>
+                  <a:tcPr anchor="ctr"/>
+                </a:tc>
+                <a:tc>
+                  <a:txBody>
+                    <a:bodyPr/>
+                    <a:lstStyle/>
+                    <a:p>
+                      <a:pPr algn="ctr"/>
+                      <a:r>
+                        <a:rPr kumimoji="1" lang="ja-JP" altLang="en-US" dirty="0"/>
+                        <a:t>戻ったり、取り消したりする系ボタンの挙動が変、モーダルも（最初に戻ったり）</a:t>
+                      </a:r>
+                    </a:p>
+                  </a:txBody>
+                  <a:tcPr anchor="ctr"/>
+                </a:tc>
+                <a:tc>
+                  <a:txBody>
+                    <a:bodyPr/>
+                    <a:lstStyle/>
+                    <a:p>
+                      <a:pPr algn="ctr"/>
+                      <a:r>
+                        <a:rPr kumimoji="1" lang="en-US" altLang="ja-JP" dirty="0"/>
+                        <a:t>A</a:t>
+                      </a:r>
+                      <a:endParaRPr kumimoji="1" lang="ja-JP" altLang="en-US" dirty="0"/>
+                    </a:p>
+                  </a:txBody>
+                  <a:tcPr anchor="ctr"/>
+                </a:tc>
+                <a:extLst>
+                  <a:ext uri="{0D108BD9-81ED-4DB2-BD59-A6C34878D82A}">
+                    <a16:rowId xmlns:a16="http://schemas.microsoft.com/office/drawing/2014/main" val="720010880"/>
+                  </a:ext>
+                </a:extLst>
+              </a:tr>
+              <a:tr h="357052">
+                <a:tc>
+                  <a:txBody>
+                    <a:bodyPr/>
+                    <a:lstStyle/>
+                    <a:p>
+                      <a:pPr algn="ctr"/>
+                      <a:r>
+                        <a:rPr kumimoji="1" lang="en-US" altLang="ja-JP" dirty="0"/>
+                        <a:t>04</a:t>
+                      </a:r>
+                      <a:endParaRPr kumimoji="1" lang="ja-JP" altLang="en-US" dirty="0"/>
+                    </a:p>
+                  </a:txBody>
+                  <a:tcPr anchor="ctr"/>
+                </a:tc>
+                <a:tc>
+                  <a:txBody>
+                    <a:bodyPr/>
+                    <a:lstStyle/>
+                    <a:p>
+                      <a:pPr algn="ctr"/>
+                      <a:r>
+                        <a:rPr kumimoji="1" lang="en-US" altLang="ja-JP" dirty="0"/>
+                        <a:t>TOP</a:t>
+                      </a:r>
+                      <a:r>
+                        <a:rPr kumimoji="1" lang="ja-JP" altLang="en-US" dirty="0"/>
+                        <a:t>、試合選択画面</a:t>
+                      </a:r>
+                    </a:p>
+                  </a:txBody>
+                  <a:tcPr anchor="ctr"/>
+                </a:tc>
+                <a:tc>
+                  <a:txBody>
+                    <a:bodyPr/>
+                    <a:lstStyle/>
+                    <a:p>
+                      <a:pPr algn="ctr"/>
+                      <a:r>
+                        <a:rPr kumimoji="1" lang="ja-JP" altLang="en-US" dirty="0"/>
+                        <a:t>一部コンテンツの初期非表示</a:t>
+                      </a:r>
+                    </a:p>
+                  </a:txBody>
+                  <a:tcPr anchor="ctr"/>
                 </a:tc>
                 <a:tc>
                   <a:txBody>
@@ -6456,141 +7715,7 @@
                       <a:endParaRPr kumimoji="1" lang="ja-JP" altLang="en-US" dirty="0"/>
                     </a:p>
                   </a:txBody>
-                  <a:tcPr/>
-                </a:tc>
-                <a:extLst>
-                  <a:ext uri="{0D108BD9-81ED-4DB2-BD59-A6C34878D82A}">
-                    <a16:rowId xmlns:a16="http://schemas.microsoft.com/office/drawing/2014/main" val="645782311"/>
-                  </a:ext>
-                </a:extLst>
-              </a:tr>
-              <a:tr h="460788">
-                <a:tc>
-                  <a:txBody>
-                    <a:bodyPr/>
-                    <a:lstStyle/>
-                    <a:p>
-                      <a:pPr algn="ctr"/>
-                      <a:r>
-                        <a:rPr kumimoji="1" lang="en-US" altLang="ja-JP" dirty="0"/>
-                        <a:t>03</a:t>
-                      </a:r>
-                      <a:endParaRPr kumimoji="1" lang="ja-JP" altLang="en-US" dirty="0"/>
-                    </a:p>
-                  </a:txBody>
-                  <a:tcPr/>
-                </a:tc>
-                <a:tc>
-                  <a:txBody>
-                    <a:bodyPr/>
-                    <a:lstStyle/>
-                    <a:p>
-                      <a:pPr algn="ctr"/>
-                      <a:r>
-                        <a:rPr kumimoji="1" lang="ja-JP" altLang="en-US" dirty="0"/>
-                        <a:t>チケット選択画面</a:t>
-                      </a:r>
-                      <a:r>
-                        <a:rPr kumimoji="1" lang="en-US" altLang="ja-JP" dirty="0"/>
-                        <a:t>01</a:t>
-                      </a:r>
-                      <a:endParaRPr kumimoji="1" lang="ja-JP" altLang="en-US" dirty="0"/>
-                    </a:p>
-                  </a:txBody>
-                  <a:tcPr/>
-                </a:tc>
-                <a:tc>
-                  <a:txBody>
-                    <a:bodyPr/>
-                    <a:lstStyle/>
-                    <a:p>
-                      <a:pPr algn="ctr"/>
-                      <a:endParaRPr kumimoji="1" lang="ja-JP" altLang="en-US" dirty="0"/>
-                    </a:p>
-                  </a:txBody>
-                  <a:tcPr/>
-                </a:tc>
-                <a:tc>
-                  <a:txBody>
-                    <a:bodyPr/>
-                    <a:lstStyle/>
-                    <a:p>
-                      <a:pPr algn="ctr"/>
-                      <a:r>
-                        <a:rPr kumimoji="1" lang="en-US" altLang="ja-JP" dirty="0"/>
-                        <a:t>C</a:t>
-                      </a:r>
-                      <a:endParaRPr kumimoji="1" lang="ja-JP" altLang="en-US" dirty="0"/>
-                    </a:p>
-                  </a:txBody>
-                  <a:tcPr/>
-                </a:tc>
-                <a:extLst>
-                  <a:ext uri="{0D108BD9-81ED-4DB2-BD59-A6C34878D82A}">
-                    <a16:rowId xmlns:a16="http://schemas.microsoft.com/office/drawing/2014/main" val="720010880"/>
-                  </a:ext>
-                </a:extLst>
-              </a:tr>
-              <a:tr h="460788">
-                <a:tc>
-                  <a:txBody>
-                    <a:bodyPr/>
-                    <a:lstStyle/>
-                    <a:p>
-                      <a:pPr algn="ctr"/>
-                      <a:r>
-                        <a:rPr kumimoji="1" lang="en-US" altLang="ja-JP" dirty="0"/>
-                        <a:t>04</a:t>
-                      </a:r>
-                      <a:endParaRPr kumimoji="1" lang="ja-JP" altLang="en-US" dirty="0"/>
-                    </a:p>
-                  </a:txBody>
-                  <a:tcPr/>
-                </a:tc>
-                <a:tc>
-                  <a:txBody>
-                    <a:bodyPr/>
-                    <a:lstStyle/>
-                    <a:p>
-                      <a:pPr algn="ctr"/>
-                      <a:r>
-                        <a:rPr kumimoji="1" lang="ja-JP" altLang="en-US" dirty="0"/>
-                        <a:t>チケット選択画面</a:t>
-                      </a:r>
-                      <a:r>
-                        <a:rPr kumimoji="1" lang="en-US" altLang="ja-JP" dirty="0"/>
-                        <a:t>02</a:t>
-                      </a:r>
-                      <a:endParaRPr kumimoji="1" lang="ja-JP" altLang="en-US" dirty="0"/>
-                    </a:p>
-                  </a:txBody>
-                  <a:tcPr/>
-                </a:tc>
-                <a:tc>
-                  <a:txBody>
-                    <a:bodyPr/>
-                    <a:lstStyle/>
-                    <a:p>
-                      <a:pPr algn="ctr"/>
-                      <a:endParaRPr kumimoji="1" lang="ja-JP" altLang="en-US"/>
-                    </a:p>
-                  </a:txBody>
-                  <a:tcPr/>
-                </a:tc>
-                <a:tc>
-                  <a:txBody>
-                    <a:bodyPr/>
-                    <a:lstStyle/>
-                    <a:p>
-                      <a:pPr algn="ctr"/>
-                      <a:r>
-                        <a:rPr kumimoji="1" lang="en-US" altLang="ja-JP" dirty="0"/>
-                        <a:t>A</a:t>
-                      </a:r>
-                      <a:endParaRPr kumimoji="1" lang="ja-JP" altLang="en-US" dirty="0"/>
-                    </a:p>
-                  </a:txBody>
-                  <a:tcPr>
+                  <a:tcPr anchor="ctr">
                     <a:solidFill>
                       <a:schemeClr val="accent5"/>
                     </a:solidFill>
@@ -6616,7 +7741,7 @@
                       <a:endParaRPr kumimoji="1" lang="ja-JP" altLang="en-US" dirty="0"/>
                     </a:p>
                   </a:txBody>
-                  <a:tcPr/>
+                  <a:tcPr anchor="ctr"/>
                 </a:tc>
                 <a:tc>
                   <a:txBody>
@@ -6626,22 +7751,41 @@
                       <a:pPr algn="ctr"/>
                       <a:r>
                         <a:rPr kumimoji="1" lang="ja-JP" altLang="en-US" dirty="0"/>
-                        <a:t>カート画面</a:t>
+                        <a:t>ページ全体</a:t>
                       </a:r>
                     </a:p>
                   </a:txBody>
-                  <a:tcPr/>
+                  <a:tcPr anchor="ctr"/>
                 </a:tc>
                 <a:tc>
                   <a:txBody>
                     <a:bodyPr/>
                     <a:lstStyle/>
                     <a:p>
-                      <a:pPr algn="ctr"/>
-                      <a:endParaRPr kumimoji="1" lang="ja-JP" altLang="en-US"/>
+                      <a:pPr marL="0" marR="0" lvl="0" indent="0" algn="ctr" defTabSz="914400" rtl="0" eaLnBrk="1" fontAlgn="auto" latinLnBrk="0" hangingPunct="1">
+                        <a:lnSpc>
+                          <a:spcPct val="100000"/>
+                        </a:lnSpc>
+                        <a:spcBef>
+                          <a:spcPts val="0"/>
+                        </a:spcBef>
+                        <a:spcAft>
+                          <a:spcPts val="0"/>
+                        </a:spcAft>
+                        <a:buClrTx/>
+                        <a:buSzTx/>
+                        <a:buFontTx/>
+                        <a:buNone/>
+                        <a:tabLst/>
+                        <a:defRPr/>
+                      </a:pPr>
+                      <a:r>
+                        <a:rPr kumimoji="1" lang="ja-JP" altLang="en-US" dirty="0"/>
+                        <a:t>色や形による、要素の誤認識の可能性</a:t>
+                      </a:r>
                     </a:p>
                   </a:txBody>
-                  <a:tcPr/>
+                  <a:tcPr anchor="ctr"/>
                 </a:tc>
                 <a:tc>
                   <a:txBody>
@@ -6651,12 +7795,12 @@
                       <a:pPr algn="ctr"/>
                       <a:r>
                         <a:rPr kumimoji="1" lang="en-US" altLang="ja-JP" dirty="0"/>
-                        <a:t>A</a:t>
+                        <a:t>B</a:t>
                       </a:r>
                       <a:endParaRPr kumimoji="1" lang="ja-JP" altLang="en-US" dirty="0"/>
                     </a:p>
                   </a:txBody>
-                  <a:tcPr>
+                  <a:tcPr anchor="ctr">
                     <a:solidFill>
                       <a:schemeClr val="accent5"/>
                     </a:solidFill>
@@ -6714,11 +7858,18 @@
               </a:rPr>
             </a:br>
             <a:r>
+              <a:rPr lang="ja-JP" altLang="en-US" sz="1400" dirty="0">
+                <a:latin typeface="+mn-ea"/>
+                <a:ea typeface="+mn-ea"/>
+              </a:rPr>
+              <a:t>致命度</a:t>
+            </a:r>
+            <a:r>
               <a:rPr kumimoji="1" lang="ja-JP" altLang="en-US" sz="1400" dirty="0">
                 <a:latin typeface="+mn-ea"/>
                 <a:ea typeface="+mn-ea"/>
               </a:rPr>
-              <a:t>知名度の度合いについては以下を参照。</a:t>
+              <a:t>の度合いについては以下を参照。</a:t>
             </a:r>
             <a:br>
               <a:rPr kumimoji="1" lang="en-US" altLang="ja-JP" sz="1400" dirty="0">
@@ -6807,7 +7958,7 @@
 </p:sld>
 </file>
 
-<file path=ppt/slides/slide6.xml><?xml version="1.0" encoding="utf-8"?>
+<file path=ppt/slides/slide7.xml><?xml version="1.0" encoding="utf-8"?>
 <p:sld xmlns:a="http://schemas.openxmlformats.org/drawingml/2006/main" xmlns:r="http://schemas.openxmlformats.org/officeDocument/2006/relationships" xmlns:p="http://schemas.openxmlformats.org/presentationml/2006/main">
   <p:cSld>
     <p:spTree>
@@ -6824,6 +7975,79 @@
           <a:chExt cx="0" cy="0"/>
         </a:xfrm>
       </p:grpSpPr>
+      <p:sp>
+        <p:nvSpPr>
+          <p:cNvPr id="2" name="正方形/長方形 1">
+            <a:extLst>
+              <a:ext uri="{FF2B5EF4-FFF2-40B4-BE49-F238E27FC236}">
+                <a16:creationId xmlns:a16="http://schemas.microsoft.com/office/drawing/2014/main" id="{C8660662-A6F8-4F06-9743-F5093C6129B4}"/>
+              </a:ext>
+            </a:extLst>
+          </p:cNvPr>
+          <p:cNvSpPr/>
+          <p:nvPr/>
+        </p:nvSpPr>
+        <p:spPr bwMode="auto">
+          <a:xfrm>
+            <a:off x="2961627" y="2656417"/>
+            <a:ext cx="3187246" cy="433553"/>
+          </a:xfrm>
+          <a:prstGeom prst="rect">
+            <a:avLst/>
+          </a:prstGeom>
+          <a:solidFill>
+            <a:schemeClr val="accent1">
+              <a:lumMod val="40000"/>
+              <a:lumOff val="60000"/>
+            </a:schemeClr>
+          </a:solidFill>
+          <a:ln w="9525" cap="flat" cmpd="sng" algn="ctr">
+            <a:noFill/>
+            <a:prstDash val="solid"/>
+            <a:round/>
+            <a:headEnd type="none" w="med" len="med"/>
+            <a:tailEnd type="none" w="med" len="med"/>
+          </a:ln>
+          <a:effectLst/>
+        </p:spPr>
+        <p:txBody>
+          <a:bodyPr vert="horz" wrap="square" lIns="91440" tIns="45720" rIns="91440" bIns="45720" numCol="1" rtlCol="0" anchor="t" anchorCtr="0" compatLnSpc="1">
+            <a:prstTxWarp prst="textNoShape">
+              <a:avLst/>
+            </a:prstTxWarp>
+          </a:bodyPr>
+          <a:lstStyle/>
+          <a:p>
+            <a:pPr marL="0" marR="0" indent="0" algn="l" defTabSz="957263" rtl="0" eaLnBrk="1" fontAlgn="base" latinLnBrk="0" hangingPunct="1">
+              <a:lnSpc>
+                <a:spcPct val="100000"/>
+              </a:lnSpc>
+              <a:spcBef>
+                <a:spcPct val="0"/>
+              </a:spcBef>
+              <a:spcAft>
+                <a:spcPct val="0"/>
+              </a:spcAft>
+              <a:buClrTx/>
+              <a:buSzTx/>
+              <a:buFontTx/>
+              <a:buNone/>
+              <a:tabLst/>
+            </a:pPr>
+            <a:endParaRPr kumimoji="1" lang="ja-JP" altLang="en-US" sz="1900" b="0" i="0" u="none" strike="noStrike" cap="none" normalizeH="0" baseline="0" dirty="0">
+              <a:ln>
+                <a:noFill/>
+              </a:ln>
+              <a:solidFill>
+                <a:schemeClr val="tx1"/>
+              </a:solidFill>
+              <a:effectLst/>
+              <a:latin typeface="Arial" charset="0"/>
+              <a:ea typeface="ＭＳ Ｐゴシック" charset="-128"/>
+            </a:endParaRPr>
+          </a:p>
+        </p:txBody>
+      </p:sp>
       <p:pic>
         <p:nvPicPr>
           <p:cNvPr id="57" name="図 56" descr="グラフィカル ユーザー インターフェイス&#10;&#10;AI によって生成されたコンテンツは間違っている可能性があります。">
@@ -6939,7 +8163,7 @@
                 <a:latin typeface="+mj-ea"/>
                 <a:ea typeface="+mj-ea"/>
               </a:rPr>
-              <a:t>ここにテキストを書く</a:t>
+              <a:t>一部情報の非表示により、</a:t>
             </a:r>
             <a:endParaRPr lang="en-US" altLang="ja-JP" b="1" dirty="0">
               <a:latin typeface="+mj-ea"/>
@@ -7032,8 +8256,8 @@
         </p:nvSpPr>
         <p:spPr>
           <a:xfrm>
-            <a:off x="2961626" y="3094405"/>
-            <a:ext cx="6450597" cy="646331"/>
+            <a:off x="2961625" y="3277889"/>
+            <a:ext cx="6450597" cy="830997"/>
           </a:xfrm>
           <a:prstGeom prst="rect">
             <a:avLst/>
@@ -7047,31 +8271,32 @@
           <a:lstStyle/>
           <a:p>
             <a:r>
-              <a:rPr kumimoji="1" lang="en-US" altLang="ja-JP" sz="1200" dirty="0">
-                <a:latin typeface="+mn-ea"/>
-                <a:ea typeface="+mn-ea"/>
-              </a:rPr>
-              <a:t>AWAY</a:t>
-            </a:r>
-            <a:r>
-              <a:rPr kumimoji="1" lang="ja-JP" altLang="en-US" sz="1200" dirty="0">
-                <a:latin typeface="+mn-ea"/>
-                <a:ea typeface="+mn-ea"/>
-              </a:rPr>
-              <a:t>の視認性が低いため、一覧を表示するまでに時間がかかってしまう。</a:t>
-            </a:r>
-            <a:br>
-              <a:rPr kumimoji="1" lang="en-US" altLang="ja-JP" sz="1200" dirty="0">
-                <a:latin typeface="+mn-ea"/>
-                <a:ea typeface="+mn-ea"/>
-              </a:rPr>
-            </a:br>
+              <a:rPr lang="en-US" altLang="ja-JP" sz="1200" dirty="0">
+                <a:latin typeface="+mn-ea"/>
+                <a:ea typeface="+mn-ea"/>
+              </a:rPr>
+              <a:t>SP</a:t>
+            </a:r>
             <a:r>
               <a:rPr lang="ja-JP" altLang="en-US" sz="1200" dirty="0">
                 <a:latin typeface="+mn-ea"/>
                 <a:ea typeface="+mn-ea"/>
               </a:rPr>
-              <a:t>ユーザーが試合の詳細を知らない場合、たどり着くまでにストレスをかけてしまう。</a:t>
+              <a:t>時において、</a:t>
+            </a:r>
+            <a:r>
+              <a:rPr lang="en-US" altLang="ja-JP" sz="1200" dirty="0">
+                <a:latin typeface="+mn-ea"/>
+                <a:ea typeface="+mn-ea"/>
+              </a:rPr>
+              <a:t>J2, J3</a:t>
+            </a:r>
+            <a:r>
+              <a:rPr lang="ja-JP" altLang="en-US" sz="1200" dirty="0">
+                <a:latin typeface="+mn-ea"/>
+                <a:ea typeface="+mn-ea"/>
+              </a:rPr>
+              <a:t>のチームロゴが、初期状態ではトグル内に隠れてしまっている。</a:t>
             </a:r>
             <a:br>
               <a:rPr lang="en-US" altLang="ja-JP" sz="1200" dirty="0">
@@ -7084,98 +8309,31 @@
                 <a:latin typeface="+mn-ea"/>
                 <a:ea typeface="+mn-ea"/>
               </a:rPr>
-              <a:t>また、タブを使用していることで初期表示では</a:t>
+              <a:t>ユーザーが探しているチームが</a:t>
             </a:r>
             <a:r>
               <a:rPr lang="en-US" altLang="ja-JP" sz="1200" dirty="0">
                 <a:latin typeface="+mn-ea"/>
                 <a:ea typeface="+mn-ea"/>
               </a:rPr>
-              <a:t>AWAY</a:t>
+              <a:t>J1</a:t>
             </a:r>
             <a:r>
               <a:rPr lang="ja-JP" altLang="en-US" sz="1200" dirty="0">
                 <a:latin typeface="+mn-ea"/>
                 <a:ea typeface="+mn-ea"/>
               </a:rPr>
-              <a:t>試合は確認できない。</a:t>
-            </a:r>
+              <a:t>に所属していない場合、チームを発見するまでにストレスを与えてしまう。</a:t>
+            </a:r>
+            <a:br>
+              <a:rPr lang="en-US" altLang="ja-JP" sz="1200" dirty="0">
+                <a:latin typeface="+mn-ea"/>
+                <a:ea typeface="+mn-ea"/>
+              </a:rPr>
+            </a:br>
             <a:endParaRPr kumimoji="1" lang="en-US" altLang="ja-JP" sz="1200" dirty="0">
               <a:latin typeface="+mn-ea"/>
               <a:ea typeface="+mn-ea"/>
-            </a:endParaRPr>
-          </a:p>
-        </p:txBody>
-      </p:sp>
-      <p:sp>
-        <p:nvSpPr>
-          <p:cNvPr id="34" name="正方形/長方形 33">
-            <a:extLst>
-              <a:ext uri="{FF2B5EF4-FFF2-40B4-BE49-F238E27FC236}">
-                <a16:creationId xmlns:a16="http://schemas.microsoft.com/office/drawing/2014/main" id="{99776BF8-14DC-DD30-43F7-6263A37DB193}"/>
-              </a:ext>
-            </a:extLst>
-          </p:cNvPr>
-          <p:cNvSpPr/>
-          <p:nvPr/>
-        </p:nvSpPr>
-        <p:spPr bwMode="auto">
-          <a:xfrm>
-            <a:off x="2961626" y="2740209"/>
-            <a:ext cx="3187246" cy="276999"/>
-          </a:xfrm>
-          <a:prstGeom prst="rect">
-            <a:avLst/>
-          </a:prstGeom>
-          <a:solidFill>
-            <a:schemeClr val="accent1">
-              <a:lumMod val="40000"/>
-              <a:lumOff val="60000"/>
-            </a:schemeClr>
-          </a:solidFill>
-          <a:ln w="9525" cap="flat" cmpd="sng" algn="ctr">
-            <a:noFill/>
-            <a:prstDash val="solid"/>
-            <a:round/>
-            <a:headEnd type="none" w="med" len="med"/>
-            <a:tailEnd type="none" w="med" len="med"/>
-          </a:ln>
-          <a:effectLst/>
-        </p:spPr>
-        <p:txBody>
-          <a:bodyPr vert="horz" wrap="square" lIns="91440" tIns="45720" rIns="91440" bIns="45720" numCol="1" rtlCol="0" anchor="t" anchorCtr="0" compatLnSpc="1">
-            <a:prstTxWarp prst="textNoShape">
-              <a:avLst/>
-            </a:prstTxWarp>
-          </a:bodyPr>
-          <a:lstStyle/>
-          <a:p>
-            <a:pPr marL="0" marR="0" indent="0" algn="l" defTabSz="957263" rtl="0" eaLnBrk="1" fontAlgn="base" latinLnBrk="0" hangingPunct="1">
-              <a:lnSpc>
-                <a:spcPct val="100000"/>
-              </a:lnSpc>
-              <a:spcBef>
-                <a:spcPct val="0"/>
-              </a:spcBef>
-              <a:spcAft>
-                <a:spcPct val="0"/>
-              </a:spcAft>
-              <a:buClrTx/>
-              <a:buSzTx/>
-              <a:buFontTx/>
-              <a:buNone/>
-              <a:tabLst/>
-            </a:pPr>
-            <a:endParaRPr kumimoji="1" lang="ja-JP" altLang="en-US" sz="1900" b="0" i="0" u="none" strike="noStrike" cap="none" normalizeH="0" baseline="0" dirty="0">
-              <a:ln>
-                <a:noFill/>
-              </a:ln>
-              <a:solidFill>
-                <a:schemeClr val="tx1"/>
-              </a:solidFill>
-              <a:effectLst/>
-              <a:latin typeface="Arial" charset="0"/>
-              <a:ea typeface="ＭＳ Ｐゴシック" charset="-128"/>
             </a:endParaRPr>
           </a:p>
         </p:txBody>
@@ -7196,7 +8354,7 @@
         </p:nvSpPr>
         <p:spPr>
           <a:xfrm>
-            <a:off x="2961626" y="2740209"/>
+            <a:off x="2961626" y="2735100"/>
             <a:ext cx="6450597" cy="276186"/>
           </a:xfrm>
           <a:prstGeom prst="rect">
@@ -7359,618 +8517,7 @@
                 <a:latin typeface="+mj-ea"/>
                 <a:ea typeface="+mj-ea"/>
               </a:rPr>
-              <a:t>① 視認性、初期非表示 </a:t>
-            </a:r>
-          </a:p>
-        </p:txBody>
-      </p:sp>
-      <p:sp>
-        <p:nvSpPr>
-          <p:cNvPr id="42" name="テキスト ボックス 41">
-            <a:extLst>
-              <a:ext uri="{FF2B5EF4-FFF2-40B4-BE49-F238E27FC236}">
-                <a16:creationId xmlns:a16="http://schemas.microsoft.com/office/drawing/2014/main" id="{9D92DF87-F224-6F03-4633-4E2BCD40CB67}"/>
-              </a:ext>
-            </a:extLst>
-          </p:cNvPr>
-          <p:cNvSpPr txBox="1"/>
-          <p:nvPr/>
-        </p:nvSpPr>
-        <p:spPr>
-          <a:xfrm>
-            <a:off x="2961627" y="4284663"/>
-            <a:ext cx="6450596" cy="461665"/>
-          </a:xfrm>
-          <a:prstGeom prst="rect">
-            <a:avLst/>
-          </a:prstGeom>
-          <a:noFill/>
-        </p:spPr>
-        <p:txBody>
-          <a:bodyPr wrap="square">
-            <a:spAutoFit/>
-          </a:bodyPr>
-          <a:lstStyle/>
-          <a:p>
-            <a:r>
-              <a:rPr kumimoji="1" lang="ja-JP" altLang="en-US" sz="1200" dirty="0">
-                <a:latin typeface="+mn-ea"/>
-                <a:ea typeface="+mn-ea"/>
-              </a:rPr>
-              <a:t>駐車場チケットと試合チケットが同じレベル感で表示されているため、わかりづらい。</a:t>
-            </a:r>
-            <a:endParaRPr kumimoji="1" lang="en-US" altLang="ja-JP" sz="1200" dirty="0">
-              <a:latin typeface="+mn-ea"/>
-              <a:ea typeface="+mn-ea"/>
-            </a:endParaRPr>
-          </a:p>
-          <a:p>
-            <a:r>
-              <a:rPr lang="ja-JP" altLang="en-US" sz="1200" dirty="0">
-                <a:latin typeface="+mn-ea"/>
-                <a:ea typeface="+mn-ea"/>
-              </a:rPr>
-              <a:t>チケット購入を目的としているユーザーを困惑させてしまう。</a:t>
-            </a:r>
-            <a:endParaRPr kumimoji="1" lang="en-US" altLang="ja-JP" sz="1200" dirty="0">
-              <a:latin typeface="+mn-ea"/>
-              <a:ea typeface="+mn-ea"/>
-            </a:endParaRPr>
-          </a:p>
-        </p:txBody>
-      </p:sp>
-      <p:sp>
-        <p:nvSpPr>
-          <p:cNvPr id="43" name="正方形/長方形 42">
-            <a:extLst>
-              <a:ext uri="{FF2B5EF4-FFF2-40B4-BE49-F238E27FC236}">
-                <a16:creationId xmlns:a16="http://schemas.microsoft.com/office/drawing/2014/main" id="{2C4E9D49-92A8-1070-01C3-9069F9D5CE07}"/>
-              </a:ext>
-            </a:extLst>
-          </p:cNvPr>
-          <p:cNvSpPr/>
-          <p:nvPr/>
-        </p:nvSpPr>
-        <p:spPr bwMode="auto">
-          <a:xfrm>
-            <a:off x="2961626" y="3929653"/>
-            <a:ext cx="3187246" cy="276999"/>
-          </a:xfrm>
-          <a:prstGeom prst="rect">
-            <a:avLst/>
-          </a:prstGeom>
-          <a:solidFill>
-            <a:schemeClr val="accent1">
-              <a:lumMod val="40000"/>
-              <a:lumOff val="60000"/>
-            </a:schemeClr>
-          </a:solidFill>
-          <a:ln w="9525" cap="flat" cmpd="sng" algn="ctr">
-            <a:noFill/>
-            <a:prstDash val="solid"/>
-            <a:round/>
-            <a:headEnd type="none" w="med" len="med"/>
-            <a:tailEnd type="none" w="med" len="med"/>
-          </a:ln>
-          <a:effectLst/>
-        </p:spPr>
-        <p:txBody>
-          <a:bodyPr vert="horz" wrap="square" lIns="91440" tIns="45720" rIns="91440" bIns="45720" numCol="1" rtlCol="0" anchor="t" anchorCtr="0" compatLnSpc="1">
-            <a:prstTxWarp prst="textNoShape">
-              <a:avLst/>
-            </a:prstTxWarp>
-          </a:bodyPr>
-          <a:lstStyle/>
-          <a:p>
-            <a:pPr marL="0" marR="0" indent="0" algn="l" defTabSz="957263" rtl="0" eaLnBrk="1" fontAlgn="base" latinLnBrk="0" hangingPunct="1">
-              <a:lnSpc>
-                <a:spcPct val="100000"/>
-              </a:lnSpc>
-              <a:spcBef>
-                <a:spcPct val="0"/>
-              </a:spcBef>
-              <a:spcAft>
-                <a:spcPct val="0"/>
-              </a:spcAft>
-              <a:buClrTx/>
-              <a:buSzTx/>
-              <a:buFontTx/>
-              <a:buNone/>
-              <a:tabLst/>
-            </a:pPr>
-            <a:endParaRPr kumimoji="1" lang="ja-JP" altLang="en-US" sz="1900" b="0" i="0" u="none" strike="noStrike" cap="none" normalizeH="0" baseline="0" dirty="0">
-              <a:ln>
-                <a:noFill/>
-              </a:ln>
-              <a:solidFill>
-                <a:schemeClr val="tx1"/>
-              </a:solidFill>
-              <a:effectLst/>
-              <a:latin typeface="Arial" charset="0"/>
-              <a:ea typeface="ＭＳ Ｐゴシック" charset="-128"/>
-            </a:endParaRPr>
-          </a:p>
-        </p:txBody>
-      </p:sp>
-      <p:sp>
-        <p:nvSpPr>
-          <p:cNvPr id="44" name="テキスト プレースホルダー 2">
-            <a:extLst>
-              <a:ext uri="{FF2B5EF4-FFF2-40B4-BE49-F238E27FC236}">
-                <a16:creationId xmlns:a16="http://schemas.microsoft.com/office/drawing/2014/main" id="{B63631E0-9103-A899-A928-60773B7E2F55}"/>
-              </a:ext>
-            </a:extLst>
-          </p:cNvPr>
-          <p:cNvSpPr txBox="1">
-            <a:spLocks/>
-          </p:cNvSpPr>
-          <p:nvPr/>
-        </p:nvSpPr>
-        <p:spPr>
-          <a:xfrm>
-            <a:off x="2961626" y="3930467"/>
-            <a:ext cx="6450597" cy="276186"/>
-          </a:xfrm>
-          <a:prstGeom prst="rect">
-            <a:avLst/>
-          </a:prstGeom>
-        </p:spPr>
-        <p:txBody>
-          <a:bodyPr lIns="0" rIns="0"/>
-          <a:lstStyle>
-            <a:lvl1pPr marL="90487" indent="0" algn="l" defTabSz="957263" rtl="0" eaLnBrk="0" fontAlgn="base" hangingPunct="0">
-              <a:spcBef>
-                <a:spcPct val="20000"/>
-              </a:spcBef>
-              <a:spcAft>
-                <a:spcPct val="0"/>
-              </a:spcAft>
-              <a:buNone/>
-              <a:defRPr kumimoji="1" sz="1600" b="0">
-                <a:solidFill>
-                  <a:schemeClr val="tx1"/>
-                </a:solidFill>
-                <a:latin typeface="+mn-lt"/>
-                <a:ea typeface="+mn-ea"/>
-                <a:cs typeface="+mn-cs"/>
-              </a:defRPr>
-            </a:lvl1pPr>
-            <a:lvl2pPr marL="466725" indent="-93663" algn="l" defTabSz="957263" rtl="0" eaLnBrk="0" fontAlgn="base" hangingPunct="0">
-              <a:spcBef>
-                <a:spcPct val="20000"/>
-              </a:spcBef>
-              <a:spcAft>
-                <a:spcPct val="0"/>
-              </a:spcAft>
-              <a:buFont typeface="Wingdings" pitchFamily="2" charset="2"/>
-              <a:buChar char="–"/>
-              <a:defRPr kumimoji="1" sz="2000">
-                <a:solidFill>
-                  <a:schemeClr val="tx1"/>
-                </a:solidFill>
-                <a:latin typeface="+mn-lt"/>
-                <a:ea typeface="+mn-ea"/>
-              </a:defRPr>
-            </a:lvl2pPr>
-            <a:lvl3pPr marL="938213" indent="-282575" algn="l" defTabSz="957263" rtl="0" eaLnBrk="0" fontAlgn="base" hangingPunct="0">
-              <a:spcBef>
-                <a:spcPct val="20000"/>
-              </a:spcBef>
-              <a:spcAft>
-                <a:spcPct val="0"/>
-              </a:spcAft>
-              <a:buFont typeface="Wingdings" pitchFamily="2" charset="2"/>
-              <a:buChar char="l"/>
-              <a:defRPr kumimoji="1" sz="2000">
-                <a:solidFill>
-                  <a:schemeClr val="tx1"/>
-                </a:solidFill>
-                <a:latin typeface="+mn-lt"/>
-                <a:ea typeface="+mn-ea"/>
-              </a:defRPr>
-            </a:lvl3pPr>
-            <a:lvl4pPr marL="1222375" indent="-96838" algn="l" defTabSz="957263" rtl="0" eaLnBrk="0" fontAlgn="base" hangingPunct="0">
-              <a:spcBef>
-                <a:spcPct val="20000"/>
-              </a:spcBef>
-              <a:spcAft>
-                <a:spcPct val="0"/>
-              </a:spcAft>
-              <a:buChar char="–"/>
-              <a:defRPr kumimoji="1" sz="2000">
-                <a:solidFill>
-                  <a:schemeClr val="tx1"/>
-                </a:solidFill>
-                <a:latin typeface="+mn-lt"/>
-                <a:ea typeface="+mn-ea"/>
-              </a:defRPr>
-            </a:lvl4pPr>
-            <a:lvl5pPr marL="1504950" indent="-95250" algn="l" defTabSz="957263" rtl="0" eaLnBrk="0" fontAlgn="base" hangingPunct="0">
-              <a:spcBef>
-                <a:spcPct val="20000"/>
-              </a:spcBef>
-              <a:spcAft>
-                <a:spcPct val="0"/>
-              </a:spcAft>
-              <a:buChar char="»"/>
-              <a:defRPr kumimoji="1" sz="2000">
-                <a:solidFill>
-                  <a:schemeClr val="tx1"/>
-                </a:solidFill>
-                <a:latin typeface="+mn-lt"/>
-                <a:ea typeface="+mn-ea"/>
-              </a:defRPr>
-            </a:lvl5pPr>
-            <a:lvl6pPr marL="1962150" indent="-95250" algn="l" defTabSz="957263" rtl="0" eaLnBrk="1" fontAlgn="base" hangingPunct="1">
-              <a:spcBef>
-                <a:spcPct val="20000"/>
-              </a:spcBef>
-              <a:spcAft>
-                <a:spcPct val="0"/>
-              </a:spcAft>
-              <a:defRPr kumimoji="1" sz="2000">
-                <a:solidFill>
-                  <a:schemeClr val="tx1"/>
-                </a:solidFill>
-                <a:latin typeface="+mn-lt"/>
-                <a:ea typeface="+mn-ea"/>
-              </a:defRPr>
-            </a:lvl6pPr>
-            <a:lvl7pPr marL="2419350" indent="-95250" algn="l" defTabSz="957263" rtl="0" eaLnBrk="1" fontAlgn="base" hangingPunct="1">
-              <a:spcBef>
-                <a:spcPct val="20000"/>
-              </a:spcBef>
-              <a:spcAft>
-                <a:spcPct val="0"/>
-              </a:spcAft>
-              <a:defRPr kumimoji="1" sz="2000">
-                <a:solidFill>
-                  <a:schemeClr val="tx1"/>
-                </a:solidFill>
-                <a:latin typeface="+mn-lt"/>
-                <a:ea typeface="+mn-ea"/>
-              </a:defRPr>
-            </a:lvl7pPr>
-            <a:lvl8pPr marL="2876550" indent="-95250" algn="l" defTabSz="957263" rtl="0" eaLnBrk="1" fontAlgn="base" hangingPunct="1">
-              <a:spcBef>
-                <a:spcPct val="20000"/>
-              </a:spcBef>
-              <a:spcAft>
-                <a:spcPct val="0"/>
-              </a:spcAft>
-              <a:defRPr kumimoji="1" sz="2000">
-                <a:solidFill>
-                  <a:schemeClr val="tx1"/>
-                </a:solidFill>
-                <a:latin typeface="+mn-lt"/>
-                <a:ea typeface="+mn-ea"/>
-              </a:defRPr>
-            </a:lvl8pPr>
-            <a:lvl9pPr marL="3333750" indent="-95250" algn="l" defTabSz="957263" rtl="0" eaLnBrk="1" fontAlgn="base" hangingPunct="1">
-              <a:spcBef>
-                <a:spcPct val="20000"/>
-              </a:spcBef>
-              <a:spcAft>
-                <a:spcPct val="0"/>
-              </a:spcAft>
-              <a:defRPr kumimoji="1" sz="2000">
-                <a:solidFill>
-                  <a:schemeClr val="tx1"/>
-                </a:solidFill>
-                <a:latin typeface="+mn-lt"/>
-                <a:ea typeface="+mn-ea"/>
-              </a:defRPr>
-            </a:lvl9pPr>
-          </a:lstStyle>
-          <a:p>
-            <a:r>
-              <a:rPr lang="ja-JP" altLang="en-US" b="1" kern="0" dirty="0">
-                <a:solidFill>
-                  <a:srgbClr val="2669AC"/>
-                </a:solidFill>
-                <a:latin typeface="+mj-ea"/>
-                <a:ea typeface="+mj-ea"/>
-              </a:rPr>
-              <a:t>② 識別性  </a:t>
-            </a:r>
-          </a:p>
-        </p:txBody>
-      </p:sp>
-      <p:sp>
-        <p:nvSpPr>
-          <p:cNvPr id="45" name="テキスト ボックス 44">
-            <a:extLst>
-              <a:ext uri="{FF2B5EF4-FFF2-40B4-BE49-F238E27FC236}">
-                <a16:creationId xmlns:a16="http://schemas.microsoft.com/office/drawing/2014/main" id="{FB6C4945-E3F7-BF2F-D28E-0991BE705480}"/>
-              </a:ext>
-            </a:extLst>
-          </p:cNvPr>
-          <p:cNvSpPr txBox="1"/>
-          <p:nvPr/>
-        </p:nvSpPr>
-        <p:spPr>
-          <a:xfrm>
-            <a:off x="2961627" y="5474108"/>
-            <a:ext cx="6450596" cy="461665"/>
-          </a:xfrm>
-          <a:prstGeom prst="rect">
-            <a:avLst/>
-          </a:prstGeom>
-          <a:noFill/>
-        </p:spPr>
-        <p:txBody>
-          <a:bodyPr wrap="square">
-            <a:spAutoFit/>
-          </a:bodyPr>
-          <a:lstStyle/>
-          <a:p>
-            <a:r>
-              <a:rPr kumimoji="1" lang="ja-JP" altLang="en-US" sz="1200" dirty="0">
-                <a:latin typeface="+mn-ea"/>
-                <a:ea typeface="+mn-ea"/>
-              </a:rPr>
-              <a:t>各項目、色違いの四角形を使用しチケットの種類の区分けをしているが、各色が何を意味するかが未記載のためユーザーにとって不必要な情報となっている</a:t>
-            </a:r>
-            <a:endParaRPr kumimoji="1" lang="en-US" altLang="ja-JP" sz="1200" dirty="0">
-              <a:latin typeface="+mn-ea"/>
-              <a:ea typeface="+mn-ea"/>
-            </a:endParaRPr>
-          </a:p>
-        </p:txBody>
-      </p:sp>
-      <p:sp>
-        <p:nvSpPr>
-          <p:cNvPr id="46" name="正方形/長方形 45">
-            <a:extLst>
-              <a:ext uri="{FF2B5EF4-FFF2-40B4-BE49-F238E27FC236}">
-                <a16:creationId xmlns:a16="http://schemas.microsoft.com/office/drawing/2014/main" id="{9D512C4E-C759-7252-25E8-5466F942626D}"/>
-              </a:ext>
-            </a:extLst>
-          </p:cNvPr>
-          <p:cNvSpPr/>
-          <p:nvPr/>
-        </p:nvSpPr>
-        <p:spPr bwMode="auto">
-          <a:xfrm>
-            <a:off x="2961626" y="5119098"/>
-            <a:ext cx="3187246" cy="276999"/>
-          </a:xfrm>
-          <a:prstGeom prst="rect">
-            <a:avLst/>
-          </a:prstGeom>
-          <a:solidFill>
-            <a:schemeClr val="accent1">
-              <a:lumMod val="40000"/>
-              <a:lumOff val="60000"/>
-            </a:schemeClr>
-          </a:solidFill>
-          <a:ln w="9525" cap="flat" cmpd="sng" algn="ctr">
-            <a:noFill/>
-            <a:prstDash val="solid"/>
-            <a:round/>
-            <a:headEnd type="none" w="med" len="med"/>
-            <a:tailEnd type="none" w="med" len="med"/>
-          </a:ln>
-          <a:effectLst/>
-        </p:spPr>
-        <p:txBody>
-          <a:bodyPr vert="horz" wrap="square" lIns="91440" tIns="45720" rIns="91440" bIns="45720" numCol="1" rtlCol="0" anchor="t" anchorCtr="0" compatLnSpc="1">
-            <a:prstTxWarp prst="textNoShape">
-              <a:avLst/>
-            </a:prstTxWarp>
-          </a:bodyPr>
-          <a:lstStyle/>
-          <a:p>
-            <a:pPr marL="0" marR="0" indent="0" algn="l" defTabSz="957263" rtl="0" eaLnBrk="1" fontAlgn="base" latinLnBrk="0" hangingPunct="1">
-              <a:lnSpc>
-                <a:spcPct val="100000"/>
-              </a:lnSpc>
-              <a:spcBef>
-                <a:spcPct val="0"/>
-              </a:spcBef>
-              <a:spcAft>
-                <a:spcPct val="0"/>
-              </a:spcAft>
-              <a:buClrTx/>
-              <a:buSzTx/>
-              <a:buFontTx/>
-              <a:buNone/>
-              <a:tabLst/>
-            </a:pPr>
-            <a:endParaRPr kumimoji="1" lang="ja-JP" altLang="en-US" sz="1900" b="0" i="0" u="none" strike="noStrike" cap="none" normalizeH="0" baseline="0" dirty="0">
-              <a:ln>
-                <a:noFill/>
-              </a:ln>
-              <a:solidFill>
-                <a:schemeClr val="tx1"/>
-              </a:solidFill>
-              <a:effectLst/>
-              <a:latin typeface="Arial" charset="0"/>
-              <a:ea typeface="ＭＳ Ｐゴシック" charset="-128"/>
-            </a:endParaRPr>
-          </a:p>
-        </p:txBody>
-      </p:sp>
-      <p:sp>
-        <p:nvSpPr>
-          <p:cNvPr id="47" name="テキスト プレースホルダー 2">
-            <a:extLst>
-              <a:ext uri="{FF2B5EF4-FFF2-40B4-BE49-F238E27FC236}">
-                <a16:creationId xmlns:a16="http://schemas.microsoft.com/office/drawing/2014/main" id="{47A96D2A-1D13-B846-1301-7D0F9E972202}"/>
-              </a:ext>
-            </a:extLst>
-          </p:cNvPr>
-          <p:cNvSpPr txBox="1">
-            <a:spLocks/>
-          </p:cNvSpPr>
-          <p:nvPr/>
-        </p:nvSpPr>
-        <p:spPr>
-          <a:xfrm>
-            <a:off x="2961626" y="5119912"/>
-            <a:ext cx="6450597" cy="276186"/>
-          </a:xfrm>
-          <a:prstGeom prst="rect">
-            <a:avLst/>
-          </a:prstGeom>
-        </p:spPr>
-        <p:txBody>
-          <a:bodyPr lIns="0" rIns="0"/>
-          <a:lstStyle>
-            <a:lvl1pPr marL="90487" indent="0" algn="l" defTabSz="957263" rtl="0" eaLnBrk="0" fontAlgn="base" hangingPunct="0">
-              <a:spcBef>
-                <a:spcPct val="20000"/>
-              </a:spcBef>
-              <a:spcAft>
-                <a:spcPct val="0"/>
-              </a:spcAft>
-              <a:buNone/>
-              <a:defRPr kumimoji="1" sz="1600" b="0">
-                <a:solidFill>
-                  <a:schemeClr val="tx1"/>
-                </a:solidFill>
-                <a:latin typeface="+mn-lt"/>
-                <a:ea typeface="+mn-ea"/>
-                <a:cs typeface="+mn-cs"/>
-              </a:defRPr>
-            </a:lvl1pPr>
-            <a:lvl2pPr marL="466725" indent="-93663" algn="l" defTabSz="957263" rtl="0" eaLnBrk="0" fontAlgn="base" hangingPunct="0">
-              <a:spcBef>
-                <a:spcPct val="20000"/>
-              </a:spcBef>
-              <a:spcAft>
-                <a:spcPct val="0"/>
-              </a:spcAft>
-              <a:buFont typeface="Wingdings" pitchFamily="2" charset="2"/>
-              <a:buChar char="–"/>
-              <a:defRPr kumimoji="1" sz="2000">
-                <a:solidFill>
-                  <a:schemeClr val="tx1"/>
-                </a:solidFill>
-                <a:latin typeface="+mn-lt"/>
-                <a:ea typeface="+mn-ea"/>
-              </a:defRPr>
-            </a:lvl2pPr>
-            <a:lvl3pPr marL="938213" indent="-282575" algn="l" defTabSz="957263" rtl="0" eaLnBrk="0" fontAlgn="base" hangingPunct="0">
-              <a:spcBef>
-                <a:spcPct val="20000"/>
-              </a:spcBef>
-              <a:spcAft>
-                <a:spcPct val="0"/>
-              </a:spcAft>
-              <a:buFont typeface="Wingdings" pitchFamily="2" charset="2"/>
-              <a:buChar char="l"/>
-              <a:defRPr kumimoji="1" sz="2000">
-                <a:solidFill>
-                  <a:schemeClr val="tx1"/>
-                </a:solidFill>
-                <a:latin typeface="+mn-lt"/>
-                <a:ea typeface="+mn-ea"/>
-              </a:defRPr>
-            </a:lvl3pPr>
-            <a:lvl4pPr marL="1222375" indent="-96838" algn="l" defTabSz="957263" rtl="0" eaLnBrk="0" fontAlgn="base" hangingPunct="0">
-              <a:spcBef>
-                <a:spcPct val="20000"/>
-              </a:spcBef>
-              <a:spcAft>
-                <a:spcPct val="0"/>
-              </a:spcAft>
-              <a:buChar char="–"/>
-              <a:defRPr kumimoji="1" sz="2000">
-                <a:solidFill>
-                  <a:schemeClr val="tx1"/>
-                </a:solidFill>
-                <a:latin typeface="+mn-lt"/>
-                <a:ea typeface="+mn-ea"/>
-              </a:defRPr>
-            </a:lvl4pPr>
-            <a:lvl5pPr marL="1504950" indent="-95250" algn="l" defTabSz="957263" rtl="0" eaLnBrk="0" fontAlgn="base" hangingPunct="0">
-              <a:spcBef>
-                <a:spcPct val="20000"/>
-              </a:spcBef>
-              <a:spcAft>
-                <a:spcPct val="0"/>
-              </a:spcAft>
-              <a:buChar char="»"/>
-              <a:defRPr kumimoji="1" sz="2000">
-                <a:solidFill>
-                  <a:schemeClr val="tx1"/>
-                </a:solidFill>
-                <a:latin typeface="+mn-lt"/>
-                <a:ea typeface="+mn-ea"/>
-              </a:defRPr>
-            </a:lvl5pPr>
-            <a:lvl6pPr marL="1962150" indent="-95250" algn="l" defTabSz="957263" rtl="0" eaLnBrk="1" fontAlgn="base" hangingPunct="1">
-              <a:spcBef>
-                <a:spcPct val="20000"/>
-              </a:spcBef>
-              <a:spcAft>
-                <a:spcPct val="0"/>
-              </a:spcAft>
-              <a:defRPr kumimoji="1" sz="2000">
-                <a:solidFill>
-                  <a:schemeClr val="tx1"/>
-                </a:solidFill>
-                <a:latin typeface="+mn-lt"/>
-                <a:ea typeface="+mn-ea"/>
-              </a:defRPr>
-            </a:lvl6pPr>
-            <a:lvl7pPr marL="2419350" indent="-95250" algn="l" defTabSz="957263" rtl="0" eaLnBrk="1" fontAlgn="base" hangingPunct="1">
-              <a:spcBef>
-                <a:spcPct val="20000"/>
-              </a:spcBef>
-              <a:spcAft>
-                <a:spcPct val="0"/>
-              </a:spcAft>
-              <a:defRPr kumimoji="1" sz="2000">
-                <a:solidFill>
-                  <a:schemeClr val="tx1"/>
-                </a:solidFill>
-                <a:latin typeface="+mn-lt"/>
-                <a:ea typeface="+mn-ea"/>
-              </a:defRPr>
-            </a:lvl7pPr>
-            <a:lvl8pPr marL="2876550" indent="-95250" algn="l" defTabSz="957263" rtl="0" eaLnBrk="1" fontAlgn="base" hangingPunct="1">
-              <a:spcBef>
-                <a:spcPct val="20000"/>
-              </a:spcBef>
-              <a:spcAft>
-                <a:spcPct val="0"/>
-              </a:spcAft>
-              <a:defRPr kumimoji="1" sz="2000">
-                <a:solidFill>
-                  <a:schemeClr val="tx1"/>
-                </a:solidFill>
-                <a:latin typeface="+mn-lt"/>
-                <a:ea typeface="+mn-ea"/>
-              </a:defRPr>
-            </a:lvl8pPr>
-            <a:lvl9pPr marL="3333750" indent="-95250" algn="l" defTabSz="957263" rtl="0" eaLnBrk="1" fontAlgn="base" hangingPunct="1">
-              <a:spcBef>
-                <a:spcPct val="20000"/>
-              </a:spcBef>
-              <a:spcAft>
-                <a:spcPct val="0"/>
-              </a:spcAft>
-              <a:defRPr kumimoji="1" sz="2000">
-                <a:solidFill>
-                  <a:schemeClr val="tx1"/>
-                </a:solidFill>
-                <a:latin typeface="+mn-lt"/>
-                <a:ea typeface="+mn-ea"/>
-              </a:defRPr>
-            </a:lvl9pPr>
-          </a:lstStyle>
-          <a:p>
-            <a:r>
-              <a:rPr lang="ja-JP" altLang="en-US" b="1" kern="0" dirty="0">
-                <a:solidFill>
-                  <a:srgbClr val="2669AC"/>
-                </a:solidFill>
-                <a:latin typeface="+mj-ea"/>
-                <a:ea typeface="+mj-ea"/>
-              </a:rPr>
-              <a:t>③ 情報の曖昧さ </a:t>
+              <a:t>① 一部エンブレム情報非表示 </a:t>
             </a:r>
           </a:p>
         </p:txBody>
@@ -8162,7 +8709,7 @@
                 <a:latin typeface="+mj-ea"/>
                 <a:ea typeface="+mj-ea"/>
               </a:rPr>
-              <a:t>A</a:t>
+              <a:t>B</a:t>
             </a:r>
           </a:p>
         </p:txBody>
@@ -8302,7 +8849,7 @@
 </p:sld>
 </file>
 
-<file path=ppt/slides/slide7.xml><?xml version="1.0" encoding="utf-8"?>
+<file path=ppt/slides/slide8.xml><?xml version="1.0" encoding="utf-8"?>
 <p:sld xmlns:a="http://schemas.openxmlformats.org/drawingml/2006/main" xmlns:r="http://schemas.openxmlformats.org/officeDocument/2006/relationships" xmlns:p="http://schemas.openxmlformats.org/presentationml/2006/main">
   <p:cSld>
     <p:spTree>
@@ -8325,6 +8872,152 @@
           <a:chExt cx="0" cy="0"/>
         </a:xfrm>
       </p:grpSpPr>
+      <p:sp>
+        <p:nvSpPr>
+          <p:cNvPr id="2" name="正方形/長方形 1">
+            <a:extLst>
+              <a:ext uri="{FF2B5EF4-FFF2-40B4-BE49-F238E27FC236}">
+                <a16:creationId xmlns:a16="http://schemas.microsoft.com/office/drawing/2014/main" id="{1764EB4B-EB80-4317-C377-DF0DA309B444}"/>
+              </a:ext>
+            </a:extLst>
+          </p:cNvPr>
+          <p:cNvSpPr/>
+          <p:nvPr/>
+        </p:nvSpPr>
+        <p:spPr bwMode="auto">
+          <a:xfrm>
+            <a:off x="4409436" y="4327016"/>
+            <a:ext cx="2513904" cy="495657"/>
+          </a:xfrm>
+          <a:prstGeom prst="rect">
+            <a:avLst/>
+          </a:prstGeom>
+          <a:solidFill>
+            <a:schemeClr val="accent1">
+              <a:lumMod val="40000"/>
+              <a:lumOff val="60000"/>
+            </a:schemeClr>
+          </a:solidFill>
+          <a:ln w="9525" cap="flat" cmpd="sng" algn="ctr">
+            <a:noFill/>
+            <a:prstDash val="solid"/>
+            <a:round/>
+            <a:headEnd type="none" w="med" len="med"/>
+            <a:tailEnd type="none" w="med" len="med"/>
+          </a:ln>
+          <a:effectLst/>
+        </p:spPr>
+        <p:txBody>
+          <a:bodyPr vert="horz" wrap="square" lIns="91440" tIns="45720" rIns="91440" bIns="45720" numCol="1" rtlCol="0" anchor="t" anchorCtr="0" compatLnSpc="1">
+            <a:prstTxWarp prst="textNoShape">
+              <a:avLst/>
+            </a:prstTxWarp>
+          </a:bodyPr>
+          <a:lstStyle/>
+          <a:p>
+            <a:pPr marL="0" marR="0" indent="0" algn="l" defTabSz="957263" rtl="0" eaLnBrk="1" fontAlgn="base" latinLnBrk="0" hangingPunct="1">
+              <a:lnSpc>
+                <a:spcPct val="100000"/>
+              </a:lnSpc>
+              <a:spcBef>
+                <a:spcPct val="0"/>
+              </a:spcBef>
+              <a:spcAft>
+                <a:spcPct val="0"/>
+              </a:spcAft>
+              <a:buClrTx/>
+              <a:buSzTx/>
+              <a:buFontTx/>
+              <a:buNone/>
+              <a:tabLst/>
+            </a:pPr>
+            <a:endParaRPr kumimoji="1" lang="ja-JP" altLang="en-US" sz="1900" b="0" i="0" u="none" strike="noStrike" cap="none" normalizeH="0" baseline="0" dirty="0">
+              <a:ln>
+                <a:noFill/>
+              </a:ln>
+              <a:solidFill>
+                <a:schemeClr val="tx1"/>
+              </a:solidFill>
+              <a:effectLst/>
+              <a:latin typeface="Arial" charset="0"/>
+              <a:ea typeface="ＭＳ Ｐゴシック" charset="-128"/>
+            </a:endParaRPr>
+          </a:p>
+        </p:txBody>
+      </p:sp>
+      <p:sp>
+        <p:nvSpPr>
+          <p:cNvPr id="3" name="正方形/長方形 2">
+            <a:extLst>
+              <a:ext uri="{FF2B5EF4-FFF2-40B4-BE49-F238E27FC236}">
+                <a16:creationId xmlns:a16="http://schemas.microsoft.com/office/drawing/2014/main" id="{51099D08-5BC1-EBFE-4245-A22F71A2EF52}"/>
+              </a:ext>
+            </a:extLst>
+          </p:cNvPr>
+          <p:cNvSpPr/>
+          <p:nvPr/>
+        </p:nvSpPr>
+        <p:spPr bwMode="auto">
+          <a:xfrm>
+            <a:off x="4409436" y="2516215"/>
+            <a:ext cx="2513904" cy="495657"/>
+          </a:xfrm>
+          <a:prstGeom prst="rect">
+            <a:avLst/>
+          </a:prstGeom>
+          <a:solidFill>
+            <a:schemeClr val="accent1">
+              <a:lumMod val="40000"/>
+              <a:lumOff val="60000"/>
+            </a:schemeClr>
+          </a:solidFill>
+          <a:ln w="9525" cap="flat" cmpd="sng" algn="ctr">
+            <a:noFill/>
+            <a:prstDash val="solid"/>
+            <a:round/>
+            <a:headEnd type="none" w="med" len="med"/>
+            <a:tailEnd type="none" w="med" len="med"/>
+          </a:ln>
+          <a:effectLst/>
+        </p:spPr>
+        <p:txBody>
+          <a:bodyPr vert="horz" wrap="square" lIns="91440" tIns="45720" rIns="91440" bIns="45720" numCol="1" rtlCol="0" anchor="t" anchorCtr="0" compatLnSpc="1">
+            <a:prstTxWarp prst="textNoShape">
+              <a:avLst/>
+            </a:prstTxWarp>
+          </a:bodyPr>
+          <a:lstStyle/>
+          <a:p>
+            <a:pPr marL="0" marR="0" indent="0" algn="l" defTabSz="957263" rtl="0" eaLnBrk="1" fontAlgn="base" latinLnBrk="0" hangingPunct="1">
+              <a:lnSpc>
+                <a:spcPct val="100000"/>
+              </a:lnSpc>
+              <a:spcBef>
+                <a:spcPct val="0"/>
+              </a:spcBef>
+              <a:spcAft>
+                <a:spcPct val="0"/>
+              </a:spcAft>
+              <a:buClrTx/>
+              <a:buSzTx/>
+              <a:buFontTx/>
+              <a:buNone/>
+              <a:tabLst/>
+            </a:pPr>
+            <a:endParaRPr kumimoji="1" lang="ja-JP" altLang="en-US" sz="1900" b="0" i="0" u="none" strike="noStrike" cap="none" normalizeH="0" baseline="0" dirty="0">
+              <a:ln>
+                <a:noFill/>
+              </a:ln>
+              <a:solidFill>
+                <a:schemeClr val="tx1"/>
+              </a:solidFill>
+              <a:effectLst/>
+              <a:latin typeface="Arial" charset="0"/>
+              <a:ea typeface="ＭＳ Ｐゴシック" charset="-128"/>
+            </a:endParaRPr>
+          </a:p>
+        </p:txBody>
+      </p:sp>
       <p:sp>
         <p:nvSpPr>
           <p:cNvPr id="13" name="テキスト プレースホルダー 12">
@@ -8352,18 +9045,23 @@
           <a:lstStyle/>
           <a:p>
             <a:r>
-              <a:rPr lang="en-US" altLang="ja-JP" dirty="0">
-                <a:latin typeface="+mn-ea"/>
-              </a:rPr>
-              <a:t>02</a:t>
-            </a:r>
-            <a:r>
-              <a:rPr lang="ja-JP" altLang="en-US" dirty="0">
-                <a:latin typeface="+mn-ea"/>
-              </a:rPr>
-              <a:t>　試合選択画面</a:t>
-            </a:r>
-            <a:endParaRPr kumimoji="1" lang="ja-JP" altLang="en-US" dirty="0"/>
+              <a:rPr lang="en-US" altLang="ja-JP" b="1" kern="0" dirty="0">
+                <a:latin typeface="+mj-ea"/>
+                <a:ea typeface="+mj-ea"/>
+              </a:rPr>
+              <a:t>02 </a:t>
+            </a:r>
+            <a:r>
+              <a:rPr kumimoji="1" lang="ja-JP" altLang="en-US" sz="2000" b="1" dirty="0">
+                <a:latin typeface="+mn-ea"/>
+                <a:ea typeface="+mn-ea"/>
+              </a:rPr>
+              <a:t>目的の情報に早くたどり着けない</a:t>
+            </a:r>
+            <a:endParaRPr lang="en-US" altLang="ja-JP" b="1" kern="0" dirty="0">
+              <a:latin typeface="+mj-ea"/>
+              <a:ea typeface="+mj-ea"/>
+            </a:endParaRPr>
           </a:p>
         </p:txBody>
       </p:sp>
@@ -8385,25 +9083,57 @@
         </p:nvSpPr>
         <p:spPr>
           <a:xfrm>
-            <a:off x="2961627" y="1901828"/>
-            <a:ext cx="6450596" cy="560263"/>
+            <a:off x="4409436" y="1418670"/>
+            <a:ext cx="5087837" cy="317199"/>
           </a:xfrm>
+          <a:ln>
+            <a:noFill/>
+          </a:ln>
         </p:spPr>
         <p:txBody>
           <a:bodyPr/>
           <a:lstStyle/>
           <a:p>
             <a:r>
-              <a:rPr lang="ja-JP" altLang="en-US" b="1" dirty="0">
-                <a:effectLst/>
-                <a:latin typeface="+mj-ea"/>
-                <a:ea typeface="+mj-ea"/>
-              </a:rPr>
-              <a:t>情報の分類が不明瞭であり、利用者が目的のチケットや情報に素早く辿り着くことが困難</a:t>
-            </a:r>
-            <a:endParaRPr lang="en-US" altLang="ja-JP" b="1" dirty="0">
-              <a:latin typeface="+mj-ea"/>
-              <a:ea typeface="+mj-ea"/>
+              <a:rPr lang="ja-JP" altLang="en-US" sz="1400" b="1" dirty="0">
+                <a:latin typeface="+mn-ea"/>
+              </a:rPr>
+              <a:t>対象ページ：</a:t>
+            </a:r>
+            <a:r>
+              <a:rPr lang="en-US" altLang="ja-JP" sz="1400" dirty="0">
+                <a:latin typeface="+mn-ea"/>
+              </a:rPr>
+              <a:t>TOP</a:t>
+            </a:r>
+            <a:r>
+              <a:rPr lang="ja-JP" altLang="en-US" sz="1400" dirty="0">
+                <a:latin typeface="+mn-ea"/>
+              </a:rPr>
+              <a:t>、試合選択画面　</a:t>
+            </a:r>
+            <a:r>
+              <a:rPr lang="ja-JP" altLang="en-US" sz="1400" b="1" kern="0" dirty="0">
+                <a:latin typeface="+mn-ea"/>
+              </a:rPr>
+              <a:t>致命度：</a:t>
+            </a:r>
+            <a:r>
+              <a:rPr lang="en-US" altLang="ja-JP" sz="1400" b="1" kern="0" dirty="0">
+                <a:solidFill>
+                  <a:srgbClr val="FF0000"/>
+                </a:solidFill>
+                <a:latin typeface="+mn-ea"/>
+              </a:rPr>
+              <a:t>A</a:t>
+            </a:r>
+          </a:p>
+          <a:p>
+            <a:endParaRPr lang="en-US" altLang="ja-JP" sz="1400" b="1" dirty="0">
+              <a:solidFill>
+                <a:srgbClr val="FF0000"/>
+              </a:solidFill>
+              <a:latin typeface="+mn-ea"/>
             </a:endParaRPr>
           </a:p>
         </p:txBody>
@@ -8414,6 +9144,1290 @@
             <a:extLst>
               <a:ext uri="{FF2B5EF4-FFF2-40B4-BE49-F238E27FC236}">
                 <a16:creationId xmlns:a16="http://schemas.microsoft.com/office/drawing/2014/main" id="{3BDD44E5-C124-532E-8966-8A9284BB84F0}"/>
+              </a:ext>
+            </a:extLst>
+          </p:cNvPr>
+          <p:cNvPicPr>
+            <a:picLocks noChangeAspect="1"/>
+          </p:cNvPicPr>
+          <p:nvPr/>
+        </p:nvPicPr>
+        <p:blipFill>
+          <a:blip r:embed="rId2">
+            <a:extLst>
+              <a:ext uri="{28A0092B-C50C-407E-A947-70E740481C1C}">
+                <a14:useLocalDpi xmlns:a14="http://schemas.microsoft.com/office/drawing/2010/main" val="0"/>
+              </a:ext>
+            </a:extLst>
+          </a:blip>
+          <a:stretch>
+            <a:fillRect/>
+          </a:stretch>
+        </p:blipFill>
+        <p:spPr>
+          <a:xfrm>
+            <a:off x="291801" y="1467623"/>
+            <a:ext cx="1762099" cy="4529818"/>
+          </a:xfrm>
+          <a:prstGeom prst="rect">
+            <a:avLst/>
+          </a:prstGeom>
+        </p:spPr>
+      </p:pic>
+      <p:sp>
+        <p:nvSpPr>
+          <p:cNvPr id="23" name="正方形/長方形 22">
+            <a:extLst>
+              <a:ext uri="{FF2B5EF4-FFF2-40B4-BE49-F238E27FC236}">
+                <a16:creationId xmlns:a16="http://schemas.microsoft.com/office/drawing/2014/main" id="{7400BB4E-4077-0CE1-0A1F-8AFFC2932847}"/>
+              </a:ext>
+            </a:extLst>
+          </p:cNvPr>
+          <p:cNvSpPr/>
+          <p:nvPr/>
+        </p:nvSpPr>
+        <p:spPr bwMode="auto">
+          <a:xfrm>
+            <a:off x="273494" y="4096746"/>
+            <a:ext cx="1797748" cy="418967"/>
+          </a:xfrm>
+          <a:prstGeom prst="rect">
+            <a:avLst/>
+          </a:prstGeom>
+          <a:noFill/>
+          <a:ln w="38100" cap="flat" cmpd="sng" algn="ctr">
+            <a:solidFill>
+              <a:srgbClr val="FF0000"/>
+            </a:solidFill>
+            <a:prstDash val="sysDash"/>
+            <a:round/>
+            <a:headEnd type="none" w="med" len="med"/>
+            <a:tailEnd type="none" w="med" len="med"/>
+          </a:ln>
+          <a:effectLst/>
+        </p:spPr>
+        <p:txBody>
+          <a:bodyPr vert="horz" wrap="square" lIns="91440" tIns="45720" rIns="91440" bIns="45720" numCol="1" rtlCol="0" anchor="t" anchorCtr="0" compatLnSpc="1">
+            <a:prstTxWarp prst="textNoShape">
+              <a:avLst/>
+            </a:prstTxWarp>
+          </a:bodyPr>
+          <a:lstStyle/>
+          <a:p>
+            <a:pPr marL="0" marR="0" indent="0" algn="l" defTabSz="957263" rtl="0" eaLnBrk="1" fontAlgn="base" latinLnBrk="0" hangingPunct="1">
+              <a:lnSpc>
+                <a:spcPct val="100000"/>
+              </a:lnSpc>
+              <a:spcBef>
+                <a:spcPct val="0"/>
+              </a:spcBef>
+              <a:spcAft>
+                <a:spcPct val="0"/>
+              </a:spcAft>
+              <a:buClrTx/>
+              <a:buSzTx/>
+              <a:buFontTx/>
+              <a:buNone/>
+              <a:tabLst/>
+            </a:pPr>
+            <a:endParaRPr kumimoji="1" lang="ja-JP" altLang="en-US" sz="1900" b="0" i="0" u="none" strike="noStrike" cap="none" normalizeH="0" baseline="0">
+              <a:ln>
+                <a:noFill/>
+              </a:ln>
+              <a:solidFill>
+                <a:schemeClr val="tx1"/>
+              </a:solidFill>
+              <a:effectLst/>
+              <a:latin typeface="Arial" charset="0"/>
+              <a:ea typeface="ＭＳ Ｐゴシック" charset="-128"/>
+            </a:endParaRPr>
+          </a:p>
+        </p:txBody>
+      </p:sp>
+      <p:sp>
+        <p:nvSpPr>
+          <p:cNvPr id="27" name="正方形/長方形 26">
+            <a:extLst>
+              <a:ext uri="{FF2B5EF4-FFF2-40B4-BE49-F238E27FC236}">
+                <a16:creationId xmlns:a16="http://schemas.microsoft.com/office/drawing/2014/main" id="{0529B9F3-1A4E-B3B8-CE97-83E228B4859C}"/>
+              </a:ext>
+            </a:extLst>
+          </p:cNvPr>
+          <p:cNvSpPr/>
+          <p:nvPr/>
+        </p:nvSpPr>
+        <p:spPr bwMode="auto">
+          <a:xfrm>
+            <a:off x="271481" y="5400537"/>
+            <a:ext cx="251926" cy="251926"/>
+          </a:xfrm>
+          <a:prstGeom prst="rect">
+            <a:avLst/>
+          </a:prstGeom>
+          <a:noFill/>
+          <a:ln w="38100" cap="flat" cmpd="sng" algn="ctr">
+            <a:solidFill>
+              <a:srgbClr val="FF0000"/>
+            </a:solidFill>
+            <a:prstDash val="sysDot"/>
+            <a:round/>
+            <a:headEnd type="none" w="med" len="med"/>
+            <a:tailEnd type="none" w="med" len="med"/>
+          </a:ln>
+          <a:effectLst/>
+        </p:spPr>
+        <p:txBody>
+          <a:bodyPr vert="horz" wrap="square" lIns="91440" tIns="45720" rIns="91440" bIns="45720" numCol="1" rtlCol="0" anchor="t" anchorCtr="0" compatLnSpc="1">
+            <a:prstTxWarp prst="textNoShape">
+              <a:avLst/>
+            </a:prstTxWarp>
+          </a:bodyPr>
+          <a:lstStyle/>
+          <a:p>
+            <a:pPr marL="0" marR="0" indent="0" algn="l" defTabSz="957263" rtl="0" eaLnBrk="1" fontAlgn="base" latinLnBrk="0" hangingPunct="1">
+              <a:lnSpc>
+                <a:spcPct val="100000"/>
+              </a:lnSpc>
+              <a:spcBef>
+                <a:spcPct val="0"/>
+              </a:spcBef>
+              <a:spcAft>
+                <a:spcPct val="0"/>
+              </a:spcAft>
+              <a:buClrTx/>
+              <a:buSzTx/>
+              <a:buFontTx/>
+              <a:buNone/>
+              <a:tabLst/>
+            </a:pPr>
+            <a:endParaRPr kumimoji="1" lang="ja-JP" altLang="en-US" sz="1900" b="0" i="0" u="none" strike="noStrike" cap="none" normalizeH="0" baseline="0">
+              <a:ln>
+                <a:noFill/>
+              </a:ln>
+              <a:solidFill>
+                <a:schemeClr val="tx1"/>
+              </a:solidFill>
+              <a:effectLst/>
+              <a:latin typeface="Arial" charset="0"/>
+              <a:ea typeface="ＭＳ Ｐゴシック" charset="-128"/>
+            </a:endParaRPr>
+          </a:p>
+        </p:txBody>
+      </p:sp>
+      <p:sp>
+        <p:nvSpPr>
+          <p:cNvPr id="30" name="テキスト ボックス 29">
+            <a:extLst>
+              <a:ext uri="{FF2B5EF4-FFF2-40B4-BE49-F238E27FC236}">
+                <a16:creationId xmlns:a16="http://schemas.microsoft.com/office/drawing/2014/main" id="{C488369A-3439-C540-8C8E-1AC4370F4FA3}"/>
+              </a:ext>
+            </a:extLst>
+          </p:cNvPr>
+          <p:cNvSpPr txBox="1"/>
+          <p:nvPr/>
+        </p:nvSpPr>
+        <p:spPr>
+          <a:xfrm>
+            <a:off x="4409435" y="3105902"/>
+            <a:ext cx="5087834" cy="1200329"/>
+          </a:xfrm>
+          <a:prstGeom prst="rect">
+            <a:avLst/>
+          </a:prstGeom>
+          <a:noFill/>
+        </p:spPr>
+        <p:txBody>
+          <a:bodyPr wrap="square">
+            <a:spAutoFit/>
+          </a:bodyPr>
+          <a:lstStyle/>
+          <a:p>
+            <a:r>
+              <a:rPr lang="ja-JP" altLang="en-US" sz="1200" dirty="0">
+                <a:latin typeface="+mn-ea"/>
+                <a:ea typeface="+mn-ea"/>
+              </a:rPr>
+              <a:t>タブを使用し、情報の出し分けていることで、初期表示では</a:t>
+            </a:r>
+            <a:r>
+              <a:rPr lang="en-US" altLang="ja-JP" sz="1200" dirty="0">
+                <a:latin typeface="+mn-ea"/>
+                <a:ea typeface="+mn-ea"/>
+              </a:rPr>
+              <a:t>AWAY</a:t>
+            </a:r>
+            <a:r>
+              <a:rPr lang="ja-JP" altLang="en-US" sz="1200" dirty="0">
+                <a:latin typeface="+mn-ea"/>
+                <a:ea typeface="+mn-ea"/>
+              </a:rPr>
+              <a:t>の試合を確認することができない。</a:t>
+            </a:r>
+            <a:br>
+              <a:rPr lang="en-US" altLang="ja-JP" sz="1200" dirty="0">
+                <a:latin typeface="+mn-ea"/>
+                <a:ea typeface="+mn-ea"/>
+              </a:rPr>
+            </a:br>
+            <a:r>
+              <a:rPr lang="ja-JP" altLang="en-US" sz="1200" dirty="0">
+                <a:latin typeface="+mn-ea"/>
+                <a:ea typeface="+mn-ea"/>
+              </a:rPr>
+              <a:t>さらに、</a:t>
+            </a:r>
+            <a:r>
+              <a:rPr kumimoji="1" lang="en-US" altLang="ja-JP" sz="1200" dirty="0">
+                <a:latin typeface="+mn-ea"/>
+                <a:ea typeface="+mn-ea"/>
+              </a:rPr>
+              <a:t>AWAY</a:t>
+            </a:r>
+            <a:r>
+              <a:rPr kumimoji="1" lang="ja-JP" altLang="en-US" sz="1200" dirty="0">
+                <a:latin typeface="+mn-ea"/>
+                <a:ea typeface="+mn-ea"/>
+              </a:rPr>
+              <a:t>タブの視認性が低いため、</a:t>
+            </a:r>
+            <a:r>
+              <a:rPr kumimoji="1" lang="en-US" altLang="ja-JP" sz="1200" dirty="0">
+                <a:latin typeface="+mn-ea"/>
+                <a:ea typeface="+mn-ea"/>
+              </a:rPr>
+              <a:t>AWAY</a:t>
+            </a:r>
+            <a:r>
+              <a:rPr kumimoji="1" lang="ja-JP" altLang="en-US" sz="1200" dirty="0">
+                <a:latin typeface="+mn-ea"/>
+                <a:ea typeface="+mn-ea"/>
+              </a:rPr>
+              <a:t>試合一覧を表示するまでに、時間</a:t>
+            </a:r>
+            <a:r>
+              <a:rPr lang="ja-JP" altLang="en-US" sz="1200" dirty="0">
+                <a:latin typeface="+mn-ea"/>
+                <a:ea typeface="+mn-ea"/>
+              </a:rPr>
+              <a:t>を要する</a:t>
+            </a:r>
+            <a:r>
+              <a:rPr kumimoji="1" lang="ja-JP" altLang="en-US" sz="1200" dirty="0">
+                <a:latin typeface="+mn-ea"/>
+                <a:ea typeface="+mn-ea"/>
+              </a:rPr>
+              <a:t>。</a:t>
+            </a:r>
+            <a:br>
+              <a:rPr lang="en-US" altLang="ja-JP" sz="1200" dirty="0">
+                <a:latin typeface="+mn-ea"/>
+                <a:ea typeface="+mn-ea"/>
+              </a:rPr>
+            </a:br>
+            <a:r>
+              <a:rPr kumimoji="1" lang="ja-JP" altLang="en-US" sz="1200" dirty="0">
+                <a:latin typeface="+mn-ea"/>
+                <a:ea typeface="+mn-ea"/>
+              </a:rPr>
+              <a:t>仮に、</a:t>
+            </a:r>
+            <a:r>
+              <a:rPr lang="ja-JP" altLang="en-US" sz="1200" dirty="0">
+                <a:latin typeface="+mn-ea"/>
+                <a:ea typeface="+mn-ea"/>
+              </a:rPr>
+              <a:t>ユーザーが試合の詳細を知らない場合、たどり着くまでにストレスをかけてしまう。</a:t>
+            </a:r>
+            <a:endParaRPr kumimoji="1" lang="en-US" altLang="ja-JP" sz="1200" dirty="0">
+              <a:latin typeface="+mn-ea"/>
+              <a:ea typeface="+mn-ea"/>
+            </a:endParaRPr>
+          </a:p>
+        </p:txBody>
+      </p:sp>
+      <p:sp>
+        <p:nvSpPr>
+          <p:cNvPr id="35" name="テキスト プレースホルダー 2">
+            <a:extLst>
+              <a:ext uri="{FF2B5EF4-FFF2-40B4-BE49-F238E27FC236}">
+                <a16:creationId xmlns:a16="http://schemas.microsoft.com/office/drawing/2014/main" id="{69DAB3FE-C9E2-2881-4D94-18E6723CDC1A}"/>
+              </a:ext>
+            </a:extLst>
+          </p:cNvPr>
+          <p:cNvSpPr txBox="1">
+            <a:spLocks/>
+          </p:cNvSpPr>
+          <p:nvPr/>
+        </p:nvSpPr>
+        <p:spPr>
+          <a:xfrm>
+            <a:off x="4459270" y="2608376"/>
+            <a:ext cx="5087834" cy="315748"/>
+          </a:xfrm>
+          <a:prstGeom prst="rect">
+            <a:avLst/>
+          </a:prstGeom>
+        </p:spPr>
+        <p:txBody>
+          <a:bodyPr lIns="0" rIns="0"/>
+          <a:lstStyle>
+            <a:lvl1pPr marL="90487" indent="0" algn="l" defTabSz="957263" rtl="0" eaLnBrk="0" fontAlgn="base" hangingPunct="0">
+              <a:spcBef>
+                <a:spcPct val="20000"/>
+              </a:spcBef>
+              <a:spcAft>
+                <a:spcPct val="0"/>
+              </a:spcAft>
+              <a:buNone/>
+              <a:defRPr kumimoji="1" sz="1600" b="0">
+                <a:solidFill>
+                  <a:schemeClr val="tx1"/>
+                </a:solidFill>
+                <a:latin typeface="+mn-lt"/>
+                <a:ea typeface="+mn-ea"/>
+                <a:cs typeface="+mn-cs"/>
+              </a:defRPr>
+            </a:lvl1pPr>
+            <a:lvl2pPr marL="466725" indent="-93663" algn="l" defTabSz="957263" rtl="0" eaLnBrk="0" fontAlgn="base" hangingPunct="0">
+              <a:spcBef>
+                <a:spcPct val="20000"/>
+              </a:spcBef>
+              <a:spcAft>
+                <a:spcPct val="0"/>
+              </a:spcAft>
+              <a:buFont typeface="Wingdings" pitchFamily="2" charset="2"/>
+              <a:buChar char="–"/>
+              <a:defRPr kumimoji="1" sz="2000">
+                <a:solidFill>
+                  <a:schemeClr val="tx1"/>
+                </a:solidFill>
+                <a:latin typeface="+mn-lt"/>
+                <a:ea typeface="+mn-ea"/>
+              </a:defRPr>
+            </a:lvl2pPr>
+            <a:lvl3pPr marL="938213" indent="-282575" algn="l" defTabSz="957263" rtl="0" eaLnBrk="0" fontAlgn="base" hangingPunct="0">
+              <a:spcBef>
+                <a:spcPct val="20000"/>
+              </a:spcBef>
+              <a:spcAft>
+                <a:spcPct val="0"/>
+              </a:spcAft>
+              <a:buFont typeface="Wingdings" pitchFamily="2" charset="2"/>
+              <a:buChar char="l"/>
+              <a:defRPr kumimoji="1" sz="2000">
+                <a:solidFill>
+                  <a:schemeClr val="tx1"/>
+                </a:solidFill>
+                <a:latin typeface="+mn-lt"/>
+                <a:ea typeface="+mn-ea"/>
+              </a:defRPr>
+            </a:lvl3pPr>
+            <a:lvl4pPr marL="1222375" indent="-96838" algn="l" defTabSz="957263" rtl="0" eaLnBrk="0" fontAlgn="base" hangingPunct="0">
+              <a:spcBef>
+                <a:spcPct val="20000"/>
+              </a:spcBef>
+              <a:spcAft>
+                <a:spcPct val="0"/>
+              </a:spcAft>
+              <a:buChar char="–"/>
+              <a:defRPr kumimoji="1" sz="2000">
+                <a:solidFill>
+                  <a:schemeClr val="tx1"/>
+                </a:solidFill>
+                <a:latin typeface="+mn-lt"/>
+                <a:ea typeface="+mn-ea"/>
+              </a:defRPr>
+            </a:lvl4pPr>
+            <a:lvl5pPr marL="1504950" indent="-95250" algn="l" defTabSz="957263" rtl="0" eaLnBrk="0" fontAlgn="base" hangingPunct="0">
+              <a:spcBef>
+                <a:spcPct val="20000"/>
+              </a:spcBef>
+              <a:spcAft>
+                <a:spcPct val="0"/>
+              </a:spcAft>
+              <a:buChar char="»"/>
+              <a:defRPr kumimoji="1" sz="2000">
+                <a:solidFill>
+                  <a:schemeClr val="tx1"/>
+                </a:solidFill>
+                <a:latin typeface="+mn-lt"/>
+                <a:ea typeface="+mn-ea"/>
+              </a:defRPr>
+            </a:lvl5pPr>
+            <a:lvl6pPr marL="1962150" indent="-95250" algn="l" defTabSz="957263" rtl="0" eaLnBrk="1" fontAlgn="base" hangingPunct="1">
+              <a:spcBef>
+                <a:spcPct val="20000"/>
+              </a:spcBef>
+              <a:spcAft>
+                <a:spcPct val="0"/>
+              </a:spcAft>
+              <a:defRPr kumimoji="1" sz="2000">
+                <a:solidFill>
+                  <a:schemeClr val="tx1"/>
+                </a:solidFill>
+                <a:latin typeface="+mn-lt"/>
+                <a:ea typeface="+mn-ea"/>
+              </a:defRPr>
+            </a:lvl6pPr>
+            <a:lvl7pPr marL="2419350" indent="-95250" algn="l" defTabSz="957263" rtl="0" eaLnBrk="1" fontAlgn="base" hangingPunct="1">
+              <a:spcBef>
+                <a:spcPct val="20000"/>
+              </a:spcBef>
+              <a:spcAft>
+                <a:spcPct val="0"/>
+              </a:spcAft>
+              <a:defRPr kumimoji="1" sz="2000">
+                <a:solidFill>
+                  <a:schemeClr val="tx1"/>
+                </a:solidFill>
+                <a:latin typeface="+mn-lt"/>
+                <a:ea typeface="+mn-ea"/>
+              </a:defRPr>
+            </a:lvl7pPr>
+            <a:lvl8pPr marL="2876550" indent="-95250" algn="l" defTabSz="957263" rtl="0" eaLnBrk="1" fontAlgn="base" hangingPunct="1">
+              <a:spcBef>
+                <a:spcPct val="20000"/>
+              </a:spcBef>
+              <a:spcAft>
+                <a:spcPct val="0"/>
+              </a:spcAft>
+              <a:defRPr kumimoji="1" sz="2000">
+                <a:solidFill>
+                  <a:schemeClr val="tx1"/>
+                </a:solidFill>
+                <a:latin typeface="+mn-lt"/>
+                <a:ea typeface="+mn-ea"/>
+              </a:defRPr>
+            </a:lvl8pPr>
+            <a:lvl9pPr marL="3333750" indent="-95250" algn="l" defTabSz="957263" rtl="0" eaLnBrk="1" fontAlgn="base" hangingPunct="1">
+              <a:spcBef>
+                <a:spcPct val="20000"/>
+              </a:spcBef>
+              <a:spcAft>
+                <a:spcPct val="0"/>
+              </a:spcAft>
+              <a:defRPr kumimoji="1" sz="2000">
+                <a:solidFill>
+                  <a:schemeClr val="tx1"/>
+                </a:solidFill>
+                <a:latin typeface="+mn-lt"/>
+                <a:ea typeface="+mn-ea"/>
+              </a:defRPr>
+            </a:lvl9pPr>
+          </a:lstStyle>
+          <a:p>
+            <a:r>
+              <a:rPr lang="ja-JP" altLang="en-US" b="1" kern="0" dirty="0">
+                <a:solidFill>
+                  <a:srgbClr val="2669AC"/>
+                </a:solidFill>
+                <a:latin typeface="+mj-ea"/>
+                <a:ea typeface="+mj-ea"/>
+              </a:rPr>
+              <a:t>① 視認性、初期非表示 </a:t>
+            </a:r>
+          </a:p>
+        </p:txBody>
+      </p:sp>
+      <p:sp>
+        <p:nvSpPr>
+          <p:cNvPr id="42" name="テキスト ボックス 41">
+            <a:extLst>
+              <a:ext uri="{FF2B5EF4-FFF2-40B4-BE49-F238E27FC236}">
+                <a16:creationId xmlns:a16="http://schemas.microsoft.com/office/drawing/2014/main" id="{E810321A-F3E1-8B27-EC1C-816449FE07BA}"/>
+              </a:ext>
+            </a:extLst>
+          </p:cNvPr>
+          <p:cNvSpPr txBox="1"/>
+          <p:nvPr/>
+        </p:nvSpPr>
+        <p:spPr>
+          <a:xfrm>
+            <a:off x="4409440" y="4954196"/>
+            <a:ext cx="5087833" cy="646331"/>
+          </a:xfrm>
+          <a:prstGeom prst="rect">
+            <a:avLst/>
+          </a:prstGeom>
+          <a:noFill/>
+        </p:spPr>
+        <p:txBody>
+          <a:bodyPr wrap="square">
+            <a:spAutoFit/>
+          </a:bodyPr>
+          <a:lstStyle/>
+          <a:p>
+            <a:r>
+              <a:rPr kumimoji="1" lang="ja-JP" altLang="en-US" sz="1200" dirty="0">
+                <a:latin typeface="+mn-ea"/>
+                <a:ea typeface="+mn-ea"/>
+              </a:rPr>
+              <a:t>駐車場チケットと試合チケットが同じレベルで並んでいるため、わかりづらい。</a:t>
+            </a:r>
+            <a:endParaRPr kumimoji="1" lang="en-US" altLang="ja-JP" sz="1200" dirty="0">
+              <a:latin typeface="+mn-ea"/>
+              <a:ea typeface="+mn-ea"/>
+            </a:endParaRPr>
+          </a:p>
+          <a:p>
+            <a:r>
+              <a:rPr lang="ja-JP" altLang="en-US" sz="1200" dirty="0">
+                <a:latin typeface="+mn-ea"/>
+                <a:ea typeface="+mn-ea"/>
+              </a:rPr>
+              <a:t>チケットの購入を目的としているユーザーを困惑させてしまう。</a:t>
+            </a:r>
+            <a:endParaRPr kumimoji="1" lang="en-US" altLang="ja-JP" sz="1200" dirty="0">
+              <a:latin typeface="+mn-ea"/>
+              <a:ea typeface="+mn-ea"/>
+            </a:endParaRPr>
+          </a:p>
+        </p:txBody>
+      </p:sp>
+      <p:sp>
+        <p:nvSpPr>
+          <p:cNvPr id="44" name="テキスト プレースホルダー 2">
+            <a:extLst>
+              <a:ext uri="{FF2B5EF4-FFF2-40B4-BE49-F238E27FC236}">
+                <a16:creationId xmlns:a16="http://schemas.microsoft.com/office/drawing/2014/main" id="{DA35CB9D-9F0F-F8E4-A471-25A355A68593}"/>
+              </a:ext>
+            </a:extLst>
+          </p:cNvPr>
+          <p:cNvSpPr txBox="1">
+            <a:spLocks/>
+          </p:cNvSpPr>
+          <p:nvPr/>
+        </p:nvSpPr>
+        <p:spPr>
+          <a:xfrm>
+            <a:off x="4409439" y="4416970"/>
+            <a:ext cx="5087834" cy="315748"/>
+          </a:xfrm>
+          <a:prstGeom prst="rect">
+            <a:avLst/>
+          </a:prstGeom>
+        </p:spPr>
+        <p:txBody>
+          <a:bodyPr lIns="0" rIns="0"/>
+          <a:lstStyle>
+            <a:lvl1pPr marL="90487" indent="0" algn="l" defTabSz="957263" rtl="0" eaLnBrk="0" fontAlgn="base" hangingPunct="0">
+              <a:spcBef>
+                <a:spcPct val="20000"/>
+              </a:spcBef>
+              <a:spcAft>
+                <a:spcPct val="0"/>
+              </a:spcAft>
+              <a:buNone/>
+              <a:defRPr kumimoji="1" sz="1600" b="0">
+                <a:solidFill>
+                  <a:schemeClr val="tx1"/>
+                </a:solidFill>
+                <a:latin typeface="+mn-lt"/>
+                <a:ea typeface="+mn-ea"/>
+                <a:cs typeface="+mn-cs"/>
+              </a:defRPr>
+            </a:lvl1pPr>
+            <a:lvl2pPr marL="466725" indent="-93663" algn="l" defTabSz="957263" rtl="0" eaLnBrk="0" fontAlgn="base" hangingPunct="0">
+              <a:spcBef>
+                <a:spcPct val="20000"/>
+              </a:spcBef>
+              <a:spcAft>
+                <a:spcPct val="0"/>
+              </a:spcAft>
+              <a:buFont typeface="Wingdings" pitchFamily="2" charset="2"/>
+              <a:buChar char="–"/>
+              <a:defRPr kumimoji="1" sz="2000">
+                <a:solidFill>
+                  <a:schemeClr val="tx1"/>
+                </a:solidFill>
+                <a:latin typeface="+mn-lt"/>
+                <a:ea typeface="+mn-ea"/>
+              </a:defRPr>
+            </a:lvl2pPr>
+            <a:lvl3pPr marL="938213" indent="-282575" algn="l" defTabSz="957263" rtl="0" eaLnBrk="0" fontAlgn="base" hangingPunct="0">
+              <a:spcBef>
+                <a:spcPct val="20000"/>
+              </a:spcBef>
+              <a:spcAft>
+                <a:spcPct val="0"/>
+              </a:spcAft>
+              <a:buFont typeface="Wingdings" pitchFamily="2" charset="2"/>
+              <a:buChar char="l"/>
+              <a:defRPr kumimoji="1" sz="2000">
+                <a:solidFill>
+                  <a:schemeClr val="tx1"/>
+                </a:solidFill>
+                <a:latin typeface="+mn-lt"/>
+                <a:ea typeface="+mn-ea"/>
+              </a:defRPr>
+            </a:lvl3pPr>
+            <a:lvl4pPr marL="1222375" indent="-96838" algn="l" defTabSz="957263" rtl="0" eaLnBrk="0" fontAlgn="base" hangingPunct="0">
+              <a:spcBef>
+                <a:spcPct val="20000"/>
+              </a:spcBef>
+              <a:spcAft>
+                <a:spcPct val="0"/>
+              </a:spcAft>
+              <a:buChar char="–"/>
+              <a:defRPr kumimoji="1" sz="2000">
+                <a:solidFill>
+                  <a:schemeClr val="tx1"/>
+                </a:solidFill>
+                <a:latin typeface="+mn-lt"/>
+                <a:ea typeface="+mn-ea"/>
+              </a:defRPr>
+            </a:lvl4pPr>
+            <a:lvl5pPr marL="1504950" indent="-95250" algn="l" defTabSz="957263" rtl="0" eaLnBrk="0" fontAlgn="base" hangingPunct="0">
+              <a:spcBef>
+                <a:spcPct val="20000"/>
+              </a:spcBef>
+              <a:spcAft>
+                <a:spcPct val="0"/>
+              </a:spcAft>
+              <a:buChar char="»"/>
+              <a:defRPr kumimoji="1" sz="2000">
+                <a:solidFill>
+                  <a:schemeClr val="tx1"/>
+                </a:solidFill>
+                <a:latin typeface="+mn-lt"/>
+                <a:ea typeface="+mn-ea"/>
+              </a:defRPr>
+            </a:lvl5pPr>
+            <a:lvl6pPr marL="1962150" indent="-95250" algn="l" defTabSz="957263" rtl="0" eaLnBrk="1" fontAlgn="base" hangingPunct="1">
+              <a:spcBef>
+                <a:spcPct val="20000"/>
+              </a:spcBef>
+              <a:spcAft>
+                <a:spcPct val="0"/>
+              </a:spcAft>
+              <a:defRPr kumimoji="1" sz="2000">
+                <a:solidFill>
+                  <a:schemeClr val="tx1"/>
+                </a:solidFill>
+                <a:latin typeface="+mn-lt"/>
+                <a:ea typeface="+mn-ea"/>
+              </a:defRPr>
+            </a:lvl6pPr>
+            <a:lvl7pPr marL="2419350" indent="-95250" algn="l" defTabSz="957263" rtl="0" eaLnBrk="1" fontAlgn="base" hangingPunct="1">
+              <a:spcBef>
+                <a:spcPct val="20000"/>
+              </a:spcBef>
+              <a:spcAft>
+                <a:spcPct val="0"/>
+              </a:spcAft>
+              <a:defRPr kumimoji="1" sz="2000">
+                <a:solidFill>
+                  <a:schemeClr val="tx1"/>
+                </a:solidFill>
+                <a:latin typeface="+mn-lt"/>
+                <a:ea typeface="+mn-ea"/>
+              </a:defRPr>
+            </a:lvl7pPr>
+            <a:lvl8pPr marL="2876550" indent="-95250" algn="l" defTabSz="957263" rtl="0" eaLnBrk="1" fontAlgn="base" hangingPunct="1">
+              <a:spcBef>
+                <a:spcPct val="20000"/>
+              </a:spcBef>
+              <a:spcAft>
+                <a:spcPct val="0"/>
+              </a:spcAft>
+              <a:defRPr kumimoji="1" sz="2000">
+                <a:solidFill>
+                  <a:schemeClr val="tx1"/>
+                </a:solidFill>
+                <a:latin typeface="+mn-lt"/>
+                <a:ea typeface="+mn-ea"/>
+              </a:defRPr>
+            </a:lvl8pPr>
+            <a:lvl9pPr marL="3333750" indent="-95250" algn="l" defTabSz="957263" rtl="0" eaLnBrk="1" fontAlgn="base" hangingPunct="1">
+              <a:spcBef>
+                <a:spcPct val="20000"/>
+              </a:spcBef>
+              <a:spcAft>
+                <a:spcPct val="0"/>
+              </a:spcAft>
+              <a:defRPr kumimoji="1" sz="2000">
+                <a:solidFill>
+                  <a:schemeClr val="tx1"/>
+                </a:solidFill>
+                <a:latin typeface="+mn-lt"/>
+                <a:ea typeface="+mn-ea"/>
+              </a:defRPr>
+            </a:lvl9pPr>
+          </a:lstStyle>
+          <a:p>
+            <a:r>
+              <a:rPr lang="ja-JP" altLang="en-US" b="1" kern="0" dirty="0">
+                <a:solidFill>
+                  <a:srgbClr val="2669AC"/>
+                </a:solidFill>
+                <a:latin typeface="+mj-ea"/>
+                <a:ea typeface="+mj-ea"/>
+              </a:rPr>
+              <a:t>② 識別性、情報の曖昧さ  </a:t>
+            </a:r>
+          </a:p>
+        </p:txBody>
+      </p:sp>
+      <p:sp>
+        <p:nvSpPr>
+          <p:cNvPr id="45" name="テキスト ボックス 44">
+            <a:extLst>
+              <a:ext uri="{FF2B5EF4-FFF2-40B4-BE49-F238E27FC236}">
+                <a16:creationId xmlns:a16="http://schemas.microsoft.com/office/drawing/2014/main" id="{C3B00387-F4CE-B1C1-200B-AAEB1D694BFF}"/>
+              </a:ext>
+            </a:extLst>
+          </p:cNvPr>
+          <p:cNvSpPr txBox="1"/>
+          <p:nvPr/>
+        </p:nvSpPr>
+        <p:spPr>
+          <a:xfrm>
+            <a:off x="4409440" y="5669188"/>
+            <a:ext cx="5087833" cy="646331"/>
+          </a:xfrm>
+          <a:prstGeom prst="rect">
+            <a:avLst/>
+          </a:prstGeom>
+          <a:noFill/>
+        </p:spPr>
+        <p:txBody>
+          <a:bodyPr wrap="square">
+            <a:spAutoFit/>
+          </a:bodyPr>
+          <a:lstStyle/>
+          <a:p>
+            <a:r>
+              <a:rPr kumimoji="1" lang="ja-JP" altLang="en-US" sz="1200" dirty="0">
+                <a:latin typeface="+mn-ea"/>
+                <a:ea typeface="+mn-ea"/>
+              </a:rPr>
+              <a:t>各項目、色違いの四角形を使用しチケットの種類の区分けをしているが、各色が何を意味するかが未記載のためユーザーにとって不明瞭な情報となっている</a:t>
+            </a:r>
+            <a:endParaRPr kumimoji="1" lang="en-US" altLang="ja-JP" sz="1200" dirty="0">
+              <a:latin typeface="+mn-ea"/>
+              <a:ea typeface="+mn-ea"/>
+            </a:endParaRPr>
+          </a:p>
+        </p:txBody>
+      </p:sp>
+      <p:sp>
+        <p:nvSpPr>
+          <p:cNvPr id="49" name="楕円 48">
+            <a:extLst>
+              <a:ext uri="{FF2B5EF4-FFF2-40B4-BE49-F238E27FC236}">
+                <a16:creationId xmlns:a16="http://schemas.microsoft.com/office/drawing/2014/main" id="{D31BA2A0-8245-9049-D29F-6323551D960A}"/>
+              </a:ext>
+            </a:extLst>
+          </p:cNvPr>
+          <p:cNvSpPr/>
+          <p:nvPr/>
+        </p:nvSpPr>
+        <p:spPr bwMode="auto">
+          <a:xfrm>
+            <a:off x="81566" y="3875729"/>
+            <a:ext cx="312654" cy="312654"/>
+          </a:xfrm>
+          <a:prstGeom prst="ellipse">
+            <a:avLst/>
+          </a:prstGeom>
+          <a:solidFill>
+            <a:schemeClr val="bg1"/>
+          </a:solidFill>
+          <a:ln w="38100" cap="flat" cmpd="sng" algn="ctr">
+            <a:solidFill>
+              <a:srgbClr val="FF0000"/>
+            </a:solidFill>
+            <a:prstDash val="solid"/>
+            <a:round/>
+            <a:headEnd type="none" w="med" len="med"/>
+            <a:tailEnd type="none" w="med" len="med"/>
+          </a:ln>
+          <a:effectLst/>
+        </p:spPr>
+        <p:txBody>
+          <a:bodyPr vert="horz" wrap="square" lIns="91440" tIns="45720" rIns="91440" bIns="45720" numCol="1" rtlCol="0" anchor="t" anchorCtr="0" compatLnSpc="1">
+            <a:prstTxWarp prst="textNoShape">
+              <a:avLst/>
+            </a:prstTxWarp>
+          </a:bodyPr>
+          <a:lstStyle/>
+          <a:p>
+            <a:pPr marL="0" marR="0" indent="0" algn="l" defTabSz="957263" rtl="0" eaLnBrk="1" fontAlgn="base" latinLnBrk="0" hangingPunct="1">
+              <a:lnSpc>
+                <a:spcPct val="100000"/>
+              </a:lnSpc>
+              <a:spcBef>
+                <a:spcPct val="0"/>
+              </a:spcBef>
+              <a:spcAft>
+                <a:spcPct val="0"/>
+              </a:spcAft>
+              <a:buClrTx/>
+              <a:buSzTx/>
+              <a:buFontTx/>
+              <a:buNone/>
+              <a:tabLst/>
+            </a:pPr>
+            <a:endParaRPr kumimoji="1" lang="ja-JP" altLang="en-US" sz="1900" b="1" i="0" u="none" strike="noStrike" cap="none" normalizeH="0" baseline="0" dirty="0">
+              <a:ln>
+                <a:noFill/>
+              </a:ln>
+              <a:solidFill>
+                <a:schemeClr val="tx1"/>
+              </a:solidFill>
+              <a:effectLst/>
+              <a:latin typeface="+mn-ea"/>
+              <a:ea typeface="+mn-ea"/>
+            </a:endParaRPr>
+          </a:p>
+        </p:txBody>
+      </p:sp>
+      <p:sp>
+        <p:nvSpPr>
+          <p:cNvPr id="50" name="テキスト ボックス 49">
+            <a:extLst>
+              <a:ext uri="{FF2B5EF4-FFF2-40B4-BE49-F238E27FC236}">
+                <a16:creationId xmlns:a16="http://schemas.microsoft.com/office/drawing/2014/main" id="{459DF1ED-4E54-8E4A-E037-6444405DDCF7}"/>
+              </a:ext>
+            </a:extLst>
+          </p:cNvPr>
+          <p:cNvSpPr txBox="1"/>
+          <p:nvPr/>
+        </p:nvSpPr>
+        <p:spPr>
+          <a:xfrm>
+            <a:off x="81280" y="3900542"/>
+            <a:ext cx="264621" cy="307777"/>
+          </a:xfrm>
+          <a:prstGeom prst="rect">
+            <a:avLst/>
+          </a:prstGeom>
+          <a:noFill/>
+        </p:spPr>
+        <p:txBody>
+          <a:bodyPr wrap="square" rtlCol="0">
+            <a:spAutoFit/>
+          </a:bodyPr>
+          <a:lstStyle/>
+          <a:p>
+            <a:pPr fontAlgn="auto">
+              <a:spcBef>
+                <a:spcPts val="0"/>
+              </a:spcBef>
+              <a:spcAft>
+                <a:spcPts val="0"/>
+              </a:spcAft>
+            </a:pPr>
+            <a:r>
+              <a:rPr kumimoji="1" lang="en-US" altLang="ja-JP" sz="1400" b="1" dirty="0">
+                <a:latin typeface="+mn-ea"/>
+                <a:ea typeface="+mn-ea"/>
+              </a:rPr>
+              <a:t>1</a:t>
+            </a:r>
+            <a:endParaRPr kumimoji="1" lang="ja-JP" altLang="en-US" sz="1400" b="1" dirty="0">
+              <a:latin typeface="+mn-ea"/>
+              <a:ea typeface="+mn-ea"/>
+            </a:endParaRPr>
+          </a:p>
+        </p:txBody>
+      </p:sp>
+      <p:cxnSp>
+        <p:nvCxnSpPr>
+          <p:cNvPr id="16" name="直線コネクタ 15">
+            <a:extLst>
+              <a:ext uri="{FF2B5EF4-FFF2-40B4-BE49-F238E27FC236}">
+                <a16:creationId xmlns:a16="http://schemas.microsoft.com/office/drawing/2014/main" id="{273F25CE-51E2-094F-97ED-40567EA2EE10}"/>
+              </a:ext>
+            </a:extLst>
+          </p:cNvPr>
+          <p:cNvCxnSpPr>
+            <a:cxnSpLocks/>
+          </p:cNvCxnSpPr>
+          <p:nvPr/>
+        </p:nvCxnSpPr>
+        <p:spPr bwMode="auto">
+          <a:xfrm flipV="1">
+            <a:off x="4459271" y="1666564"/>
+            <a:ext cx="3906680" cy="1"/>
+          </a:xfrm>
+          <a:prstGeom prst="line">
+            <a:avLst/>
+          </a:prstGeom>
+          <a:solidFill>
+            <a:srgbClr val="66CCFF"/>
+          </a:solidFill>
+          <a:ln w="9525" cap="flat" cmpd="sng" algn="ctr">
+            <a:solidFill>
+              <a:srgbClr val="969696"/>
+            </a:solidFill>
+            <a:prstDash val="solid"/>
+            <a:round/>
+            <a:headEnd type="none" w="med" len="med"/>
+            <a:tailEnd type="none" w="med" len="med"/>
+          </a:ln>
+          <a:effectLst/>
+        </p:spPr>
+      </p:cxnSp>
+      <p:sp>
+        <p:nvSpPr>
+          <p:cNvPr id="20" name="テキスト ボックス 19">
+            <a:extLst>
+              <a:ext uri="{FF2B5EF4-FFF2-40B4-BE49-F238E27FC236}">
+                <a16:creationId xmlns:a16="http://schemas.microsoft.com/office/drawing/2014/main" id="{6A2AEAB5-A0DF-8DF5-68F9-B082A28050F0}"/>
+              </a:ext>
+            </a:extLst>
+          </p:cNvPr>
+          <p:cNvSpPr txBox="1"/>
+          <p:nvPr/>
+        </p:nvSpPr>
+        <p:spPr>
+          <a:xfrm>
+            <a:off x="4459271" y="1863890"/>
+            <a:ext cx="5087834" cy="461665"/>
+          </a:xfrm>
+          <a:prstGeom prst="rect">
+            <a:avLst/>
+          </a:prstGeom>
+          <a:noFill/>
+        </p:spPr>
+        <p:txBody>
+          <a:bodyPr wrap="square">
+            <a:spAutoFit/>
+          </a:bodyPr>
+          <a:lstStyle/>
+          <a:p>
+            <a:r>
+              <a:rPr kumimoji="1" lang="ja-JP" altLang="en-US" sz="1200" dirty="0">
+                <a:latin typeface="+mn-ea"/>
+                <a:ea typeface="+mn-ea"/>
+              </a:rPr>
+              <a:t>以下２つの問題により、ページ上の情報の分類が不明瞭になり、ユーザーが</a:t>
+            </a:r>
+            <a:r>
+              <a:rPr kumimoji="1" lang="ja-JP" altLang="en-US" sz="1200" b="1" dirty="0">
+                <a:latin typeface="+mn-ea"/>
+                <a:ea typeface="+mn-ea"/>
+              </a:rPr>
+              <a:t>目的のチケットや情報に早くたどり着くこと</a:t>
+            </a:r>
+            <a:r>
+              <a:rPr kumimoji="1" lang="ja-JP" altLang="en-US" sz="1200" dirty="0">
+                <a:latin typeface="+mn-ea"/>
+                <a:ea typeface="+mn-ea"/>
+              </a:rPr>
+              <a:t>が難しい。</a:t>
+            </a:r>
+            <a:endParaRPr kumimoji="1" lang="en-US" altLang="ja-JP" sz="1200" dirty="0">
+              <a:latin typeface="+mn-ea"/>
+              <a:ea typeface="+mn-ea"/>
+            </a:endParaRPr>
+          </a:p>
+        </p:txBody>
+      </p:sp>
+      <p:sp>
+        <p:nvSpPr>
+          <p:cNvPr id="31" name="正方形/長方形 30">
+            <a:extLst>
+              <a:ext uri="{FF2B5EF4-FFF2-40B4-BE49-F238E27FC236}">
+                <a16:creationId xmlns:a16="http://schemas.microsoft.com/office/drawing/2014/main" id="{5D6B5D2F-88A9-F576-4AAF-EC9F0C69D957}"/>
+              </a:ext>
+            </a:extLst>
+          </p:cNvPr>
+          <p:cNvSpPr/>
+          <p:nvPr/>
+        </p:nvSpPr>
+        <p:spPr bwMode="auto">
+          <a:xfrm>
+            <a:off x="276472" y="4999119"/>
+            <a:ext cx="1797748" cy="998322"/>
+          </a:xfrm>
+          <a:prstGeom prst="rect">
+            <a:avLst/>
+          </a:prstGeom>
+          <a:noFill/>
+          <a:ln w="38100" cap="flat" cmpd="sng" algn="ctr">
+            <a:solidFill>
+              <a:srgbClr val="FF0000"/>
+            </a:solidFill>
+            <a:prstDash val="sysDash"/>
+            <a:round/>
+            <a:headEnd type="none" w="med" len="med"/>
+            <a:tailEnd type="none" w="med" len="med"/>
+          </a:ln>
+          <a:effectLst/>
+        </p:spPr>
+        <p:txBody>
+          <a:bodyPr vert="horz" wrap="square" lIns="91440" tIns="45720" rIns="91440" bIns="45720" numCol="1" rtlCol="0" anchor="t" anchorCtr="0" compatLnSpc="1">
+            <a:prstTxWarp prst="textNoShape">
+              <a:avLst/>
+            </a:prstTxWarp>
+          </a:bodyPr>
+          <a:lstStyle/>
+          <a:p>
+            <a:pPr marL="0" marR="0" indent="0" algn="l" defTabSz="957263" rtl="0" eaLnBrk="1" fontAlgn="base" latinLnBrk="0" hangingPunct="1">
+              <a:lnSpc>
+                <a:spcPct val="100000"/>
+              </a:lnSpc>
+              <a:spcBef>
+                <a:spcPct val="0"/>
+              </a:spcBef>
+              <a:spcAft>
+                <a:spcPct val="0"/>
+              </a:spcAft>
+              <a:buClrTx/>
+              <a:buSzTx/>
+              <a:buFontTx/>
+              <a:buNone/>
+              <a:tabLst/>
+            </a:pPr>
+            <a:endParaRPr lang="ja-JP" altLang="en-US"/>
+          </a:p>
+        </p:txBody>
+      </p:sp>
+      <p:sp>
+        <p:nvSpPr>
+          <p:cNvPr id="32" name="楕円 31">
+            <a:extLst>
+              <a:ext uri="{FF2B5EF4-FFF2-40B4-BE49-F238E27FC236}">
+                <a16:creationId xmlns:a16="http://schemas.microsoft.com/office/drawing/2014/main" id="{8D030656-10A6-40F2-6D41-803DF9EECB67}"/>
+              </a:ext>
+            </a:extLst>
+          </p:cNvPr>
+          <p:cNvSpPr/>
+          <p:nvPr/>
+        </p:nvSpPr>
+        <p:spPr bwMode="auto">
+          <a:xfrm>
+            <a:off x="84544" y="4778102"/>
+            <a:ext cx="312654" cy="312654"/>
+          </a:xfrm>
+          <a:prstGeom prst="ellipse">
+            <a:avLst/>
+          </a:prstGeom>
+          <a:solidFill>
+            <a:schemeClr val="bg1"/>
+          </a:solidFill>
+          <a:ln w="38100" cap="flat" cmpd="sng" algn="ctr">
+            <a:solidFill>
+              <a:srgbClr val="FF0000"/>
+            </a:solidFill>
+            <a:prstDash val="solid"/>
+            <a:round/>
+            <a:headEnd type="none" w="med" len="med"/>
+            <a:tailEnd type="none" w="med" len="med"/>
+          </a:ln>
+          <a:effectLst/>
+        </p:spPr>
+        <p:txBody>
+          <a:bodyPr vert="horz" wrap="square" lIns="91440" tIns="45720" rIns="91440" bIns="45720" numCol="1" rtlCol="0" anchor="t" anchorCtr="0" compatLnSpc="1">
+            <a:prstTxWarp prst="textNoShape">
+              <a:avLst/>
+            </a:prstTxWarp>
+          </a:bodyPr>
+          <a:lstStyle/>
+          <a:p>
+            <a:pPr marL="0" marR="0" indent="0" algn="l" defTabSz="957263" rtl="0" eaLnBrk="1" fontAlgn="base" latinLnBrk="0" hangingPunct="1">
+              <a:lnSpc>
+                <a:spcPct val="100000"/>
+              </a:lnSpc>
+              <a:spcBef>
+                <a:spcPct val="0"/>
+              </a:spcBef>
+              <a:spcAft>
+                <a:spcPct val="0"/>
+              </a:spcAft>
+              <a:buClrTx/>
+              <a:buSzTx/>
+              <a:buFontTx/>
+              <a:buNone/>
+              <a:tabLst/>
+            </a:pPr>
+            <a:endParaRPr lang="ja-JP" altLang="en-US" dirty="0"/>
+          </a:p>
+        </p:txBody>
+      </p:sp>
+      <p:sp>
+        <p:nvSpPr>
+          <p:cNvPr id="33" name="テキスト ボックス 32">
+            <a:extLst>
+              <a:ext uri="{FF2B5EF4-FFF2-40B4-BE49-F238E27FC236}">
+                <a16:creationId xmlns:a16="http://schemas.microsoft.com/office/drawing/2014/main" id="{D8BD40EC-15B5-4BB2-8E13-0B97A6FD3983}"/>
+              </a:ext>
+            </a:extLst>
+          </p:cNvPr>
+          <p:cNvSpPr txBox="1"/>
+          <p:nvPr/>
+        </p:nvSpPr>
+        <p:spPr>
+          <a:xfrm>
+            <a:off x="84258" y="4802915"/>
+            <a:ext cx="264621" cy="307777"/>
+          </a:xfrm>
+          <a:prstGeom prst="rect">
+            <a:avLst/>
+          </a:prstGeom>
+          <a:noFill/>
+        </p:spPr>
+        <p:txBody>
+          <a:bodyPr wrap="square" rtlCol="0">
+            <a:spAutoFit/>
+          </a:bodyPr>
+          <a:lstStyle/>
+          <a:p>
+            <a:pPr fontAlgn="auto">
+              <a:spcBef>
+                <a:spcPts val="0"/>
+              </a:spcBef>
+              <a:spcAft>
+                <a:spcPts val="0"/>
+              </a:spcAft>
+            </a:pPr>
+            <a:r>
+              <a:rPr lang="en-US" altLang="ja-JP" sz="1400" b="1" dirty="0">
+                <a:latin typeface="+mn-ea"/>
+                <a:ea typeface="+mn-ea"/>
+              </a:rPr>
+              <a:t>2</a:t>
+            </a:r>
+            <a:endParaRPr lang="ja-JP" altLang="en-US" sz="1400" b="1" dirty="0">
+              <a:latin typeface="+mn-ea"/>
+              <a:ea typeface="+mn-ea"/>
+            </a:endParaRPr>
+          </a:p>
+        </p:txBody>
+      </p:sp>
+    </p:spTree>
+    <p:extLst>
+      <p:ext uri="{BB962C8B-B14F-4D97-AF65-F5344CB8AC3E}">
+        <p14:creationId xmlns:p14="http://schemas.microsoft.com/office/powerpoint/2010/main" val="1323555217"/>
+      </p:ext>
+    </p:extLst>
+  </p:cSld>
+  <p:clrMapOvr>
+    <a:masterClrMapping/>
+  </p:clrMapOvr>
+</p:sld>
+</file>
+
+<file path=ppt/slides/slide9.xml><?xml version="1.0" encoding="utf-8"?>
+<p:sld xmlns:a="http://schemas.openxmlformats.org/drawingml/2006/main" xmlns:r="http://schemas.openxmlformats.org/officeDocument/2006/relationships" xmlns:p="http://schemas.openxmlformats.org/presentationml/2006/main">
+  <p:cSld>
+    <p:spTree>
+      <p:nvGrpSpPr>
+        <p:cNvPr id="1" name="">
+          <a:extLst>
+            <a:ext uri="{FF2B5EF4-FFF2-40B4-BE49-F238E27FC236}">
+              <a16:creationId xmlns:a16="http://schemas.microsoft.com/office/drawing/2014/main" id="{09BD3BD0-70CF-D989-DA63-1931CCF6F5DC}"/>
+            </a:ext>
+          </a:extLst>
+        </p:cNvPr>
+        <p:cNvGrpSpPr/>
+        <p:nvPr/>
+      </p:nvGrpSpPr>
+      <p:grpSpPr>
+        <a:xfrm>
+          <a:off x="0" y="0"/>
+          <a:ext cx="0" cy="0"/>
+          <a:chOff x="0" y="0"/>
+          <a:chExt cx="0" cy="0"/>
+        </a:xfrm>
+      </p:grpSpPr>
+      <p:sp>
+        <p:nvSpPr>
+          <p:cNvPr id="13" name="テキスト プレースホルダー 12">
+            <a:extLst>
+              <a:ext uri="{FF2B5EF4-FFF2-40B4-BE49-F238E27FC236}">
+                <a16:creationId xmlns:a16="http://schemas.microsoft.com/office/drawing/2014/main" id="{29E74D2D-C753-A81F-9DD9-15DA86A40E82}"/>
+              </a:ext>
+            </a:extLst>
+          </p:cNvPr>
+          <p:cNvSpPr>
+            <a:spLocks noGrp="1"/>
+          </p:cNvSpPr>
+          <p:nvPr>
+            <p:ph type="body" sz="quarter" idx="14"/>
+          </p:nvPr>
+        </p:nvSpPr>
+        <p:spPr>
+          <a:xfrm>
+            <a:off x="0" y="466725"/>
+            <a:ext cx="9905999" cy="453183"/>
+          </a:xfrm>
+        </p:spPr>
+        <p:txBody>
+          <a:bodyPr/>
+          <a:lstStyle/>
+          <a:p>
+            <a:r>
+              <a:rPr lang="en-US" altLang="ja-JP" dirty="0">
+                <a:latin typeface="+mn-ea"/>
+              </a:rPr>
+              <a:t>03</a:t>
+            </a:r>
+            <a:r>
+              <a:rPr lang="ja-JP" altLang="en-US" dirty="0">
+                <a:latin typeface="+mn-ea"/>
+              </a:rPr>
+              <a:t>　チケット選択画面</a:t>
+            </a:r>
+            <a:r>
+              <a:rPr lang="en-US" altLang="ja-JP" dirty="0">
+                <a:latin typeface="+mn-ea"/>
+              </a:rPr>
+              <a:t>01</a:t>
+            </a:r>
+            <a:endParaRPr kumimoji="1" lang="ja-JP" altLang="en-US" dirty="0"/>
+          </a:p>
+        </p:txBody>
+      </p:sp>
+      <p:sp>
+        <p:nvSpPr>
+          <p:cNvPr id="10" name="テキスト プレースホルダー 10">
+            <a:extLst>
+              <a:ext uri="{FF2B5EF4-FFF2-40B4-BE49-F238E27FC236}">
+                <a16:creationId xmlns:a16="http://schemas.microsoft.com/office/drawing/2014/main" id="{DE652BEB-1C8A-1C67-0F0E-F9B48B6A462D}"/>
+              </a:ext>
+            </a:extLst>
+          </p:cNvPr>
+          <p:cNvSpPr>
+            <a:spLocks noGrp="1"/>
+          </p:cNvSpPr>
+          <p:nvPr>
+            <p:ph type="body" sz="quarter" idx="12"/>
+          </p:nvPr>
+        </p:nvSpPr>
+        <p:spPr>
+          <a:xfrm>
+            <a:off x="2961627" y="1901828"/>
+            <a:ext cx="6450596" cy="560263"/>
+          </a:xfrm>
+        </p:spPr>
+        <p:txBody>
+          <a:bodyPr/>
+          <a:lstStyle/>
+          <a:p>
+            <a:r>
+              <a:rPr lang="ja-JP" altLang="en-US" b="1" dirty="0">
+                <a:effectLst/>
+                <a:latin typeface="+mj-ea"/>
+                <a:ea typeface="+mj-ea"/>
+              </a:rPr>
+              <a:t>情報の分類が不明瞭であり、利用者が目的のチケットや情報に素早く辿り着くことが困難</a:t>
+            </a:r>
+            <a:endParaRPr lang="en-US" altLang="ja-JP" b="1" dirty="0">
+              <a:latin typeface="+mj-ea"/>
+              <a:ea typeface="+mj-ea"/>
+            </a:endParaRPr>
+          </a:p>
+        </p:txBody>
+      </p:sp>
+      <p:pic>
+        <p:nvPicPr>
+          <p:cNvPr id="22" name="図 21" descr="グラフィカル ユーザー インターフェイス, Web サイト&#10;&#10;AI によって生成されたコンテンツは間違っている可能性があります。">
+            <a:extLst>
+              <a:ext uri="{FF2B5EF4-FFF2-40B4-BE49-F238E27FC236}">
+                <a16:creationId xmlns:a16="http://schemas.microsoft.com/office/drawing/2014/main" id="{E92FB807-770C-E16D-4065-B160741B9AB1}"/>
               </a:ext>
             </a:extLst>
           </p:cNvPr>
@@ -8449,7 +10463,7 @@
           <p:cNvPr id="23" name="正方形/長方形 22">
             <a:extLst>
               <a:ext uri="{FF2B5EF4-FFF2-40B4-BE49-F238E27FC236}">
-                <a16:creationId xmlns:a16="http://schemas.microsoft.com/office/drawing/2014/main" id="{7400BB4E-4077-0CE1-0A1F-8AFFC2932847}"/>
+                <a16:creationId xmlns:a16="http://schemas.microsoft.com/office/drawing/2014/main" id="{09AECC8D-BAEE-5A87-62CB-AF8D87421B73}"/>
               </a:ext>
             </a:extLst>
           </p:cNvPr>
@@ -8519,7 +10533,7 @@
           <p:cNvPr id="24" name="正方形/長方形 23">
             <a:extLst>
               <a:ext uri="{FF2B5EF4-FFF2-40B4-BE49-F238E27FC236}">
-                <a16:creationId xmlns:a16="http://schemas.microsoft.com/office/drawing/2014/main" id="{8975765A-771C-D4A2-8FCA-58952AB8E145}"/>
+                <a16:creationId xmlns:a16="http://schemas.microsoft.com/office/drawing/2014/main" id="{0FA8A9A3-E90C-FC7E-9380-DB38E30ABCE3}"/>
               </a:ext>
             </a:extLst>
           </p:cNvPr>
@@ -8589,7 +10603,7 @@
           <p:cNvPr id="27" name="正方形/長方形 26">
             <a:extLst>
               <a:ext uri="{FF2B5EF4-FFF2-40B4-BE49-F238E27FC236}">
-                <a16:creationId xmlns:a16="http://schemas.microsoft.com/office/drawing/2014/main" id="{0529B9F3-1A4E-B3B8-CE97-83E228B4859C}"/>
+                <a16:creationId xmlns:a16="http://schemas.microsoft.com/office/drawing/2014/main" id="{770B46E7-7167-8BD1-B16C-C552A3B7D681}"/>
               </a:ext>
             </a:extLst>
           </p:cNvPr>
@@ -8659,7 +10673,7 @@
           <p:cNvPr id="30" name="テキスト ボックス 29">
             <a:extLst>
               <a:ext uri="{FF2B5EF4-FFF2-40B4-BE49-F238E27FC236}">
-                <a16:creationId xmlns:a16="http://schemas.microsoft.com/office/drawing/2014/main" id="{C488369A-3439-C540-8C8E-1AC4370F4FA3}"/>
+                <a16:creationId xmlns:a16="http://schemas.microsoft.com/office/drawing/2014/main" id="{05C82A2D-3CF5-A807-AED5-9150E3100206}"/>
               </a:ext>
             </a:extLst>
           </p:cNvPr>
@@ -8748,7 +10762,7 @@
           <p:cNvPr id="34" name="正方形/長方形 33">
             <a:extLst>
               <a:ext uri="{FF2B5EF4-FFF2-40B4-BE49-F238E27FC236}">
-                <a16:creationId xmlns:a16="http://schemas.microsoft.com/office/drawing/2014/main" id="{74B0ECC3-AB9E-0CEF-BEEF-B9ACCDFE99A2}"/>
+                <a16:creationId xmlns:a16="http://schemas.microsoft.com/office/drawing/2014/main" id="{8E44D231-7CB7-DC1A-8D2B-5B55472CFD3A}"/>
               </a:ext>
             </a:extLst>
           </p:cNvPr>
@@ -8821,7 +10835,7 @@
           <p:cNvPr id="35" name="テキスト プレースホルダー 2">
             <a:extLst>
               <a:ext uri="{FF2B5EF4-FFF2-40B4-BE49-F238E27FC236}">
-                <a16:creationId xmlns:a16="http://schemas.microsoft.com/office/drawing/2014/main" id="{69DAB3FE-C9E2-2881-4D94-18E6723CDC1A}"/>
+                <a16:creationId xmlns:a16="http://schemas.microsoft.com/office/drawing/2014/main" id="{CD61052B-97D1-AFB0-8F07-44BE9ECD47A1}"/>
               </a:ext>
             </a:extLst>
           </p:cNvPr>
@@ -9005,7 +11019,7 @@
           <p:cNvPr id="42" name="テキスト ボックス 41">
             <a:extLst>
               <a:ext uri="{FF2B5EF4-FFF2-40B4-BE49-F238E27FC236}">
-                <a16:creationId xmlns:a16="http://schemas.microsoft.com/office/drawing/2014/main" id="{E810321A-F3E1-8B27-EC1C-816449FE07BA}"/>
+                <a16:creationId xmlns:a16="http://schemas.microsoft.com/office/drawing/2014/main" id="{302EBDAD-ACB3-116C-E934-31DAB47F931A}"/>
               </a:ext>
             </a:extLst>
           </p:cNvPr>
@@ -9060,7 +11074,7 @@
           <p:cNvPr id="43" name="正方形/長方形 42">
             <a:extLst>
               <a:ext uri="{FF2B5EF4-FFF2-40B4-BE49-F238E27FC236}">
-                <a16:creationId xmlns:a16="http://schemas.microsoft.com/office/drawing/2014/main" id="{37F86EF6-B2E4-0EF6-A565-65992543BAD2}"/>
+                <a16:creationId xmlns:a16="http://schemas.microsoft.com/office/drawing/2014/main" id="{6D97E62C-1936-E9B0-9919-A019C4DFB3F6}"/>
               </a:ext>
             </a:extLst>
           </p:cNvPr>
@@ -9133,7 +11147,7 @@
           <p:cNvPr id="44" name="テキスト プレースホルダー 2">
             <a:extLst>
               <a:ext uri="{FF2B5EF4-FFF2-40B4-BE49-F238E27FC236}">
-                <a16:creationId xmlns:a16="http://schemas.microsoft.com/office/drawing/2014/main" id="{DA35CB9D-9F0F-F8E4-A471-25A355A68593}"/>
+                <a16:creationId xmlns:a16="http://schemas.microsoft.com/office/drawing/2014/main" id="{DD68296E-ACA3-CBA9-53C0-4AA334B07915}"/>
               </a:ext>
             </a:extLst>
           </p:cNvPr>
@@ -9317,7 +11331,7 @@
           <p:cNvPr id="45" name="テキスト ボックス 44">
             <a:extLst>
               <a:ext uri="{FF2B5EF4-FFF2-40B4-BE49-F238E27FC236}">
-                <a16:creationId xmlns:a16="http://schemas.microsoft.com/office/drawing/2014/main" id="{C3B00387-F4CE-B1C1-200B-AAEB1D694BFF}"/>
+                <a16:creationId xmlns:a16="http://schemas.microsoft.com/office/drawing/2014/main" id="{4952485E-4511-5FED-5AC0-B62F8C0B1331}"/>
               </a:ext>
             </a:extLst>
           </p:cNvPr>
@@ -9359,7 +11373,7 @@
           <p:cNvPr id="46" name="正方形/長方形 45">
             <a:extLst>
               <a:ext uri="{FF2B5EF4-FFF2-40B4-BE49-F238E27FC236}">
-                <a16:creationId xmlns:a16="http://schemas.microsoft.com/office/drawing/2014/main" id="{04C7EB8D-7926-B3CA-1329-CDEB459C3DB8}"/>
+                <a16:creationId xmlns:a16="http://schemas.microsoft.com/office/drawing/2014/main" id="{BDF4E7BF-B89B-3D68-549B-75F6CE72668F}"/>
               </a:ext>
             </a:extLst>
           </p:cNvPr>
@@ -9432,7 +11446,7 @@
           <p:cNvPr id="47" name="テキスト プレースホルダー 2">
             <a:extLst>
               <a:ext uri="{FF2B5EF4-FFF2-40B4-BE49-F238E27FC236}">
-                <a16:creationId xmlns:a16="http://schemas.microsoft.com/office/drawing/2014/main" id="{C67A0882-90EB-D8C1-6718-F349B6966C2C}"/>
+                <a16:creationId xmlns:a16="http://schemas.microsoft.com/office/drawing/2014/main" id="{142334E0-BD1B-F482-36A6-6C7F5C53B49B}"/>
               </a:ext>
             </a:extLst>
           </p:cNvPr>
@@ -9616,7 +11630,7 @@
           <p:cNvPr id="48" name="テキスト プレースホルダー 10">
             <a:extLst>
               <a:ext uri="{FF2B5EF4-FFF2-40B4-BE49-F238E27FC236}">
-                <a16:creationId xmlns:a16="http://schemas.microsoft.com/office/drawing/2014/main" id="{55C8B060-2E8E-E04F-725E-3BD3432C84A2}"/>
+                <a16:creationId xmlns:a16="http://schemas.microsoft.com/office/drawing/2014/main" id="{13C264DB-0ACA-5B4A-117B-9F04BD880221}"/>
               </a:ext>
             </a:extLst>
           </p:cNvPr>
@@ -9808,7 +11822,7 @@
           <p:cNvPr id="49" name="楕円 48">
             <a:extLst>
               <a:ext uri="{FF2B5EF4-FFF2-40B4-BE49-F238E27FC236}">
-                <a16:creationId xmlns:a16="http://schemas.microsoft.com/office/drawing/2014/main" id="{D31BA2A0-8245-9049-D29F-6323551D960A}"/>
+                <a16:creationId xmlns:a16="http://schemas.microsoft.com/office/drawing/2014/main" id="{47CC908C-CEE3-F18D-9BCE-370193CB43B4}"/>
               </a:ext>
             </a:extLst>
           </p:cNvPr>
@@ -9880,7 +11894,7 @@
           <p:cNvPr id="50" name="テキスト ボックス 49">
             <a:extLst>
               <a:ext uri="{FF2B5EF4-FFF2-40B4-BE49-F238E27FC236}">
-                <a16:creationId xmlns:a16="http://schemas.microsoft.com/office/drawing/2014/main" id="{459DF1ED-4E54-8E4A-E037-6444405DDCF7}"/>
+                <a16:creationId xmlns:a16="http://schemas.microsoft.com/office/drawing/2014/main" id="{A194E08E-444D-5989-AEAB-5B6FD1157618}"/>
               </a:ext>
             </a:extLst>
           </p:cNvPr>
@@ -9930,7 +11944,7 @@
           <p:cNvPr id="54" name="楕円 53">
             <a:extLst>
               <a:ext uri="{FF2B5EF4-FFF2-40B4-BE49-F238E27FC236}">
-                <a16:creationId xmlns:a16="http://schemas.microsoft.com/office/drawing/2014/main" id="{EC18B675-3F98-372B-838D-5425DE9460B9}"/>
+                <a16:creationId xmlns:a16="http://schemas.microsoft.com/office/drawing/2014/main" id="{0F9BA7B5-B379-728B-6889-92ECB79CC3F7}"/>
               </a:ext>
             </a:extLst>
           </p:cNvPr>
@@ -10002,7 +12016,7 @@
           <p:cNvPr id="55" name="楕円 54">
             <a:extLst>
               <a:ext uri="{FF2B5EF4-FFF2-40B4-BE49-F238E27FC236}">
-                <a16:creationId xmlns:a16="http://schemas.microsoft.com/office/drawing/2014/main" id="{7B6625E0-FDF6-92F7-42C4-043705E3AD1A}"/>
+                <a16:creationId xmlns:a16="http://schemas.microsoft.com/office/drawing/2014/main" id="{AF43837F-CF6E-4AEC-A406-E58E16846582}"/>
               </a:ext>
             </a:extLst>
           </p:cNvPr>
@@ -10074,7 +12088,7 @@
           <p:cNvPr id="53" name="テキスト ボックス 52">
             <a:extLst>
               <a:ext uri="{FF2B5EF4-FFF2-40B4-BE49-F238E27FC236}">
-                <a16:creationId xmlns:a16="http://schemas.microsoft.com/office/drawing/2014/main" id="{F6C7472E-6574-C96E-2D50-F7B34A8220EC}"/>
+                <a16:creationId xmlns:a16="http://schemas.microsoft.com/office/drawing/2014/main" id="{2D4B64AB-0A0D-D890-EC30-39E4046CEEBC}"/>
               </a:ext>
             </a:extLst>
           </p:cNvPr>
@@ -10124,7 +12138,7 @@
           <p:cNvPr id="52" name="テキスト ボックス 51">
             <a:extLst>
               <a:ext uri="{FF2B5EF4-FFF2-40B4-BE49-F238E27FC236}">
-                <a16:creationId xmlns:a16="http://schemas.microsoft.com/office/drawing/2014/main" id="{0AC0130B-7E55-1926-4E66-5B5DBC23C9F3}"/>
+                <a16:creationId xmlns:a16="http://schemas.microsoft.com/office/drawing/2014/main" id="{CE73CB3D-1119-64C4-894A-EDC2186BBE36}"/>
               </a:ext>
             </a:extLst>
           </p:cNvPr>
@@ -10172,728 +12186,7 @@
     </p:spTree>
     <p:extLst>
       <p:ext uri="{BB962C8B-B14F-4D97-AF65-F5344CB8AC3E}">
-        <p14:creationId xmlns:p14="http://schemas.microsoft.com/office/powerpoint/2010/main" val="1323555217"/>
-      </p:ext>
-    </p:extLst>
-  </p:cSld>
-  <p:clrMapOvr>
-    <a:masterClrMapping/>
-  </p:clrMapOvr>
-</p:sld>
-</file>
-
-<file path=ppt/slides/slide8.xml><?xml version="1.0" encoding="utf-8"?>
-<p:sld xmlns:a="http://schemas.openxmlformats.org/drawingml/2006/main" xmlns:r="http://schemas.openxmlformats.org/officeDocument/2006/relationships" xmlns:p="http://schemas.openxmlformats.org/presentationml/2006/main">
-  <p:cSld>
-    <p:spTree>
-      <p:nvGrpSpPr>
-        <p:cNvPr id="1" name=""/>
-        <p:cNvGrpSpPr/>
-        <p:nvPr/>
-      </p:nvGrpSpPr>
-      <p:grpSpPr>
-        <a:xfrm>
-          <a:off x="0" y="0"/>
-          <a:ext cx="0" cy="0"/>
-          <a:chOff x="0" y="0"/>
-          <a:chExt cx="0" cy="0"/>
-        </a:xfrm>
-      </p:grpSpPr>
-      <p:sp>
-        <p:nvSpPr>
-          <p:cNvPr id="12" name="テキスト プレースホルダー 11"/>
-          <p:cNvSpPr>
-            <a:spLocks noGrp="1"/>
-          </p:cNvSpPr>
-          <p:nvPr>
-            <p:ph type="body" sz="quarter" idx="13"/>
-          </p:nvPr>
-        </p:nvSpPr>
-        <p:spPr/>
-        <p:txBody>
-          <a:bodyPr/>
-          <a:lstStyle/>
-          <a:p>
-            <a:endParaRPr kumimoji="1" lang="ja-JP" altLang="en-US" dirty="0"/>
-          </a:p>
-        </p:txBody>
-      </p:sp>
-      <p:sp>
-        <p:nvSpPr>
-          <p:cNvPr id="13" name="テキスト プレースホルダー 12"/>
-          <p:cNvSpPr>
-            <a:spLocks noGrp="1"/>
-          </p:cNvSpPr>
-          <p:nvPr>
-            <p:ph type="body" sz="quarter" idx="14"/>
-          </p:nvPr>
-        </p:nvSpPr>
-        <p:spPr>
-          <a:xfrm>
-            <a:off x="0" y="466725"/>
-            <a:ext cx="9905999" cy="453183"/>
-          </a:xfrm>
-        </p:spPr>
-        <p:txBody>
-          <a:bodyPr/>
-          <a:lstStyle/>
-          <a:p>
-            <a:r>
-              <a:rPr lang="ja-JP" altLang="en-US" dirty="0">
-                <a:latin typeface="+mn-ea"/>
-              </a:rPr>
-              <a:t>コンテンツの状況総括</a:t>
-            </a:r>
-          </a:p>
-        </p:txBody>
-      </p:sp>
-      <p:sp>
-        <p:nvSpPr>
-          <p:cNvPr id="11" name="テキスト プレースホルダー 10"/>
-          <p:cNvSpPr>
-            <a:spLocks noGrp="1"/>
-          </p:cNvSpPr>
-          <p:nvPr>
-            <p:ph type="body" sz="quarter" idx="12"/>
-          </p:nvPr>
-        </p:nvSpPr>
-        <p:spPr/>
-        <p:txBody>
-          <a:bodyPr/>
-          <a:lstStyle/>
-          <a:p>
-            <a:r>
-              <a:rPr kumimoji="1" lang="ja-JP" altLang="en-US" sz="1400" dirty="0"/>
-              <a:t>他社採用サイトの</a:t>
-            </a:r>
-            <a:r>
-              <a:rPr lang="ja-JP" altLang="en-US" sz="1400" dirty="0">
-                <a:latin typeface="+mn-ea"/>
-              </a:rPr>
-              <a:t>ベンチマーク調査からや、</a:t>
-            </a:r>
-            <a:r>
-              <a:rPr lang="ja-JP" altLang="en-US" sz="1400" dirty="0"/>
-              <a:t>昨年の貴社採用サイト</a:t>
-            </a:r>
-            <a:r>
-              <a:rPr lang="ja-JP" altLang="en-US" sz="1400" dirty="0">
-                <a:latin typeface="+mn-ea"/>
-              </a:rPr>
-              <a:t>からの改善出来そうな部から、「</a:t>
-            </a:r>
-            <a:r>
-              <a:rPr lang="ja-JP" altLang="en-US" sz="1400" dirty="0"/>
-              <a:t>機能・コンテンツ」に関する</a:t>
-            </a:r>
-            <a:r>
-              <a:rPr lang="ja-JP" altLang="en-US" sz="1400" dirty="0">
-                <a:latin typeface="+mn-ea"/>
-              </a:rPr>
-              <a:t>発見事項を以下にまとめます。</a:t>
-            </a:r>
-            <a:endParaRPr kumimoji="1" lang="ja-JP" altLang="en-US" sz="1400" dirty="0"/>
-          </a:p>
-        </p:txBody>
-      </p:sp>
-      <p:sp>
-        <p:nvSpPr>
-          <p:cNvPr id="9" name="正方形/長方形 8">
-            <a:extLst>
-              <a:ext uri="{FF2B5EF4-FFF2-40B4-BE49-F238E27FC236}">
-                <a16:creationId xmlns:a16="http://schemas.microsoft.com/office/drawing/2014/main" id="{2BF1D34C-4D3A-4369-B776-2ED43360838C}"/>
-              </a:ext>
-            </a:extLst>
-          </p:cNvPr>
-          <p:cNvSpPr/>
-          <p:nvPr/>
-        </p:nvSpPr>
-        <p:spPr bwMode="auto">
-          <a:xfrm>
-            <a:off x="1114926" y="1841278"/>
-            <a:ext cx="8285748" cy="954107"/>
-          </a:xfrm>
-          <a:prstGeom prst="rect">
-            <a:avLst/>
-          </a:prstGeom>
-          <a:noFill/>
-          <a:ln w="9525" cap="flat" cmpd="sng" algn="ctr">
-            <a:noFill/>
-            <a:prstDash val="solid"/>
-            <a:round/>
-            <a:headEnd type="none" w="med" len="med"/>
-            <a:tailEnd type="none" w="med" len="med"/>
-          </a:ln>
-          <a:effectLst/>
-        </p:spPr>
-        <p:txBody>
-          <a:bodyPr vert="horz" wrap="square" lIns="91440" tIns="45720" rIns="91440" bIns="45720" numCol="1" rtlCol="0" anchor="t" anchorCtr="0" compatLnSpc="1">
-            <a:prstTxWarp prst="textNoShape">
-              <a:avLst/>
-            </a:prstTxWarp>
-            <a:spAutoFit/>
-          </a:bodyPr>
-          <a:lstStyle/>
-          <a:p>
-            <a:pPr defTabSz="957263"/>
-            <a:r>
-              <a:rPr lang="ja-JP" altLang="en-US" sz="1800" b="1" dirty="0">
-                <a:latin typeface="+mn-ea"/>
-                <a:ea typeface="+mn-ea"/>
-              </a:rPr>
-              <a:t>就活生むけに再編集されたわかりやすい事業内容</a:t>
-            </a:r>
-            <a:endParaRPr lang="en-US" altLang="ja-JP" sz="1800" b="1" dirty="0">
-              <a:latin typeface="+mn-ea"/>
-              <a:ea typeface="+mn-ea"/>
-            </a:endParaRPr>
-          </a:p>
-          <a:p>
-            <a:pPr defTabSz="957263"/>
-            <a:endParaRPr lang="en-US" altLang="ja-JP" dirty="0">
-              <a:latin typeface="+mn-ea"/>
-              <a:ea typeface="+mn-ea"/>
-            </a:endParaRPr>
-          </a:p>
-          <a:p>
-            <a:pPr defTabSz="957263"/>
-            <a:r>
-              <a:rPr lang="ja-JP" altLang="en-US" sz="1400" dirty="0">
-                <a:latin typeface="+mn-ea"/>
-                <a:ea typeface="+mn-ea"/>
-              </a:rPr>
-              <a:t>他社はインフォグラフィックを用いたり、言葉使いを考慮したりして、就活生に合わせわかりやすく伝える為の工夫がなされている。</a:t>
-            </a:r>
-          </a:p>
-        </p:txBody>
-      </p:sp>
-      <p:sp>
-        <p:nvSpPr>
-          <p:cNvPr id="3" name="楕円 2">
-            <a:extLst>
-              <a:ext uri="{FF2B5EF4-FFF2-40B4-BE49-F238E27FC236}">
-                <a16:creationId xmlns:a16="http://schemas.microsoft.com/office/drawing/2014/main" id="{FA1FAFF3-B135-425F-8F8B-00C11966203E}"/>
-              </a:ext>
-            </a:extLst>
-          </p:cNvPr>
-          <p:cNvSpPr/>
-          <p:nvPr/>
-        </p:nvSpPr>
-        <p:spPr bwMode="auto">
-          <a:xfrm>
-            <a:off x="489284" y="1841278"/>
-            <a:ext cx="457200" cy="457200"/>
-          </a:xfrm>
-          <a:prstGeom prst="ellipse">
-            <a:avLst/>
-          </a:prstGeom>
-          <a:solidFill>
-            <a:srgbClr val="2669AC"/>
-          </a:solidFill>
-          <a:ln w="9525" cap="flat" cmpd="sng" algn="ctr">
-            <a:solidFill>
-              <a:srgbClr val="969696"/>
-            </a:solidFill>
-            <a:prstDash val="solid"/>
-            <a:round/>
-            <a:headEnd type="none" w="med" len="med"/>
-            <a:tailEnd type="none" w="med" len="med"/>
-          </a:ln>
-          <a:effectLst/>
-        </p:spPr>
-        <p:txBody>
-          <a:bodyPr vert="horz" wrap="square" lIns="91440" tIns="45720" rIns="91440" bIns="45720" numCol="1" rtlCol="0" anchor="ctr" anchorCtr="0" compatLnSpc="1">
-            <a:prstTxWarp prst="textNoShape">
-              <a:avLst/>
-            </a:prstTxWarp>
-          </a:bodyPr>
-          <a:lstStyle/>
-          <a:p>
-            <a:pPr marL="0" marR="0" indent="0" algn="ctr" defTabSz="957263" rtl="0" eaLnBrk="1" fontAlgn="base" latinLnBrk="0" hangingPunct="1">
-              <a:lnSpc>
-                <a:spcPct val="100000"/>
-              </a:lnSpc>
-              <a:spcBef>
-                <a:spcPct val="0"/>
-              </a:spcBef>
-              <a:spcAft>
-                <a:spcPct val="0"/>
-              </a:spcAft>
-              <a:buClrTx/>
-              <a:buSzTx/>
-              <a:buFontTx/>
-              <a:buNone/>
-              <a:tabLst/>
-            </a:pPr>
-            <a:r>
-              <a:rPr kumimoji="1" lang="en-US" altLang="ja-JP" sz="1800" b="0" i="0" u="none" strike="noStrike" cap="none" normalizeH="0" baseline="0" dirty="0">
-                <a:ln>
-                  <a:noFill/>
-                </a:ln>
-                <a:solidFill>
-                  <a:schemeClr val="bg1"/>
-                </a:solidFill>
-                <a:effectLst/>
-                <a:latin typeface="+mn-ea"/>
-                <a:ea typeface="+mn-ea"/>
-              </a:rPr>
-              <a:t>1</a:t>
-            </a:r>
-            <a:endParaRPr kumimoji="1" lang="ja-JP" altLang="en-US" sz="1900" b="0" i="0" u="none" strike="noStrike" cap="none" normalizeH="0" baseline="0" dirty="0">
-              <a:ln>
-                <a:noFill/>
-              </a:ln>
-              <a:solidFill>
-                <a:schemeClr val="bg1"/>
-              </a:solidFill>
-              <a:effectLst/>
-              <a:latin typeface="+mn-ea"/>
-              <a:ea typeface="+mn-ea"/>
-            </a:endParaRPr>
-          </a:p>
-        </p:txBody>
-      </p:sp>
-      <p:sp>
-        <p:nvSpPr>
-          <p:cNvPr id="14" name="正方形/長方形 13">
-            <a:extLst>
-              <a:ext uri="{FF2B5EF4-FFF2-40B4-BE49-F238E27FC236}">
-                <a16:creationId xmlns:a16="http://schemas.microsoft.com/office/drawing/2014/main" id="{535E991A-8BCF-4961-958D-1DFDF65C73BA}"/>
-              </a:ext>
-            </a:extLst>
-          </p:cNvPr>
-          <p:cNvSpPr/>
-          <p:nvPr/>
-        </p:nvSpPr>
-        <p:spPr bwMode="auto">
-          <a:xfrm>
-            <a:off x="1114926" y="3056824"/>
-            <a:ext cx="8285748" cy="954107"/>
-          </a:xfrm>
-          <a:prstGeom prst="rect">
-            <a:avLst/>
-          </a:prstGeom>
-          <a:noFill/>
-          <a:ln w="9525" cap="flat" cmpd="sng" algn="ctr">
-            <a:noFill/>
-            <a:prstDash val="solid"/>
-            <a:round/>
-            <a:headEnd type="none" w="med" len="med"/>
-            <a:tailEnd type="none" w="med" len="med"/>
-          </a:ln>
-          <a:effectLst/>
-        </p:spPr>
-        <p:txBody>
-          <a:bodyPr vert="horz" wrap="square" lIns="91440" tIns="45720" rIns="91440" bIns="45720" numCol="1" rtlCol="0" anchor="t" anchorCtr="0" compatLnSpc="1">
-            <a:prstTxWarp prst="textNoShape">
-              <a:avLst/>
-            </a:prstTxWarp>
-            <a:spAutoFit/>
-          </a:bodyPr>
-          <a:lstStyle/>
-          <a:p>
-            <a:pPr defTabSz="957263"/>
-            <a:r>
-              <a:rPr lang="ja-JP" altLang="en-US" sz="1800" b="1" dirty="0">
-                <a:latin typeface="+mn-ea"/>
-                <a:ea typeface="+mn-ea"/>
-              </a:rPr>
-              <a:t>将来的なキャリア形成を期待させる情報が充実</a:t>
-            </a:r>
-          </a:p>
-          <a:p>
-            <a:pPr defTabSz="957263"/>
-            <a:endParaRPr lang="en-US" altLang="ja-JP" dirty="0">
-              <a:latin typeface="+mn-ea"/>
-              <a:ea typeface="+mn-ea"/>
-            </a:endParaRPr>
-          </a:p>
-          <a:p>
-            <a:pPr defTabSz="957263"/>
-            <a:r>
-              <a:rPr lang="ja-JP" altLang="en-US" sz="1400" dirty="0">
-                <a:latin typeface="+mn-ea"/>
-                <a:ea typeface="+mn-ea"/>
-              </a:rPr>
-              <a:t>社員のサクセスストーリーといったコンテンツを用意。また、「女性のキャリア」にフォーカスしたコンテンツやなどを豊富に用意。</a:t>
-            </a:r>
-          </a:p>
-        </p:txBody>
-      </p:sp>
-      <p:sp>
-        <p:nvSpPr>
-          <p:cNvPr id="15" name="楕円 14">
-            <a:extLst>
-              <a:ext uri="{FF2B5EF4-FFF2-40B4-BE49-F238E27FC236}">
-                <a16:creationId xmlns:a16="http://schemas.microsoft.com/office/drawing/2014/main" id="{1F55CA58-4A82-43BF-9175-F24869F5F966}"/>
-              </a:ext>
-            </a:extLst>
-          </p:cNvPr>
-          <p:cNvSpPr/>
-          <p:nvPr/>
-        </p:nvSpPr>
-        <p:spPr bwMode="auto">
-          <a:xfrm>
-            <a:off x="489284" y="3056824"/>
-            <a:ext cx="457200" cy="457200"/>
-          </a:xfrm>
-          <a:prstGeom prst="ellipse">
-            <a:avLst/>
-          </a:prstGeom>
-          <a:solidFill>
-            <a:srgbClr val="2669AC"/>
-          </a:solidFill>
-          <a:ln w="9525" cap="flat" cmpd="sng" algn="ctr">
-            <a:solidFill>
-              <a:srgbClr val="969696"/>
-            </a:solidFill>
-            <a:prstDash val="solid"/>
-            <a:round/>
-            <a:headEnd type="none" w="med" len="med"/>
-            <a:tailEnd type="none" w="med" len="med"/>
-          </a:ln>
-          <a:effectLst/>
-        </p:spPr>
-        <p:txBody>
-          <a:bodyPr vert="horz" wrap="square" lIns="91440" tIns="45720" rIns="91440" bIns="45720" numCol="1" rtlCol="0" anchor="ctr" anchorCtr="0" compatLnSpc="1">
-            <a:prstTxWarp prst="textNoShape">
-              <a:avLst/>
-            </a:prstTxWarp>
-          </a:bodyPr>
-          <a:lstStyle/>
-          <a:p>
-            <a:pPr marL="0" marR="0" indent="0" algn="ctr" defTabSz="957263" rtl="0" eaLnBrk="1" fontAlgn="base" latinLnBrk="0" hangingPunct="1">
-              <a:lnSpc>
-                <a:spcPct val="100000"/>
-              </a:lnSpc>
-              <a:spcBef>
-                <a:spcPct val="0"/>
-              </a:spcBef>
-              <a:spcAft>
-                <a:spcPct val="0"/>
-              </a:spcAft>
-              <a:buClrTx/>
-              <a:buSzTx/>
-              <a:buFontTx/>
-              <a:buNone/>
-              <a:tabLst/>
-            </a:pPr>
-            <a:r>
-              <a:rPr kumimoji="1" lang="en-US" altLang="ja-JP" sz="1900" b="0" i="0" u="none" strike="noStrike" cap="none" normalizeH="0" baseline="0" dirty="0">
-                <a:ln>
-                  <a:noFill/>
-                </a:ln>
-                <a:solidFill>
-                  <a:schemeClr val="bg1"/>
-                </a:solidFill>
-                <a:effectLst/>
-                <a:latin typeface="+mn-ea"/>
-                <a:ea typeface="+mn-ea"/>
-              </a:rPr>
-              <a:t>2</a:t>
-            </a:r>
-            <a:endParaRPr kumimoji="1" lang="ja-JP" altLang="en-US" sz="1900" b="0" i="0" u="none" strike="noStrike" cap="none" normalizeH="0" baseline="0" dirty="0">
-              <a:ln>
-                <a:noFill/>
-              </a:ln>
-              <a:solidFill>
-                <a:schemeClr val="bg1"/>
-              </a:solidFill>
-              <a:effectLst/>
-              <a:latin typeface="+mn-ea"/>
-              <a:ea typeface="+mn-ea"/>
-            </a:endParaRPr>
-          </a:p>
-        </p:txBody>
-      </p:sp>
-      <p:sp>
-        <p:nvSpPr>
-          <p:cNvPr id="16" name="正方形/長方形 15">
-            <a:extLst>
-              <a:ext uri="{FF2B5EF4-FFF2-40B4-BE49-F238E27FC236}">
-                <a16:creationId xmlns:a16="http://schemas.microsoft.com/office/drawing/2014/main" id="{1E94F03B-9493-407C-9431-EED3EF1883CD}"/>
-              </a:ext>
-            </a:extLst>
-          </p:cNvPr>
-          <p:cNvSpPr/>
-          <p:nvPr/>
-        </p:nvSpPr>
-        <p:spPr bwMode="auto">
-          <a:xfrm>
-            <a:off x="1114926" y="4268408"/>
-            <a:ext cx="8285748" cy="738664"/>
-          </a:xfrm>
-          <a:prstGeom prst="rect">
-            <a:avLst/>
-          </a:prstGeom>
-          <a:noFill/>
-          <a:ln w="9525" cap="flat" cmpd="sng" algn="ctr">
-            <a:noFill/>
-            <a:prstDash val="solid"/>
-            <a:round/>
-            <a:headEnd type="none" w="med" len="med"/>
-            <a:tailEnd type="none" w="med" len="med"/>
-          </a:ln>
-          <a:effectLst/>
-        </p:spPr>
-        <p:txBody>
-          <a:bodyPr vert="horz" wrap="square" lIns="91440" tIns="45720" rIns="91440" bIns="45720" numCol="1" rtlCol="0" anchor="t" anchorCtr="0" compatLnSpc="1">
-            <a:prstTxWarp prst="textNoShape">
-              <a:avLst/>
-            </a:prstTxWarp>
-            <a:spAutoFit/>
-          </a:bodyPr>
-          <a:lstStyle/>
-          <a:p>
-            <a:pPr defTabSz="957263"/>
-            <a:r>
-              <a:rPr lang="ja-JP" altLang="en-US" sz="1800" b="1" dirty="0">
-                <a:latin typeface="+mn-ea"/>
-                <a:ea typeface="+mn-ea"/>
-              </a:rPr>
-              <a:t>あああああああああああああああああああああああああ</a:t>
-            </a:r>
-          </a:p>
-          <a:p>
-            <a:pPr defTabSz="957263"/>
-            <a:endParaRPr lang="en-US" altLang="ja-JP" dirty="0">
-              <a:latin typeface="+mn-ea"/>
-              <a:ea typeface="+mn-ea"/>
-            </a:endParaRPr>
-          </a:p>
-          <a:p>
-            <a:pPr defTabSz="957263"/>
-            <a:r>
-              <a:rPr lang="ja-JP" altLang="en-US" sz="1400" dirty="0">
-                <a:latin typeface="+mn-ea"/>
-                <a:ea typeface="+mn-ea"/>
-              </a:rPr>
-              <a:t>あああああああああああああああああああああああああ。</a:t>
-            </a:r>
-          </a:p>
-        </p:txBody>
-      </p:sp>
-      <p:sp>
-        <p:nvSpPr>
-          <p:cNvPr id="17" name="楕円 16">
-            <a:extLst>
-              <a:ext uri="{FF2B5EF4-FFF2-40B4-BE49-F238E27FC236}">
-                <a16:creationId xmlns:a16="http://schemas.microsoft.com/office/drawing/2014/main" id="{98957D38-9C32-48BC-9E49-717C1EB3D1B3}"/>
-              </a:ext>
-            </a:extLst>
-          </p:cNvPr>
-          <p:cNvSpPr/>
-          <p:nvPr/>
-        </p:nvSpPr>
-        <p:spPr bwMode="auto">
-          <a:xfrm>
-            <a:off x="489284" y="4268408"/>
-            <a:ext cx="457200" cy="457200"/>
-          </a:xfrm>
-          <a:prstGeom prst="ellipse">
-            <a:avLst/>
-          </a:prstGeom>
-          <a:solidFill>
-            <a:srgbClr val="2669AC"/>
-          </a:solidFill>
-          <a:ln w="9525" cap="flat" cmpd="sng" algn="ctr">
-            <a:solidFill>
-              <a:srgbClr val="969696"/>
-            </a:solidFill>
-            <a:prstDash val="solid"/>
-            <a:round/>
-            <a:headEnd type="none" w="med" len="med"/>
-            <a:tailEnd type="none" w="med" len="med"/>
-          </a:ln>
-          <a:effectLst/>
-        </p:spPr>
-        <p:txBody>
-          <a:bodyPr vert="horz" wrap="square" lIns="91440" tIns="45720" rIns="91440" bIns="45720" numCol="1" rtlCol="0" anchor="ctr" anchorCtr="0" compatLnSpc="1">
-            <a:prstTxWarp prst="textNoShape">
-              <a:avLst/>
-            </a:prstTxWarp>
-          </a:bodyPr>
-          <a:lstStyle/>
-          <a:p>
-            <a:pPr marL="0" marR="0" indent="0" algn="ctr" defTabSz="957263" rtl="0" eaLnBrk="1" fontAlgn="base" latinLnBrk="0" hangingPunct="1">
-              <a:lnSpc>
-                <a:spcPct val="100000"/>
-              </a:lnSpc>
-              <a:spcBef>
-                <a:spcPct val="0"/>
-              </a:spcBef>
-              <a:spcAft>
-                <a:spcPct val="0"/>
-              </a:spcAft>
-              <a:buClrTx/>
-              <a:buSzTx/>
-              <a:buFontTx/>
-              <a:buNone/>
-              <a:tabLst/>
-            </a:pPr>
-            <a:r>
-              <a:rPr kumimoji="1" lang="en-US" altLang="ja-JP" sz="1900" b="0" i="0" u="none" strike="noStrike" cap="none" normalizeH="0" baseline="0" dirty="0">
-                <a:ln>
-                  <a:noFill/>
-                </a:ln>
-                <a:solidFill>
-                  <a:schemeClr val="bg1"/>
-                </a:solidFill>
-                <a:effectLst/>
-                <a:latin typeface="+mn-ea"/>
-                <a:ea typeface="+mn-ea"/>
-              </a:rPr>
-              <a:t>3</a:t>
-            </a:r>
-            <a:endParaRPr kumimoji="1" lang="ja-JP" altLang="en-US" sz="1900" b="0" i="0" u="none" strike="noStrike" cap="none" normalizeH="0" baseline="0" dirty="0">
-              <a:ln>
-                <a:noFill/>
-              </a:ln>
-              <a:solidFill>
-                <a:schemeClr val="bg1"/>
-              </a:solidFill>
-              <a:effectLst/>
-              <a:latin typeface="+mn-ea"/>
-              <a:ea typeface="+mn-ea"/>
-            </a:endParaRPr>
-          </a:p>
-        </p:txBody>
-      </p:sp>
-      <p:sp>
-        <p:nvSpPr>
-          <p:cNvPr id="18" name="テキスト ボックス 17">
-            <a:extLst>
-              <a:ext uri="{FF2B5EF4-FFF2-40B4-BE49-F238E27FC236}">
-                <a16:creationId xmlns:a16="http://schemas.microsoft.com/office/drawing/2014/main" id="{E07C5792-2FBF-4C1F-B83D-E6BEF168F505}"/>
-              </a:ext>
-            </a:extLst>
-          </p:cNvPr>
-          <p:cNvSpPr txBox="1"/>
-          <p:nvPr/>
-        </p:nvSpPr>
-        <p:spPr>
-          <a:xfrm>
-            <a:off x="3882568" y="5520851"/>
-            <a:ext cx="1415772" cy="338554"/>
-          </a:xfrm>
-          <a:prstGeom prst="rect">
-            <a:avLst/>
-          </a:prstGeom>
-          <a:solidFill>
-            <a:srgbClr val="C00000"/>
-          </a:solidFill>
-        </p:spPr>
-        <p:txBody>
-          <a:bodyPr wrap="none" rtlCol="0">
-            <a:spAutoFit/>
-          </a:bodyPr>
-          <a:lstStyle/>
-          <a:p>
-            <a:pPr fontAlgn="auto">
-              <a:spcBef>
-                <a:spcPts val="0"/>
-              </a:spcBef>
-              <a:spcAft>
-                <a:spcPts val="0"/>
-              </a:spcAft>
-            </a:pPr>
-            <a:r>
-              <a:rPr kumimoji="1" lang="ja-JP" altLang="en-US" sz="1600" dirty="0">
-                <a:solidFill>
-                  <a:schemeClr val="bg1"/>
-                </a:solidFill>
-                <a:latin typeface="Impact" pitchFamily="34" charset="0"/>
-                <a:ea typeface="+mn-ea"/>
-              </a:rPr>
-              <a:t>調査して書く</a:t>
-            </a:r>
-          </a:p>
-        </p:txBody>
-      </p:sp>
-    </p:spTree>
-    <p:extLst>
-      <p:ext uri="{BB962C8B-B14F-4D97-AF65-F5344CB8AC3E}">
-        <p14:creationId xmlns:p14="http://schemas.microsoft.com/office/powerpoint/2010/main" val="1489979408"/>
-      </p:ext>
-    </p:extLst>
-  </p:cSld>
-  <p:clrMapOvr>
-    <a:masterClrMapping/>
-  </p:clrMapOvr>
-</p:sld>
-</file>
-
-<file path=ppt/slides/slide9.xml><?xml version="1.0" encoding="utf-8"?>
-<p:sld xmlns:a="http://schemas.openxmlformats.org/drawingml/2006/main" xmlns:r="http://schemas.openxmlformats.org/officeDocument/2006/relationships" xmlns:p="http://schemas.openxmlformats.org/presentationml/2006/main">
-  <p:cSld>
-    <p:spTree>
-      <p:nvGrpSpPr>
-        <p:cNvPr id="1" name=""/>
-        <p:cNvGrpSpPr/>
-        <p:nvPr/>
-      </p:nvGrpSpPr>
-      <p:grpSpPr>
-        <a:xfrm>
-          <a:off x="0" y="0"/>
-          <a:ext cx="0" cy="0"/>
-          <a:chOff x="0" y="0"/>
-          <a:chExt cx="0" cy="0"/>
-        </a:xfrm>
-      </p:grpSpPr>
-      <p:sp>
-        <p:nvSpPr>
-          <p:cNvPr id="5" name="テキスト プレースホルダー 4"/>
-          <p:cNvSpPr>
-            <a:spLocks noGrp="1"/>
-          </p:cNvSpPr>
-          <p:nvPr>
-            <p:ph type="body" sz="quarter" idx="10"/>
-          </p:nvPr>
-        </p:nvSpPr>
-        <p:spPr/>
-        <p:txBody>
-          <a:bodyPr/>
-          <a:lstStyle/>
-          <a:p>
-            <a:r>
-              <a:rPr lang="ja-JP" altLang="en-US"/>
-              <a:t>株式会社ミツエーリンクス</a:t>
-            </a:r>
-          </a:p>
-          <a:p>
-            <a:r>
-              <a:rPr lang="ja-JP" altLang="en-US"/>
-              <a:t>第一本部　営業グループ</a:t>
-            </a:r>
-          </a:p>
-          <a:p>
-            <a:r>
-              <a:rPr lang="ja-JP" altLang="en-US"/>
-              <a:t>○○</a:t>
-            </a:r>
-            <a:endParaRPr lang="en-US" altLang="ja-JP"/>
-          </a:p>
-          <a:p>
-            <a:r>
-              <a:rPr lang="en-US" altLang="ja-JP"/>
-              <a:t>TEL</a:t>
-            </a:r>
-            <a:r>
-              <a:rPr lang="ja-JP" altLang="en-US"/>
-              <a:t>：</a:t>
-            </a:r>
-            <a:r>
-              <a:rPr lang="en-US" altLang="ja-JP"/>
-              <a:t>03-5937-2893</a:t>
-            </a:r>
-            <a:endParaRPr lang="en-US" altLang="ja-JP" dirty="0"/>
-          </a:p>
-        </p:txBody>
-      </p:sp>
-    </p:spTree>
-    <p:extLst>
-      <p:ext uri="{BB962C8B-B14F-4D97-AF65-F5344CB8AC3E}">
-        <p14:creationId xmlns:p14="http://schemas.microsoft.com/office/powerpoint/2010/main" val="2749020189"/>
+        <p14:creationId xmlns:p14="http://schemas.microsoft.com/office/powerpoint/2010/main" val="2360922923"/>
       </p:ext>
     </p:extLst>
   </p:cSld>
@@ -12175,6 +13468,26 @@
 </file>
 
 <file path=customXml/item1.xml><?xml version="1.0" encoding="utf-8"?>
+<?mso-contentType ?>
+<FormTemplates xmlns="http://schemas.microsoft.com/sharepoint/v3/contenttype/forms">
+  <Display>DocumentLibraryForm</Display>
+  <Edit>DocumentLibraryForm</Edit>
+  <New>DocumentLibraryForm</New>
+</FormTemplates>
+</file>
+
+<file path=customXml/item2.xml><?xml version="1.0" encoding="utf-8"?>
+<p:properties xmlns:p="http://schemas.microsoft.com/office/2006/metadata/properties" xmlns:xsi="http://www.w3.org/2001/XMLSchema-instance">
+  <documentManagement>
+    <TaxCatchAll xmlns="d8b42a27-6036-4b93-bc11-cab4175059c0" xsi:nil="true"/>
+    <lcf76f155ced4ddcb4097134ff3c332f xmlns="62f5e448-8b1a-4db8-a6d7-3cc724b0a689">
+      <Terms xmlns="http://schemas.microsoft.com/office/infopath/2007/PartnerControls"/>
+    </lcf76f155ced4ddcb4097134ff3c332f>
+  </documentManagement>
+</p:properties>
+</file>
+
+<file path=customXml/item3.xml><?xml version="1.0" encoding="utf-8"?>
 <ct:contentTypeSchema xmlns:ct="http://schemas.microsoft.com/office/2006/metadata/contentType" xmlns:ma="http://schemas.microsoft.com/office/2006/metadata/properties/metaAttributes" ct:_="" ma:_="" ma:contentTypeName="ドキュメント" ma:contentTypeID="0x010100E6A41F36ACAFE8439FE60A7F3B18C636" ma:contentTypeVersion="14" ma:contentTypeDescription="新しいドキュメントを作成します。" ma:contentTypeScope="" ma:versionID="5120f5a1e4ff437213132ca14855e34a">
   <xsd:schema xmlns:xsd="http://www.w3.org/2001/XMLSchema" xmlns:xs="http://www.w3.org/2001/XMLSchema" xmlns:p="http://schemas.microsoft.com/office/2006/metadata/properties" xmlns:ns2="62f5e448-8b1a-4db8-a6d7-3cc724b0a689" xmlns:ns3="d8b42a27-6036-4b93-bc11-cab4175059c0" targetNamespace="http://schemas.microsoft.com/office/2006/metadata/properties" ma:root="true" ma:fieldsID="41681602b732cbb64fb802da58f80541" ns2:_="" ns3:_="">
     <xsd:import namespace="62f5e448-8b1a-4db8-a6d7-3cc724b0a689"/>
@@ -12375,41 +13688,10 @@
 </ct:contentTypeSchema>
 </file>
 
-<file path=customXml/item2.xml><?xml version="1.0" encoding="utf-8"?>
-<p:properties xmlns:p="http://schemas.microsoft.com/office/2006/metadata/properties" xmlns:xsi="http://www.w3.org/2001/XMLSchema-instance">
-  <documentManagement>
-    <TaxCatchAll xmlns="d8b42a27-6036-4b93-bc11-cab4175059c0" xsi:nil="true"/>
-    <lcf76f155ced4ddcb4097134ff3c332f xmlns="62f5e448-8b1a-4db8-a6d7-3cc724b0a689">
-      <Terms xmlns="http://schemas.microsoft.com/office/infopath/2007/PartnerControls"/>
-    </lcf76f155ced4ddcb4097134ff3c332f>
-  </documentManagement>
-</p:properties>
-</file>
-
-<file path=customXml/item3.xml><?xml version="1.0" encoding="utf-8"?>
-<?mso-contentType ?>
-<FormTemplates xmlns="http://schemas.microsoft.com/sharepoint/v3/contenttype/forms">
-  <Display>DocumentLibraryForm</Display>
-  <Edit>DocumentLibraryForm</Edit>
-  <New>DocumentLibraryForm</New>
-</FormTemplates>
-</file>
-
 <file path=customXml/itemProps1.xml><?xml version="1.0" encoding="utf-8"?>
-<ds:datastoreItem xmlns:ds="http://schemas.openxmlformats.org/officeDocument/2006/customXml" ds:itemID="{9FCF8F51-F22D-4255-BEFF-73384F3A6204}">
+<ds:datastoreItem xmlns:ds="http://schemas.openxmlformats.org/officeDocument/2006/customXml" ds:itemID="{9F6F6E26-BAAE-4220-9796-6D7A13D1B084}">
   <ds:schemaRefs>
-    <ds:schemaRef ds:uri="http://schemas.microsoft.com/office/2006/metadata/contentType"/>
-    <ds:schemaRef ds:uri="http://schemas.microsoft.com/office/2006/metadata/properties/metaAttributes"/>
-    <ds:schemaRef ds:uri="http://www.w3.org/2001/XMLSchema"/>
-    <ds:schemaRef ds:uri="http://schemas.microsoft.com/office/2006/metadata/properties"/>
-    <ds:schemaRef ds:uri="62f5e448-8b1a-4db8-a6d7-3cc724b0a689"/>
-    <ds:schemaRef ds:uri="d8b42a27-6036-4b93-bc11-cab4175059c0"/>
-    <ds:schemaRef ds:uri="http://schemas.microsoft.com/office/2006/documentManagement/types"/>
-    <ds:schemaRef ds:uri="http://schemas.microsoft.com/office/infopath/2007/PartnerControls"/>
-    <ds:schemaRef ds:uri="http://schemas.openxmlformats.org/package/2006/metadata/core-properties"/>
-    <ds:schemaRef ds:uri="http://purl.org/dc/elements/1.1/"/>
-    <ds:schemaRef ds:uri="http://purl.org/dc/terms/"/>
-    <ds:schemaRef ds:uri="http://schemas.microsoft.com/internal/obd"/>
+    <ds:schemaRef ds:uri="http://schemas.microsoft.com/sharepoint/v3/contenttype/forms"/>
   </ds:schemaRefs>
 </ds:datastoreItem>
 </file>
@@ -12433,9 +13715,20 @@
 </file>
 
 <file path=customXml/itemProps3.xml><?xml version="1.0" encoding="utf-8"?>
-<ds:datastoreItem xmlns:ds="http://schemas.openxmlformats.org/officeDocument/2006/customXml" ds:itemID="{9F6F6E26-BAAE-4220-9796-6D7A13D1B084}">
+<ds:datastoreItem xmlns:ds="http://schemas.openxmlformats.org/officeDocument/2006/customXml" ds:itemID="{9FCF8F51-F22D-4255-BEFF-73384F3A6204}">
   <ds:schemaRefs>
-    <ds:schemaRef ds:uri="http://schemas.microsoft.com/sharepoint/v3/contenttype/forms"/>
+    <ds:schemaRef ds:uri="http://schemas.microsoft.com/office/2006/metadata/contentType"/>
+    <ds:schemaRef ds:uri="http://schemas.microsoft.com/office/2006/metadata/properties/metaAttributes"/>
+    <ds:schemaRef ds:uri="http://www.w3.org/2001/XMLSchema"/>
+    <ds:schemaRef ds:uri="http://schemas.microsoft.com/office/2006/metadata/properties"/>
+    <ds:schemaRef ds:uri="62f5e448-8b1a-4db8-a6d7-3cc724b0a689"/>
+    <ds:schemaRef ds:uri="d8b42a27-6036-4b93-bc11-cab4175059c0"/>
+    <ds:schemaRef ds:uri="http://schemas.microsoft.com/office/2006/documentManagement/types"/>
+    <ds:schemaRef ds:uri="http://schemas.microsoft.com/office/infopath/2007/PartnerControls"/>
+    <ds:schemaRef ds:uri="http://schemas.openxmlformats.org/package/2006/metadata/core-properties"/>
+    <ds:schemaRef ds:uri="http://purl.org/dc/elements/1.1/"/>
+    <ds:schemaRef ds:uri="http://purl.org/dc/terms/"/>
+    <ds:schemaRef ds:uri="http://schemas.microsoft.com/internal/obd"/>
   </ds:schemaRefs>
 </ds:datastoreItem>
 </file>